--- a/design/arch.pptx
+++ b/design/arch.pptx
@@ -5,13 +5,21 @@
     <p:sldMasterId id="2147483648" r:id="rId1"/>
   </p:sldMasterIdLst>
   <p:notesMasterIdLst>
-    <p:notesMasterId r:id="rId6"/>
+    <p:notesMasterId r:id="rId14"/>
   </p:notesMasterIdLst>
   <p:sldIdLst>
     <p:sldId id="285" r:id="rId2"/>
-    <p:sldId id="287" r:id="rId3"/>
-    <p:sldId id="286" r:id="rId4"/>
-    <p:sldId id="288" r:id="rId5"/>
+    <p:sldId id="289" r:id="rId3"/>
+    <p:sldId id="290" r:id="rId4"/>
+    <p:sldId id="291" r:id="rId5"/>
+    <p:sldId id="287" r:id="rId6"/>
+    <p:sldId id="292" r:id="rId7"/>
+    <p:sldId id="286" r:id="rId8"/>
+    <p:sldId id="288" r:id="rId9"/>
+    <p:sldId id="293" r:id="rId10"/>
+    <p:sldId id="294" r:id="rId11"/>
+    <p:sldId id="295" r:id="rId12"/>
+    <p:sldId id="296" r:id="rId13"/>
   </p:sldIdLst>
   <p:sldSz cx="12192000" cy="6858000"/>
   <p:notesSz cx="6858000" cy="9144000"/>
@@ -200,7 +208,7 @@
           <a:p>
             <a:fld id="{1620D850-ECA6-4B73-A120-2CDB0DC198AF}" type="datetimeFigureOut">
               <a:rPr lang="zh-CN" altLang="en-US" smtClean="0"/>
-              <a:t>2025/9/3</a:t>
+              <a:t>2025/12/26</a:t>
             </a:fld>
             <a:endParaRPr lang="zh-CN" altLang="en-US"/>
           </a:p>
@@ -467,6 +475,174 @@
 </p:notesMaster>
 </file>
 
+<file path=ppt/notesSlides/notesSlide1.xml><?xml version="1.0" encoding="utf-8"?>
+<p:notes xmlns:a="http://schemas.openxmlformats.org/drawingml/2006/main" xmlns:r="http://schemas.openxmlformats.org/officeDocument/2006/relationships" xmlns:p="http://schemas.openxmlformats.org/presentationml/2006/main">
+  <p:cSld>
+    <p:spTree>
+      <p:nvGrpSpPr>
+        <p:cNvPr id="1" name=""/>
+        <p:cNvGrpSpPr/>
+        <p:nvPr/>
+      </p:nvGrpSpPr>
+      <p:grpSpPr>
+        <a:xfrm>
+          <a:off x="0" y="0"/>
+          <a:ext cx="0" cy="0"/>
+          <a:chOff x="0" y="0"/>
+          <a:chExt cx="0" cy="0"/>
+        </a:xfrm>
+      </p:grpSpPr>
+      <p:sp>
+        <p:nvSpPr>
+          <p:cNvPr id="2" name="幻灯片图像占位符 1"/>
+          <p:cNvSpPr>
+            <a:spLocks noGrp="1" noRot="1" noChangeAspect="1"/>
+          </p:cNvSpPr>
+          <p:nvPr>
+            <p:ph type="sldImg"/>
+          </p:nvPr>
+        </p:nvSpPr>
+        <p:spPr/>
+      </p:sp>
+      <p:sp>
+        <p:nvSpPr>
+          <p:cNvPr id="3" name="备注占位符 2"/>
+          <p:cNvSpPr>
+            <a:spLocks noGrp="1"/>
+          </p:cNvSpPr>
+          <p:nvPr>
+            <p:ph type="body" idx="1"/>
+          </p:nvPr>
+        </p:nvSpPr>
+        <p:spPr/>
+        <p:txBody>
+          <a:bodyPr/>
+          <a:lstStyle/>
+          <a:p>
+            <a:endParaRPr lang="zh-CN" altLang="en-US" dirty="0"/>
+          </a:p>
+        </p:txBody>
+      </p:sp>
+      <p:sp>
+        <p:nvSpPr>
+          <p:cNvPr id="4" name="灯片编号占位符 3"/>
+          <p:cNvSpPr>
+            <a:spLocks noGrp="1"/>
+          </p:cNvSpPr>
+          <p:nvPr>
+            <p:ph type="sldNum" sz="quarter" idx="5"/>
+          </p:nvPr>
+        </p:nvSpPr>
+        <p:spPr/>
+        <p:txBody>
+          <a:bodyPr/>
+          <a:lstStyle/>
+          <a:p>
+            <a:fld id="{2ABF01C4-FEF3-4F65-968A-9FD0DBC28ECE}" type="slidenum">
+              <a:rPr lang="zh-CN" altLang="en-US" smtClean="0"/>
+              <a:t>6</a:t>
+            </a:fld>
+            <a:endParaRPr lang="zh-CN" altLang="en-US"/>
+          </a:p>
+        </p:txBody>
+      </p:sp>
+    </p:spTree>
+    <p:extLst>
+      <p:ext uri="{BB962C8B-B14F-4D97-AF65-F5344CB8AC3E}">
+        <p14:creationId xmlns:p14="http://schemas.microsoft.com/office/powerpoint/2010/main" val="1602747908"/>
+      </p:ext>
+    </p:extLst>
+  </p:cSld>
+  <p:clrMapOvr>
+    <a:masterClrMapping/>
+  </p:clrMapOvr>
+</p:notes>
+</file>
+
+<file path=ppt/notesSlides/notesSlide2.xml><?xml version="1.0" encoding="utf-8"?>
+<p:notes xmlns:a="http://schemas.openxmlformats.org/drawingml/2006/main" xmlns:r="http://schemas.openxmlformats.org/officeDocument/2006/relationships" xmlns:p="http://schemas.openxmlformats.org/presentationml/2006/main">
+  <p:cSld>
+    <p:spTree>
+      <p:nvGrpSpPr>
+        <p:cNvPr id="1" name=""/>
+        <p:cNvGrpSpPr/>
+        <p:nvPr/>
+      </p:nvGrpSpPr>
+      <p:grpSpPr>
+        <a:xfrm>
+          <a:off x="0" y="0"/>
+          <a:ext cx="0" cy="0"/>
+          <a:chOff x="0" y="0"/>
+          <a:chExt cx="0" cy="0"/>
+        </a:xfrm>
+      </p:grpSpPr>
+      <p:sp>
+        <p:nvSpPr>
+          <p:cNvPr id="2" name="幻灯片图像占位符 1"/>
+          <p:cNvSpPr>
+            <a:spLocks noGrp="1" noRot="1" noChangeAspect="1"/>
+          </p:cNvSpPr>
+          <p:nvPr>
+            <p:ph type="sldImg"/>
+          </p:nvPr>
+        </p:nvSpPr>
+        <p:spPr/>
+      </p:sp>
+      <p:sp>
+        <p:nvSpPr>
+          <p:cNvPr id="3" name="备注占位符 2"/>
+          <p:cNvSpPr>
+            <a:spLocks noGrp="1"/>
+          </p:cNvSpPr>
+          <p:nvPr>
+            <p:ph type="body" idx="1"/>
+          </p:nvPr>
+        </p:nvSpPr>
+        <p:spPr/>
+        <p:txBody>
+          <a:bodyPr/>
+          <a:lstStyle/>
+          <a:p>
+            <a:endParaRPr lang="zh-CN" altLang="en-US" dirty="0"/>
+          </a:p>
+        </p:txBody>
+      </p:sp>
+      <p:sp>
+        <p:nvSpPr>
+          <p:cNvPr id="4" name="灯片编号占位符 3"/>
+          <p:cNvSpPr>
+            <a:spLocks noGrp="1"/>
+          </p:cNvSpPr>
+          <p:nvPr>
+            <p:ph type="sldNum" sz="quarter" idx="5"/>
+          </p:nvPr>
+        </p:nvSpPr>
+        <p:spPr/>
+        <p:txBody>
+          <a:bodyPr/>
+          <a:lstStyle/>
+          <a:p>
+            <a:fld id="{2ABF01C4-FEF3-4F65-968A-9FD0DBC28ECE}" type="slidenum">
+              <a:rPr lang="zh-CN" altLang="en-US" smtClean="0"/>
+              <a:t>12</a:t>
+            </a:fld>
+            <a:endParaRPr lang="zh-CN" altLang="en-US"/>
+          </a:p>
+        </p:txBody>
+      </p:sp>
+    </p:spTree>
+    <p:extLst>
+      <p:ext uri="{BB962C8B-B14F-4D97-AF65-F5344CB8AC3E}">
+        <p14:creationId xmlns:p14="http://schemas.microsoft.com/office/powerpoint/2010/main" val="2774421433"/>
+      </p:ext>
+    </p:extLst>
+  </p:cSld>
+  <p:clrMapOvr>
+    <a:masterClrMapping/>
+  </p:clrMapOvr>
+</p:notes>
+</file>
+
 <file path=ppt/slideLayouts/slideLayout1.xml><?xml version="1.0" encoding="utf-8"?>
 <p:sldLayout xmlns:a="http://schemas.openxmlformats.org/drawingml/2006/main" xmlns:r="http://schemas.openxmlformats.org/officeDocument/2006/relationships" xmlns:p="http://schemas.openxmlformats.org/presentationml/2006/main" type="title" preserve="1">
   <p:cSld name="标题幻灯片">
@@ -614,7 +790,7 @@
           <a:p>
             <a:fld id="{A64FDB15-7326-485A-A5C8-B9774FE10C0A}" type="datetimeFigureOut">
               <a:rPr lang="zh-CN" altLang="en-US" smtClean="0"/>
-              <a:t>2025/9/3</a:t>
+              <a:t>2025/12/26</a:t>
             </a:fld>
             <a:endParaRPr lang="zh-CN" altLang="en-US"/>
           </a:p>
@@ -812,7 +988,7 @@
           <a:p>
             <a:fld id="{A64FDB15-7326-485A-A5C8-B9774FE10C0A}" type="datetimeFigureOut">
               <a:rPr lang="zh-CN" altLang="en-US" smtClean="0"/>
-              <a:t>2025/9/3</a:t>
+              <a:t>2025/12/26</a:t>
             </a:fld>
             <a:endParaRPr lang="zh-CN" altLang="en-US"/>
           </a:p>
@@ -1020,7 +1196,7 @@
           <a:p>
             <a:fld id="{A64FDB15-7326-485A-A5C8-B9774FE10C0A}" type="datetimeFigureOut">
               <a:rPr lang="zh-CN" altLang="en-US" smtClean="0"/>
-              <a:t>2025/9/3</a:t>
+              <a:t>2025/12/26</a:t>
             </a:fld>
             <a:endParaRPr lang="zh-CN" altLang="en-US"/>
           </a:p>
@@ -1218,7 +1394,7 @@
           <a:p>
             <a:fld id="{A64FDB15-7326-485A-A5C8-B9774FE10C0A}" type="datetimeFigureOut">
               <a:rPr lang="zh-CN" altLang="en-US" smtClean="0"/>
-              <a:t>2025/9/3</a:t>
+              <a:t>2025/12/26</a:t>
             </a:fld>
             <a:endParaRPr lang="zh-CN" altLang="en-US"/>
           </a:p>
@@ -1493,7 +1669,7 @@
           <a:p>
             <a:fld id="{A64FDB15-7326-485A-A5C8-B9774FE10C0A}" type="datetimeFigureOut">
               <a:rPr lang="zh-CN" altLang="en-US" smtClean="0"/>
-              <a:t>2025/9/3</a:t>
+              <a:t>2025/12/26</a:t>
             </a:fld>
             <a:endParaRPr lang="zh-CN" altLang="en-US"/>
           </a:p>
@@ -1758,7 +1934,7 @@
           <a:p>
             <a:fld id="{A64FDB15-7326-485A-A5C8-B9774FE10C0A}" type="datetimeFigureOut">
               <a:rPr lang="zh-CN" altLang="en-US" smtClean="0"/>
-              <a:t>2025/9/3</a:t>
+              <a:t>2025/12/26</a:t>
             </a:fld>
             <a:endParaRPr lang="zh-CN" altLang="en-US"/>
           </a:p>
@@ -2170,7 +2346,7 @@
           <a:p>
             <a:fld id="{A64FDB15-7326-485A-A5C8-B9774FE10C0A}" type="datetimeFigureOut">
               <a:rPr lang="zh-CN" altLang="en-US" smtClean="0"/>
-              <a:t>2025/9/3</a:t>
+              <a:t>2025/12/26</a:t>
             </a:fld>
             <a:endParaRPr lang="zh-CN" altLang="en-US"/>
           </a:p>
@@ -2311,7 +2487,7 @@
           <a:p>
             <a:fld id="{A64FDB15-7326-485A-A5C8-B9774FE10C0A}" type="datetimeFigureOut">
               <a:rPr lang="zh-CN" altLang="en-US" smtClean="0"/>
-              <a:t>2025/9/3</a:t>
+              <a:t>2025/12/26</a:t>
             </a:fld>
             <a:endParaRPr lang="zh-CN" altLang="en-US"/>
           </a:p>
@@ -2424,7 +2600,7 @@
           <a:p>
             <a:fld id="{A64FDB15-7326-485A-A5C8-B9774FE10C0A}" type="datetimeFigureOut">
               <a:rPr lang="zh-CN" altLang="en-US" smtClean="0"/>
-              <a:t>2025/9/3</a:t>
+              <a:t>2025/12/26</a:t>
             </a:fld>
             <a:endParaRPr lang="zh-CN" altLang="en-US"/>
           </a:p>
@@ -2735,7 +2911,7 @@
           <a:p>
             <a:fld id="{A64FDB15-7326-485A-A5C8-B9774FE10C0A}" type="datetimeFigureOut">
               <a:rPr lang="zh-CN" altLang="en-US" smtClean="0"/>
-              <a:t>2025/9/3</a:t>
+              <a:t>2025/12/26</a:t>
             </a:fld>
             <a:endParaRPr lang="zh-CN" altLang="en-US"/>
           </a:p>
@@ -3023,7 +3199,7 @@
           <a:p>
             <a:fld id="{A64FDB15-7326-485A-A5C8-B9774FE10C0A}" type="datetimeFigureOut">
               <a:rPr lang="zh-CN" altLang="en-US" smtClean="0"/>
-              <a:t>2025/9/3</a:t>
+              <a:t>2025/12/26</a:t>
             </a:fld>
             <a:endParaRPr lang="zh-CN" altLang="en-US"/>
           </a:p>
@@ -3264,7 +3440,7 @@
           <a:p>
             <a:fld id="{A64FDB15-7326-485A-A5C8-B9774FE10C0A}" type="datetimeFigureOut">
               <a:rPr lang="zh-CN" altLang="en-US" smtClean="0"/>
-              <a:t>2025/9/3</a:t>
+              <a:t>2025/12/26</a:t>
             </a:fld>
             <a:endParaRPr lang="zh-CN" altLang="en-US"/>
           </a:p>
@@ -3695,10 +3871,10 @@
         </p:nvGrpSpPr>
         <p:grpSpPr>
           <a:xfrm>
-            <a:off x="2391000" y="2529000"/>
-            <a:ext cx="8108500" cy="1800000"/>
-            <a:chOff x="3153000" y="2529000"/>
-            <a:chExt cx="8108500" cy="1800000"/>
+            <a:off x="3963250" y="1766867"/>
+            <a:ext cx="4265500" cy="3324266"/>
+            <a:chOff x="3963250" y="1766728"/>
+            <a:chExt cx="4265500" cy="3324266"/>
           </a:xfrm>
         </p:grpSpPr>
         <p:pic>
@@ -3754,7 +3930,7 @@
           </p:nvSpPr>
           <p:spPr>
             <a:xfrm>
-              <a:off x="3153000" y="2875002"/>
+              <a:off x="5074500" y="1766728"/>
               <a:ext cx="2043000" cy="1107996"/>
             </a:xfrm>
             <a:prstGeom prst="rect">
@@ -3794,7 +3970,7 @@
           </p:nvSpPr>
           <p:spPr>
             <a:xfrm>
-              <a:off x="6996000" y="2875002"/>
+              <a:off x="3963250" y="3982998"/>
               <a:ext cx="4265500" cy="1107996"/>
             </a:xfrm>
             <a:prstGeom prst="rect">
@@ -3843,6 +4019,871 @@
 </p:sld>
 </file>
 
+<file path=ppt/slides/slide10.xml><?xml version="1.0" encoding="utf-8"?>
+<p:sld xmlns:a="http://schemas.openxmlformats.org/drawingml/2006/main" xmlns:r="http://schemas.openxmlformats.org/officeDocument/2006/relationships" xmlns:p="http://schemas.openxmlformats.org/presentationml/2006/main">
+  <p:cSld>
+    <p:spTree>
+      <p:nvGrpSpPr>
+        <p:cNvPr id="1" name=""/>
+        <p:cNvGrpSpPr/>
+        <p:nvPr/>
+      </p:nvGrpSpPr>
+      <p:grpSpPr>
+        <a:xfrm>
+          <a:off x="0" y="0"/>
+          <a:ext cx="0" cy="0"/>
+          <a:chOff x="0" y="0"/>
+          <a:chExt cx="0" cy="0"/>
+        </a:xfrm>
+      </p:grpSpPr>
+      <p:pic>
+        <p:nvPicPr>
+          <p:cNvPr id="4" name="图片 3">
+            <a:extLst>
+              <a:ext uri="{FF2B5EF4-FFF2-40B4-BE49-F238E27FC236}">
+                <a16:creationId xmlns:a16="http://schemas.microsoft.com/office/drawing/2014/main" id="{1521AC09-4C38-4228-BB8C-09BBF7667265}"/>
+              </a:ext>
+            </a:extLst>
+          </p:cNvPr>
+          <p:cNvPicPr>
+            <a:picLocks noChangeAspect="1"/>
+          </p:cNvPicPr>
+          <p:nvPr/>
+        </p:nvPicPr>
+        <p:blipFill>
+          <a:blip r:embed="rId2"/>
+          <a:stretch>
+            <a:fillRect/>
+          </a:stretch>
+        </p:blipFill>
+        <p:spPr>
+          <a:xfrm>
+            <a:off x="1251429" y="1330191"/>
+            <a:ext cx="3457732" cy="2657809"/>
+          </a:xfrm>
+          <a:prstGeom prst="rect">
+            <a:avLst/>
+          </a:prstGeom>
+        </p:spPr>
+      </p:pic>
+      <p:pic>
+        <p:nvPicPr>
+          <p:cNvPr id="5" name="图片 4">
+            <a:extLst>
+              <a:ext uri="{FF2B5EF4-FFF2-40B4-BE49-F238E27FC236}">
+                <a16:creationId xmlns:a16="http://schemas.microsoft.com/office/drawing/2014/main" id="{16AF9501-212C-4881-92E9-702B18EB922C}"/>
+              </a:ext>
+            </a:extLst>
+          </p:cNvPr>
+          <p:cNvPicPr>
+            <a:picLocks noChangeAspect="1"/>
+          </p:cNvPicPr>
+          <p:nvPr/>
+        </p:nvPicPr>
+        <p:blipFill>
+          <a:blip r:embed="rId3"/>
+          <a:stretch>
+            <a:fillRect/>
+          </a:stretch>
+        </p:blipFill>
+        <p:spPr>
+          <a:xfrm>
+            <a:off x="4846214" y="1330191"/>
+            <a:ext cx="2945330" cy="2657809"/>
+          </a:xfrm>
+          <a:prstGeom prst="rect">
+            <a:avLst/>
+          </a:prstGeom>
+        </p:spPr>
+      </p:pic>
+      <p:pic>
+        <p:nvPicPr>
+          <p:cNvPr id="6" name="图片 5">
+            <a:extLst>
+              <a:ext uri="{FF2B5EF4-FFF2-40B4-BE49-F238E27FC236}">
+                <a16:creationId xmlns:a16="http://schemas.microsoft.com/office/drawing/2014/main" id="{0CCED633-9A1B-4795-A334-6156B9FF943E}"/>
+              </a:ext>
+            </a:extLst>
+          </p:cNvPr>
+          <p:cNvPicPr>
+            <a:picLocks noChangeAspect="1"/>
+          </p:cNvPicPr>
+          <p:nvPr/>
+        </p:nvPicPr>
+        <p:blipFill>
+          <a:blip r:embed="rId4"/>
+          <a:stretch>
+            <a:fillRect/>
+          </a:stretch>
+        </p:blipFill>
+        <p:spPr>
+          <a:xfrm>
+            <a:off x="7873893" y="1330191"/>
+            <a:ext cx="2945329" cy="2657809"/>
+          </a:xfrm>
+          <a:prstGeom prst="rect">
+            <a:avLst/>
+          </a:prstGeom>
+        </p:spPr>
+      </p:pic>
+      <p:sp>
+        <p:nvSpPr>
+          <p:cNvPr id="7" name="文本框 6">
+            <a:extLst>
+              <a:ext uri="{FF2B5EF4-FFF2-40B4-BE49-F238E27FC236}">
+                <a16:creationId xmlns:a16="http://schemas.microsoft.com/office/drawing/2014/main" id="{2DC32F27-8D4A-43F0-8320-F1C8F3D7DE71}"/>
+              </a:ext>
+            </a:extLst>
+          </p:cNvPr>
+          <p:cNvSpPr txBox="1"/>
+          <p:nvPr/>
+        </p:nvSpPr>
+        <p:spPr>
+          <a:xfrm>
+            <a:off x="1538502" y="4565412"/>
+            <a:ext cx="9114996" cy="369332"/>
+          </a:xfrm>
+          <a:prstGeom prst="rect">
+            <a:avLst/>
+          </a:prstGeom>
+          <a:noFill/>
+        </p:spPr>
+        <p:txBody>
+          <a:bodyPr wrap="none" rtlCol="0">
+            <a:spAutoFit/>
+          </a:bodyPr>
+          <a:lstStyle/>
+          <a:p>
+            <a:r>
+              <a:rPr lang="zh-CN" altLang="en-US" dirty="0"/>
+              <a:t>哪怕我找到了一些频率，这些频率由于对于单个</a:t>
+            </a:r>
+            <a:r>
+              <a:rPr lang="en-US" altLang="zh-CN" dirty="0"/>
+              <a:t>bin</a:t>
+            </a:r>
+            <a:r>
+              <a:rPr lang="zh-CN" altLang="en-US" dirty="0"/>
+              <a:t>文件来说，根本看不到这么低的频率</a:t>
+            </a:r>
+          </a:p>
+        </p:txBody>
+      </p:sp>
+      <p:sp>
+        <p:nvSpPr>
+          <p:cNvPr id="8" name="文本框 7">
+            <a:extLst>
+              <a:ext uri="{FF2B5EF4-FFF2-40B4-BE49-F238E27FC236}">
+                <a16:creationId xmlns:a16="http://schemas.microsoft.com/office/drawing/2014/main" id="{6CE8350D-D07A-4CDC-B6B9-4DEE12F01CE4}"/>
+              </a:ext>
+            </a:extLst>
+          </p:cNvPr>
+          <p:cNvSpPr txBox="1"/>
+          <p:nvPr/>
+        </p:nvSpPr>
+        <p:spPr>
+          <a:xfrm>
+            <a:off x="1538502" y="5115638"/>
+            <a:ext cx="5618846" cy="369332"/>
+          </a:xfrm>
+          <a:prstGeom prst="rect">
+            <a:avLst/>
+          </a:prstGeom>
+          <a:noFill/>
+        </p:spPr>
+        <p:txBody>
+          <a:bodyPr wrap="none" rtlCol="0">
+            <a:spAutoFit/>
+          </a:bodyPr>
+          <a:lstStyle/>
+          <a:p>
+            <a:r>
+              <a:rPr lang="zh-CN" altLang="en-US" dirty="0"/>
+              <a:t>无法指导  过滤掉基线含有特定频率的频率噪声的信号</a:t>
+            </a:r>
+          </a:p>
+        </p:txBody>
+      </p:sp>
+      <p:sp>
+        <p:nvSpPr>
+          <p:cNvPr id="9" name="文本框 8">
+            <a:extLst>
+              <a:ext uri="{FF2B5EF4-FFF2-40B4-BE49-F238E27FC236}">
+                <a16:creationId xmlns:a16="http://schemas.microsoft.com/office/drawing/2014/main" id="{556E787D-0F31-4AB9-8084-DBFDBE6C4E7E}"/>
+              </a:ext>
+            </a:extLst>
+          </p:cNvPr>
+          <p:cNvSpPr txBox="1"/>
+          <p:nvPr/>
+        </p:nvSpPr>
+        <p:spPr>
+          <a:xfrm>
+            <a:off x="5378823" y="3984228"/>
+            <a:ext cx="646331" cy="369332"/>
+          </a:xfrm>
+          <a:prstGeom prst="rect">
+            <a:avLst/>
+          </a:prstGeom>
+          <a:noFill/>
+        </p:spPr>
+        <p:txBody>
+          <a:bodyPr wrap="none" rtlCol="0">
+            <a:spAutoFit/>
+          </a:bodyPr>
+          <a:lstStyle/>
+          <a:p>
+            <a:r>
+              <a:rPr lang="zh-CN" altLang="en-US" dirty="0"/>
+              <a:t>频率</a:t>
+            </a:r>
+          </a:p>
+        </p:txBody>
+      </p:sp>
+      <p:sp>
+        <p:nvSpPr>
+          <p:cNvPr id="10" name="文本框 9">
+            <a:extLst>
+              <a:ext uri="{FF2B5EF4-FFF2-40B4-BE49-F238E27FC236}">
+                <a16:creationId xmlns:a16="http://schemas.microsoft.com/office/drawing/2014/main" id="{6D8D2A38-813F-4784-80F9-B1A2EAFA3463}"/>
+              </a:ext>
+            </a:extLst>
+          </p:cNvPr>
+          <p:cNvSpPr txBox="1"/>
+          <p:nvPr/>
+        </p:nvSpPr>
+        <p:spPr>
+          <a:xfrm>
+            <a:off x="479583" y="2474429"/>
+            <a:ext cx="646331" cy="369332"/>
+          </a:xfrm>
+          <a:prstGeom prst="rect">
+            <a:avLst/>
+          </a:prstGeom>
+          <a:noFill/>
+        </p:spPr>
+        <p:txBody>
+          <a:bodyPr wrap="none" rtlCol="0">
+            <a:spAutoFit/>
+          </a:bodyPr>
+          <a:lstStyle/>
+          <a:p>
+            <a:r>
+              <a:rPr lang="zh-CN" altLang="en-US" dirty="0"/>
+              <a:t>功率</a:t>
+            </a:r>
+          </a:p>
+        </p:txBody>
+      </p:sp>
+    </p:spTree>
+    <p:extLst>
+      <p:ext uri="{BB962C8B-B14F-4D97-AF65-F5344CB8AC3E}">
+        <p14:creationId xmlns:p14="http://schemas.microsoft.com/office/powerpoint/2010/main" val="2680585924"/>
+      </p:ext>
+    </p:extLst>
+  </p:cSld>
+  <p:clrMapOvr>
+    <a:masterClrMapping/>
+  </p:clrMapOvr>
+</p:sld>
+</file>
+
+<file path=ppt/slides/slide11.xml><?xml version="1.0" encoding="utf-8"?>
+<p:sld xmlns:a="http://schemas.openxmlformats.org/drawingml/2006/main" xmlns:r="http://schemas.openxmlformats.org/officeDocument/2006/relationships" xmlns:p="http://schemas.openxmlformats.org/presentationml/2006/main">
+  <p:cSld>
+    <p:spTree>
+      <p:nvGrpSpPr>
+        <p:cNvPr id="1" name=""/>
+        <p:cNvGrpSpPr/>
+        <p:nvPr/>
+      </p:nvGrpSpPr>
+      <p:grpSpPr>
+        <a:xfrm>
+          <a:off x="0" y="0"/>
+          <a:ext cx="0" cy="0"/>
+          <a:chOff x="0" y="0"/>
+          <a:chExt cx="0" cy="0"/>
+        </a:xfrm>
+      </p:grpSpPr>
+      <p:pic>
+        <p:nvPicPr>
+          <p:cNvPr id="5" name="图片 4">
+            <a:extLst>
+              <a:ext uri="{FF2B5EF4-FFF2-40B4-BE49-F238E27FC236}">
+                <a16:creationId xmlns:a16="http://schemas.microsoft.com/office/drawing/2014/main" id="{C06042EE-5A3F-4F73-9D8F-2270F557D1A1}"/>
+              </a:ext>
+            </a:extLst>
+          </p:cNvPr>
+          <p:cNvPicPr>
+            <a:picLocks noChangeAspect="1"/>
+          </p:cNvPicPr>
+          <p:nvPr/>
+        </p:nvPicPr>
+        <p:blipFill>
+          <a:blip r:embed="rId2"/>
+          <a:stretch>
+            <a:fillRect/>
+          </a:stretch>
+        </p:blipFill>
+        <p:spPr>
+          <a:xfrm>
+            <a:off x="656358" y="643285"/>
+            <a:ext cx="6971428" cy="5571429"/>
+          </a:xfrm>
+          <a:prstGeom prst="rect">
+            <a:avLst/>
+          </a:prstGeom>
+        </p:spPr>
+      </p:pic>
+      <p:cxnSp>
+        <p:nvCxnSpPr>
+          <p:cNvPr id="7" name="直接箭头连接符 6">
+            <a:extLst>
+              <a:ext uri="{FF2B5EF4-FFF2-40B4-BE49-F238E27FC236}">
+                <a16:creationId xmlns:a16="http://schemas.microsoft.com/office/drawing/2014/main" id="{7FFF89A3-8D93-4C03-A5F9-7134CD9D2B54}"/>
+              </a:ext>
+            </a:extLst>
+          </p:cNvPr>
+          <p:cNvCxnSpPr/>
+          <p:nvPr/>
+        </p:nvCxnSpPr>
+        <p:spPr>
+          <a:xfrm flipH="1">
+            <a:off x="3688047" y="2562225"/>
+            <a:ext cx="454025" cy="241300"/>
+          </a:xfrm>
+          <a:prstGeom prst="straightConnector1">
+            <a:avLst/>
+          </a:prstGeom>
+          <a:ln>
+            <a:tailEnd type="triangle"/>
+          </a:ln>
+        </p:spPr>
+        <p:style>
+          <a:lnRef idx="1">
+            <a:schemeClr val="dk1"/>
+          </a:lnRef>
+          <a:fillRef idx="0">
+            <a:schemeClr val="dk1"/>
+          </a:fillRef>
+          <a:effectRef idx="0">
+            <a:schemeClr val="dk1"/>
+          </a:effectRef>
+          <a:fontRef idx="minor">
+            <a:schemeClr val="tx1"/>
+          </a:fontRef>
+        </p:style>
+      </p:cxnSp>
+      <p:sp>
+        <p:nvSpPr>
+          <p:cNvPr id="8" name="文本框 7">
+            <a:extLst>
+              <a:ext uri="{FF2B5EF4-FFF2-40B4-BE49-F238E27FC236}">
+                <a16:creationId xmlns:a16="http://schemas.microsoft.com/office/drawing/2014/main" id="{C4190116-C034-4416-ADBE-FEF6B1B4AE22}"/>
+              </a:ext>
+            </a:extLst>
+          </p:cNvPr>
+          <p:cNvSpPr txBox="1"/>
+          <p:nvPr/>
+        </p:nvSpPr>
+        <p:spPr>
+          <a:xfrm>
+            <a:off x="4040472" y="2125133"/>
+            <a:ext cx="805029" cy="369332"/>
+          </a:xfrm>
+          <a:prstGeom prst="rect">
+            <a:avLst/>
+          </a:prstGeom>
+          <a:noFill/>
+        </p:spPr>
+        <p:txBody>
+          <a:bodyPr wrap="none" rtlCol="0">
+            <a:spAutoFit/>
+          </a:bodyPr>
+          <a:lstStyle/>
+          <a:p>
+            <a:r>
+              <a:rPr lang="en-US" altLang="zh-CN" dirty="0"/>
+              <a:t>Inhibit</a:t>
+            </a:r>
+            <a:endParaRPr lang="zh-CN" altLang="en-US" dirty="0"/>
+          </a:p>
+        </p:txBody>
+      </p:sp>
+      <p:sp>
+        <p:nvSpPr>
+          <p:cNvPr id="9" name="文本框 8">
+            <a:extLst>
+              <a:ext uri="{FF2B5EF4-FFF2-40B4-BE49-F238E27FC236}">
+                <a16:creationId xmlns:a16="http://schemas.microsoft.com/office/drawing/2014/main" id="{AFB43F89-5CD1-4FE4-B71B-206C66641732}"/>
+              </a:ext>
+            </a:extLst>
+          </p:cNvPr>
+          <p:cNvSpPr txBox="1"/>
+          <p:nvPr/>
+        </p:nvSpPr>
+        <p:spPr>
+          <a:xfrm>
+            <a:off x="2285225" y="3534833"/>
+            <a:ext cx="1313180" cy="369332"/>
+          </a:xfrm>
+          <a:prstGeom prst="rect">
+            <a:avLst/>
+          </a:prstGeom>
+          <a:noFill/>
+        </p:spPr>
+        <p:txBody>
+          <a:bodyPr wrap="none" rtlCol="0">
+            <a:spAutoFit/>
+          </a:bodyPr>
+          <a:lstStyle/>
+          <a:p>
+            <a:r>
+              <a:rPr lang="en-US" altLang="zh-CN" dirty="0" err="1"/>
+              <a:t>RT+Ge-self</a:t>
+            </a:r>
+            <a:endParaRPr lang="zh-CN" altLang="en-US" dirty="0"/>
+          </a:p>
+        </p:txBody>
+      </p:sp>
+      <p:cxnSp>
+        <p:nvCxnSpPr>
+          <p:cNvPr id="10" name="直接箭头连接符 9">
+            <a:extLst>
+              <a:ext uri="{FF2B5EF4-FFF2-40B4-BE49-F238E27FC236}">
+                <a16:creationId xmlns:a16="http://schemas.microsoft.com/office/drawing/2014/main" id="{ABCE1817-438D-4C49-A60A-52DD059875A9}"/>
+              </a:ext>
+            </a:extLst>
+          </p:cNvPr>
+          <p:cNvCxnSpPr/>
+          <p:nvPr/>
+        </p:nvCxnSpPr>
+        <p:spPr>
+          <a:xfrm flipH="1">
+            <a:off x="2058213" y="3859715"/>
+            <a:ext cx="454025" cy="241300"/>
+          </a:xfrm>
+          <a:prstGeom prst="straightConnector1">
+            <a:avLst/>
+          </a:prstGeom>
+          <a:ln>
+            <a:tailEnd type="triangle"/>
+          </a:ln>
+        </p:spPr>
+        <p:style>
+          <a:lnRef idx="1">
+            <a:schemeClr val="dk1"/>
+          </a:lnRef>
+          <a:fillRef idx="0">
+            <a:schemeClr val="dk1"/>
+          </a:fillRef>
+          <a:effectRef idx="0">
+            <a:schemeClr val="dk1"/>
+          </a:effectRef>
+          <a:fontRef idx="minor">
+            <a:schemeClr val="tx1"/>
+          </a:fontRef>
+        </p:style>
+      </p:cxnSp>
+      <p:sp>
+        <p:nvSpPr>
+          <p:cNvPr id="12" name="文本框 11">
+            <a:extLst>
+              <a:ext uri="{FF2B5EF4-FFF2-40B4-BE49-F238E27FC236}">
+                <a16:creationId xmlns:a16="http://schemas.microsoft.com/office/drawing/2014/main" id="{63D40972-AFA9-4CC2-A254-F6FBB4D164C2}"/>
+              </a:ext>
+            </a:extLst>
+          </p:cNvPr>
+          <p:cNvSpPr txBox="1"/>
+          <p:nvPr/>
+        </p:nvSpPr>
+        <p:spPr>
+          <a:xfrm>
+            <a:off x="7854798" y="3428999"/>
+            <a:ext cx="903122" cy="369332"/>
+          </a:xfrm>
+          <a:prstGeom prst="rect">
+            <a:avLst/>
+          </a:prstGeom>
+          <a:noFill/>
+        </p:spPr>
+        <p:txBody>
+          <a:bodyPr wrap="square">
+            <a:spAutoFit/>
+          </a:bodyPr>
+          <a:lstStyle/>
+          <a:p>
+            <a:r>
+              <a:rPr lang="en-US" altLang="zh-CN" dirty="0"/>
+              <a:t>Ge-self</a:t>
+            </a:r>
+            <a:endParaRPr lang="zh-CN" altLang="en-US" dirty="0"/>
+          </a:p>
+        </p:txBody>
+      </p:sp>
+      <p:sp>
+        <p:nvSpPr>
+          <p:cNvPr id="13" name="左大括号 12">
+            <a:extLst>
+              <a:ext uri="{FF2B5EF4-FFF2-40B4-BE49-F238E27FC236}">
+                <a16:creationId xmlns:a16="http://schemas.microsoft.com/office/drawing/2014/main" id="{4CD2E960-BE26-420A-AB50-0034C9D7BEF6}"/>
+              </a:ext>
+            </a:extLst>
+          </p:cNvPr>
+          <p:cNvSpPr/>
+          <p:nvPr/>
+        </p:nvSpPr>
+        <p:spPr>
+          <a:xfrm>
+            <a:off x="8768973" y="3049785"/>
+            <a:ext cx="141347" cy="1127760"/>
+          </a:xfrm>
+          <a:prstGeom prst="leftBrace">
+            <a:avLst>
+              <a:gd name="adj1" fmla="val 130553"/>
+              <a:gd name="adj2" fmla="val 50000"/>
+            </a:avLst>
+          </a:prstGeom>
+        </p:spPr>
+        <p:style>
+          <a:lnRef idx="1">
+            <a:schemeClr val="dk1"/>
+          </a:lnRef>
+          <a:fillRef idx="0">
+            <a:schemeClr val="dk1"/>
+          </a:fillRef>
+          <a:effectRef idx="0">
+            <a:schemeClr val="dk1"/>
+          </a:effectRef>
+          <a:fontRef idx="minor">
+            <a:schemeClr val="tx1"/>
+          </a:fontRef>
+        </p:style>
+        <p:txBody>
+          <a:bodyPr rtlCol="0" anchor="ctr"/>
+          <a:lstStyle/>
+          <a:p>
+            <a:pPr algn="ctr"/>
+            <a:endParaRPr lang="zh-CN" altLang="en-US"/>
+          </a:p>
+        </p:txBody>
+      </p:sp>
+      <p:sp>
+        <p:nvSpPr>
+          <p:cNvPr id="14" name="文本框 13">
+            <a:extLst>
+              <a:ext uri="{FF2B5EF4-FFF2-40B4-BE49-F238E27FC236}">
+                <a16:creationId xmlns:a16="http://schemas.microsoft.com/office/drawing/2014/main" id="{CB9DE33C-01DE-4F05-B373-0119EA66121E}"/>
+              </a:ext>
+            </a:extLst>
+          </p:cNvPr>
+          <p:cNvSpPr txBox="1"/>
+          <p:nvPr/>
+        </p:nvSpPr>
+        <p:spPr>
+          <a:xfrm>
+            <a:off x="8910320" y="3024384"/>
+            <a:ext cx="903122" cy="369332"/>
+          </a:xfrm>
+          <a:prstGeom prst="rect">
+            <a:avLst/>
+          </a:prstGeom>
+          <a:noFill/>
+        </p:spPr>
+        <p:txBody>
+          <a:bodyPr wrap="square">
+            <a:spAutoFit/>
+          </a:bodyPr>
+          <a:lstStyle/>
+          <a:p>
+            <a:r>
+              <a:rPr lang="en-US" altLang="zh-CN" dirty="0"/>
+              <a:t>Noise</a:t>
+            </a:r>
+            <a:endParaRPr lang="zh-CN" altLang="en-US" dirty="0"/>
+          </a:p>
+        </p:txBody>
+      </p:sp>
+      <p:sp>
+        <p:nvSpPr>
+          <p:cNvPr id="15" name="文本框 14">
+            <a:extLst>
+              <a:ext uri="{FF2B5EF4-FFF2-40B4-BE49-F238E27FC236}">
+                <a16:creationId xmlns:a16="http://schemas.microsoft.com/office/drawing/2014/main" id="{2B8ABDE7-FF19-4014-8CB6-044BB9A62285}"/>
+              </a:ext>
+            </a:extLst>
+          </p:cNvPr>
+          <p:cNvSpPr txBox="1"/>
+          <p:nvPr/>
+        </p:nvSpPr>
+        <p:spPr>
+          <a:xfrm>
+            <a:off x="8910320" y="3795699"/>
+            <a:ext cx="903122" cy="369332"/>
+          </a:xfrm>
+          <a:prstGeom prst="rect">
+            <a:avLst/>
+          </a:prstGeom>
+          <a:noFill/>
+        </p:spPr>
+        <p:txBody>
+          <a:bodyPr wrap="square">
+            <a:spAutoFit/>
+          </a:bodyPr>
+          <a:lstStyle/>
+          <a:p>
+            <a:r>
+              <a:rPr lang="en-US" altLang="zh-CN" dirty="0"/>
+              <a:t>Signal</a:t>
+            </a:r>
+            <a:endParaRPr lang="zh-CN" altLang="en-US" dirty="0"/>
+          </a:p>
+        </p:txBody>
+      </p:sp>
+      <p:sp>
+        <p:nvSpPr>
+          <p:cNvPr id="16" name="文本框 15">
+            <a:extLst>
+              <a:ext uri="{FF2B5EF4-FFF2-40B4-BE49-F238E27FC236}">
+                <a16:creationId xmlns:a16="http://schemas.microsoft.com/office/drawing/2014/main" id="{0A9A4CBC-0B74-4F5D-94C0-43C211EDEBAA}"/>
+              </a:ext>
+            </a:extLst>
+          </p:cNvPr>
+          <p:cNvSpPr txBox="1"/>
+          <p:nvPr/>
+        </p:nvSpPr>
+        <p:spPr>
+          <a:xfrm>
+            <a:off x="8077200" y="2062480"/>
+            <a:ext cx="1398140" cy="369332"/>
+          </a:xfrm>
+          <a:prstGeom prst="rect">
+            <a:avLst/>
+          </a:prstGeom>
+          <a:noFill/>
+        </p:spPr>
+        <p:txBody>
+          <a:bodyPr wrap="none" rtlCol="0">
+            <a:spAutoFit/>
+          </a:bodyPr>
+          <a:lstStyle/>
+          <a:p>
+            <a:r>
+              <a:rPr lang="en-US" altLang="zh-CN" dirty="0"/>
+              <a:t>RT</a:t>
+            </a:r>
+            <a:r>
+              <a:rPr lang="zh-CN" altLang="en-US" dirty="0"/>
+              <a:t>：</a:t>
+            </a:r>
+            <a:r>
+              <a:rPr lang="en-US" altLang="zh-CN" dirty="0"/>
+              <a:t>50mHz</a:t>
+            </a:r>
+            <a:endParaRPr lang="zh-CN" altLang="en-US" dirty="0"/>
+          </a:p>
+        </p:txBody>
+      </p:sp>
+      <p:sp>
+        <p:nvSpPr>
+          <p:cNvPr id="18" name="文本框 17">
+            <a:extLst>
+              <a:ext uri="{FF2B5EF4-FFF2-40B4-BE49-F238E27FC236}">
+                <a16:creationId xmlns:a16="http://schemas.microsoft.com/office/drawing/2014/main" id="{43B105BE-1D79-4A2C-B375-445E1FEF2478}"/>
+              </a:ext>
+            </a:extLst>
+          </p:cNvPr>
+          <p:cNvSpPr txBox="1"/>
+          <p:nvPr/>
+        </p:nvSpPr>
+        <p:spPr>
+          <a:xfrm>
+            <a:off x="3729329" y="6214714"/>
+            <a:ext cx="622286" cy="369332"/>
+          </a:xfrm>
+          <a:prstGeom prst="rect">
+            <a:avLst/>
+          </a:prstGeom>
+          <a:noFill/>
+        </p:spPr>
+        <p:txBody>
+          <a:bodyPr wrap="none" rtlCol="0">
+            <a:spAutoFit/>
+          </a:bodyPr>
+          <a:lstStyle/>
+          <a:p>
+            <a:r>
+              <a:rPr lang="en-US" altLang="zh-CN" dirty="0"/>
+              <a:t>time</a:t>
+            </a:r>
+            <a:endParaRPr lang="zh-CN" altLang="en-US" dirty="0"/>
+          </a:p>
+        </p:txBody>
+      </p:sp>
+      <p:sp>
+        <p:nvSpPr>
+          <p:cNvPr id="19" name="文本框 18">
+            <a:extLst>
+              <a:ext uri="{FF2B5EF4-FFF2-40B4-BE49-F238E27FC236}">
+                <a16:creationId xmlns:a16="http://schemas.microsoft.com/office/drawing/2014/main" id="{68F220D6-DDEA-49E2-A5BE-33AD5CEA6971}"/>
+              </a:ext>
+            </a:extLst>
+          </p:cNvPr>
+          <p:cNvSpPr txBox="1"/>
+          <p:nvPr/>
+        </p:nvSpPr>
+        <p:spPr>
+          <a:xfrm rot="16200000">
+            <a:off x="-205878" y="3611033"/>
+            <a:ext cx="1213794" cy="369332"/>
+          </a:xfrm>
+          <a:prstGeom prst="rect">
+            <a:avLst/>
+          </a:prstGeom>
+          <a:noFill/>
+        </p:spPr>
+        <p:txBody>
+          <a:bodyPr wrap="none" rtlCol="0">
+            <a:spAutoFit/>
+          </a:bodyPr>
+          <a:lstStyle/>
+          <a:p>
+            <a:r>
+              <a:rPr lang="en-US" altLang="zh-CN" dirty="0"/>
+              <a:t>Amplitude</a:t>
+            </a:r>
+            <a:endParaRPr lang="zh-CN" altLang="en-US" dirty="0"/>
+          </a:p>
+        </p:txBody>
+      </p:sp>
+    </p:spTree>
+    <p:extLst>
+      <p:ext uri="{BB962C8B-B14F-4D97-AF65-F5344CB8AC3E}">
+        <p14:creationId xmlns:p14="http://schemas.microsoft.com/office/powerpoint/2010/main" val="4247844701"/>
+      </p:ext>
+    </p:extLst>
+  </p:cSld>
+  <p:clrMapOvr>
+    <a:masterClrMapping/>
+  </p:clrMapOvr>
+</p:sld>
+</file>
+
+<file path=ppt/slides/slide12.xml><?xml version="1.0" encoding="utf-8"?>
+<p:sld xmlns:a="http://schemas.openxmlformats.org/drawingml/2006/main" xmlns:r="http://schemas.openxmlformats.org/officeDocument/2006/relationships" xmlns:p="http://schemas.openxmlformats.org/presentationml/2006/main">
+  <p:cSld>
+    <p:spTree>
+      <p:nvGrpSpPr>
+        <p:cNvPr id="1" name=""/>
+        <p:cNvGrpSpPr/>
+        <p:nvPr/>
+      </p:nvGrpSpPr>
+      <p:grpSpPr>
+        <a:xfrm>
+          <a:off x="0" y="0"/>
+          <a:ext cx="0" cy="0"/>
+          <a:chOff x="0" y="0"/>
+          <a:chExt cx="0" cy="0"/>
+        </a:xfrm>
+      </p:grpSpPr>
+      <p:pic>
+        <p:nvPicPr>
+          <p:cNvPr id="2" name="图片 1">
+            <a:extLst>
+              <a:ext uri="{FF2B5EF4-FFF2-40B4-BE49-F238E27FC236}">
+                <a16:creationId xmlns:a16="http://schemas.microsoft.com/office/drawing/2014/main" id="{B691747F-556F-4DB2-850E-4B1579D3889F}"/>
+              </a:ext>
+            </a:extLst>
+          </p:cNvPr>
+          <p:cNvPicPr>
+            <a:picLocks noChangeAspect="1"/>
+          </p:cNvPicPr>
+          <p:nvPr/>
+        </p:nvPicPr>
+        <p:blipFill>
+          <a:blip r:embed="rId3"/>
+          <a:stretch>
+            <a:fillRect/>
+          </a:stretch>
+        </p:blipFill>
+        <p:spPr>
+          <a:xfrm>
+            <a:off x="0" y="478763"/>
+            <a:ext cx="12192000" cy="5900474"/>
+          </a:xfrm>
+          <a:prstGeom prst="rect">
+            <a:avLst/>
+          </a:prstGeom>
+          <a:noFill/>
+          <a:ln>
+            <a:noFill/>
+          </a:ln>
+        </p:spPr>
+      </p:pic>
+      <p:sp>
+        <p:nvSpPr>
+          <p:cNvPr id="3" name="矩形 2">
+            <a:extLst>
+              <a:ext uri="{FF2B5EF4-FFF2-40B4-BE49-F238E27FC236}">
+                <a16:creationId xmlns:a16="http://schemas.microsoft.com/office/drawing/2014/main" id="{40F153B8-30F2-47D4-BB25-30FD8238B1F2}"/>
+              </a:ext>
+            </a:extLst>
+          </p:cNvPr>
+          <p:cNvSpPr/>
+          <p:nvPr/>
+        </p:nvSpPr>
+        <p:spPr>
+          <a:xfrm>
+            <a:off x="6670963" y="5511339"/>
+            <a:ext cx="386541" cy="382386"/>
+          </a:xfrm>
+          <a:prstGeom prst="rect">
+            <a:avLst/>
+          </a:prstGeom>
+          <a:noFill/>
+          <a:ln>
+            <a:solidFill>
+              <a:schemeClr val="tx1"/>
+            </a:solidFill>
+          </a:ln>
+        </p:spPr>
+        <p:style>
+          <a:lnRef idx="2">
+            <a:schemeClr val="accent1">
+              <a:shade val="50000"/>
+            </a:schemeClr>
+          </a:lnRef>
+          <a:fillRef idx="1">
+            <a:schemeClr val="accent1"/>
+          </a:fillRef>
+          <a:effectRef idx="0">
+            <a:schemeClr val="accent1"/>
+          </a:effectRef>
+          <a:fontRef idx="minor">
+            <a:schemeClr val="lt1"/>
+          </a:fontRef>
+        </p:style>
+        <p:txBody>
+          <a:bodyPr rtlCol="0" anchor="ctr"/>
+          <a:lstStyle/>
+          <a:p>
+            <a:pPr algn="ctr"/>
+            <a:endParaRPr lang="zh-CN" altLang="en-US"/>
+          </a:p>
+        </p:txBody>
+      </p:sp>
+    </p:spTree>
+    <p:extLst>
+      <p:ext uri="{BB962C8B-B14F-4D97-AF65-F5344CB8AC3E}">
+        <p14:creationId xmlns:p14="http://schemas.microsoft.com/office/powerpoint/2010/main" val="2247405862"/>
+      </p:ext>
+    </p:extLst>
+  </p:cSld>
+  <p:clrMapOvr>
+    <a:masterClrMapping/>
+  </p:clrMapOvr>
+</p:sld>
+</file>
+
 <file path=ppt/slides/slide2.xml><?xml version="1.0" encoding="utf-8"?>
 <p:sld xmlns:a="http://schemas.openxmlformats.org/drawingml/2006/main" xmlns:r="http://schemas.openxmlformats.org/officeDocument/2006/relationships" xmlns:p="http://schemas.openxmlformats.org/presentationml/2006/main">
   <p:cSld>
@@ -3862,10 +4903,10 @@
       </p:grpSpPr>
       <p:pic>
         <p:nvPicPr>
-          <p:cNvPr id="7" name="图片 6">
-            <a:extLst>
-              <a:ext uri="{FF2B5EF4-FFF2-40B4-BE49-F238E27FC236}">
-                <a16:creationId xmlns:a16="http://schemas.microsoft.com/office/drawing/2014/main" id="{4DC21075-8C4E-41B0-BEBA-8E860ED254DD}"/>
+          <p:cNvPr id="5" name="图片 4">
+            <a:extLst>
+              <a:ext uri="{FF2B5EF4-FFF2-40B4-BE49-F238E27FC236}">
+                <a16:creationId xmlns:a16="http://schemas.microsoft.com/office/drawing/2014/main" id="{8B848CAD-6EFE-4B99-BC2B-AFC49F60B8D6}"/>
               </a:ext>
             </a:extLst>
           </p:cNvPr>
@@ -3888,18 +4929,197 @@
         </p:blipFill>
         <p:spPr>
           <a:xfrm>
-            <a:off x="0" y="0"/>
-            <a:ext cx="12192000" cy="6858000"/>
+            <a:off x="36876" y="0"/>
+            <a:ext cx="8226968" cy="6858000"/>
           </a:xfrm>
           <a:prstGeom prst="rect">
             <a:avLst/>
           </a:prstGeom>
         </p:spPr>
       </p:pic>
+      <p:pic>
+        <p:nvPicPr>
+          <p:cNvPr id="8" name="图片 7">
+            <a:extLst>
+              <a:ext uri="{FF2B5EF4-FFF2-40B4-BE49-F238E27FC236}">
+                <a16:creationId xmlns:a16="http://schemas.microsoft.com/office/drawing/2014/main" id="{6D10BE02-C34D-481A-9C47-D82671E35B58}"/>
+              </a:ext>
+            </a:extLst>
+          </p:cNvPr>
+          <p:cNvPicPr>
+            <a:picLocks noChangeAspect="1"/>
+          </p:cNvPicPr>
+          <p:nvPr/>
+        </p:nvPicPr>
+        <p:blipFill rotWithShape="1">
+          <a:blip r:embed="rId3">
+            <a:extLst>
+              <a:ext uri="{28A0092B-C50C-407E-A947-70E740481C1C}">
+                <a14:useLocalDpi xmlns:a14="http://schemas.microsoft.com/office/drawing/2010/main" val="0"/>
+              </a:ext>
+            </a:extLst>
+          </a:blip>
+          <a:srcRect l="36359" t="53075" r="36959" b="5370"/>
+          <a:stretch/>
+        </p:blipFill>
+        <p:spPr>
+          <a:xfrm>
+            <a:off x="7665720" y="375920"/>
+            <a:ext cx="2058296" cy="2291080"/>
+          </a:xfrm>
+          <a:prstGeom prst="rect">
+            <a:avLst/>
+          </a:prstGeom>
+        </p:spPr>
+      </p:pic>
+      <p:pic>
+        <p:nvPicPr>
+          <p:cNvPr id="9" name="图片 8">
+            <a:extLst>
+              <a:ext uri="{FF2B5EF4-FFF2-40B4-BE49-F238E27FC236}">
+                <a16:creationId xmlns:a16="http://schemas.microsoft.com/office/drawing/2014/main" id="{5C7AEAD0-FB28-43B5-B7C7-8EA60AC035E8}"/>
+              </a:ext>
+            </a:extLst>
+          </p:cNvPr>
+          <p:cNvPicPr>
+            <a:picLocks noChangeAspect="1"/>
+          </p:cNvPicPr>
+          <p:nvPr/>
+        </p:nvPicPr>
+        <p:blipFill rotWithShape="1">
+          <a:blip r:embed="rId3">
+            <a:extLst>
+              <a:ext uri="{28A0092B-C50C-407E-A947-70E740481C1C}">
+                <a14:useLocalDpi xmlns:a14="http://schemas.microsoft.com/office/drawing/2010/main" val="0"/>
+              </a:ext>
+            </a:extLst>
+          </a:blip>
+          <a:srcRect l="9557" t="51877" r="63761" b="6568"/>
+          <a:stretch/>
+        </p:blipFill>
+        <p:spPr>
+          <a:xfrm>
+            <a:off x="9810376" y="375920"/>
+            <a:ext cx="2058296" cy="2291080"/>
+          </a:xfrm>
+          <a:prstGeom prst="rect">
+            <a:avLst/>
+          </a:prstGeom>
+        </p:spPr>
+      </p:pic>
+      <p:pic>
+        <p:nvPicPr>
+          <p:cNvPr id="10" name="图片 9">
+            <a:extLst>
+              <a:ext uri="{FF2B5EF4-FFF2-40B4-BE49-F238E27FC236}">
+                <a16:creationId xmlns:a16="http://schemas.microsoft.com/office/drawing/2014/main" id="{B944698A-F536-4FD0-9CFE-A9DB0B62E632}"/>
+              </a:ext>
+            </a:extLst>
+          </p:cNvPr>
+          <p:cNvPicPr>
+            <a:picLocks noChangeAspect="1"/>
+          </p:cNvPicPr>
+          <p:nvPr/>
+        </p:nvPicPr>
+        <p:blipFill rotWithShape="1">
+          <a:blip r:embed="rId3">
+            <a:extLst>
+              <a:ext uri="{28A0092B-C50C-407E-A947-70E740481C1C}">
+                <a14:useLocalDpi xmlns:a14="http://schemas.microsoft.com/office/drawing/2010/main" val="0"/>
+              </a:ext>
+            </a:extLst>
+          </a:blip>
+          <a:srcRect l="9689" t="5899" r="63629" b="52546"/>
+          <a:stretch/>
+        </p:blipFill>
+        <p:spPr>
+          <a:xfrm>
+            <a:off x="7665720" y="3429000"/>
+            <a:ext cx="2058296" cy="2291080"/>
+          </a:xfrm>
+          <a:prstGeom prst="rect">
+            <a:avLst/>
+          </a:prstGeom>
+        </p:spPr>
+      </p:pic>
+      <p:pic>
+        <p:nvPicPr>
+          <p:cNvPr id="11" name="图片 10">
+            <a:extLst>
+              <a:ext uri="{FF2B5EF4-FFF2-40B4-BE49-F238E27FC236}">
+                <a16:creationId xmlns:a16="http://schemas.microsoft.com/office/drawing/2014/main" id="{2B31C0A4-E463-4F9E-A7C9-99BF68BAA5F7}"/>
+              </a:ext>
+            </a:extLst>
+          </p:cNvPr>
+          <p:cNvPicPr>
+            <a:picLocks noChangeAspect="1"/>
+          </p:cNvPicPr>
+          <p:nvPr/>
+        </p:nvPicPr>
+        <p:blipFill rotWithShape="1">
+          <a:blip r:embed="rId3">
+            <a:extLst>
+              <a:ext uri="{28A0092B-C50C-407E-A947-70E740481C1C}">
+                <a14:useLocalDpi xmlns:a14="http://schemas.microsoft.com/office/drawing/2010/main" val="0"/>
+              </a:ext>
+            </a:extLst>
+          </a:blip>
+          <a:srcRect l="36659" t="7003" r="36659" b="51442"/>
+          <a:stretch/>
+        </p:blipFill>
+        <p:spPr>
+          <a:xfrm>
+            <a:off x="9724016" y="3429000"/>
+            <a:ext cx="2058296" cy="2291080"/>
+          </a:xfrm>
+          <a:prstGeom prst="rect">
+            <a:avLst/>
+          </a:prstGeom>
+        </p:spPr>
+      </p:pic>
+      <p:sp>
+        <p:nvSpPr>
+          <p:cNvPr id="12" name="文本框 11">
+            <a:extLst>
+              <a:ext uri="{FF2B5EF4-FFF2-40B4-BE49-F238E27FC236}">
+                <a16:creationId xmlns:a16="http://schemas.microsoft.com/office/drawing/2014/main" id="{8720AF50-08EB-4AA3-AB0C-10CB4A9010F5}"/>
+              </a:ext>
+            </a:extLst>
+          </p:cNvPr>
+          <p:cNvSpPr txBox="1"/>
+          <p:nvPr/>
+        </p:nvSpPr>
+        <p:spPr>
+          <a:xfrm>
+            <a:off x="36876" y="6588"/>
+            <a:ext cx="1691489" cy="369332"/>
+          </a:xfrm>
+          <a:prstGeom prst="rect">
+            <a:avLst/>
+          </a:prstGeom>
+          <a:noFill/>
+        </p:spPr>
+        <p:txBody>
+          <a:bodyPr wrap="none" rtlCol="0">
+            <a:spAutoFit/>
+          </a:bodyPr>
+          <a:lstStyle/>
+          <a:p>
+            <a:r>
+              <a:rPr lang="en-US" altLang="zh-CN" dirty="0"/>
+              <a:t>2</a:t>
+            </a:r>
+            <a:r>
+              <a:rPr lang="zh-CN" altLang="en-US" dirty="0"/>
+              <a:t>号振动传感器</a:t>
+            </a:r>
+          </a:p>
+        </p:txBody>
+      </p:sp>
     </p:spTree>
     <p:extLst>
       <p:ext uri="{BB962C8B-B14F-4D97-AF65-F5344CB8AC3E}">
-        <p14:creationId xmlns:p14="http://schemas.microsoft.com/office/powerpoint/2010/main" val="1700690656"/>
+        <p14:creationId xmlns:p14="http://schemas.microsoft.com/office/powerpoint/2010/main" val="1546925297"/>
       </p:ext>
     </p:extLst>
   </p:cSld>
@@ -3931,7 +5151,7 @@
           <p:cNvPr id="6" name="图片 5">
             <a:extLst>
               <a:ext uri="{FF2B5EF4-FFF2-40B4-BE49-F238E27FC236}">
-                <a16:creationId xmlns:a16="http://schemas.microsoft.com/office/drawing/2014/main" id="{22CD6714-9750-4E7E-B43C-8AAA6D0B31C5}"/>
+                <a16:creationId xmlns:a16="http://schemas.microsoft.com/office/drawing/2014/main" id="{97F3597D-8027-4F91-B702-FA0A5861303D}"/>
               </a:ext>
             </a:extLst>
           </p:cNvPr>
@@ -3940,7 +5160,7 @@
           </p:cNvPicPr>
           <p:nvPr/>
         </p:nvPicPr>
-        <p:blipFill rotWithShape="1">
+        <p:blipFill>
           <a:blip r:embed="rId2">
             <a:extLst>
               <a:ext uri="{28A0092B-C50C-407E-A947-70E740481C1C}">
@@ -3948,13 +5168,14 @@
               </a:ext>
             </a:extLst>
           </a:blip>
-          <a:srcRect l="7877" t="5290" r="4785" b="3228"/>
-          <a:stretch/>
+          <a:stretch>
+            <a:fillRect/>
+          </a:stretch>
         </p:blipFill>
         <p:spPr>
           <a:xfrm>
-            <a:off x="587587" y="1551797"/>
-            <a:ext cx="5372100" cy="3165125"/>
+            <a:off x="12971316" y="-4864863"/>
+            <a:ext cx="11429055" cy="3809685"/>
           </a:xfrm>
           <a:prstGeom prst="rect">
             <a:avLst/>
@@ -3966,7 +5187,7 @@
           <p:cNvPr id="10" name="图片 9">
             <a:extLst>
               <a:ext uri="{FF2B5EF4-FFF2-40B4-BE49-F238E27FC236}">
-                <a16:creationId xmlns:a16="http://schemas.microsoft.com/office/drawing/2014/main" id="{2D6FA634-9DDA-43A3-B055-38B6352E60BA}"/>
+                <a16:creationId xmlns:a16="http://schemas.microsoft.com/office/drawing/2014/main" id="{5D484EDA-CCB6-4E47-8414-6CD34F490355}"/>
               </a:ext>
             </a:extLst>
           </p:cNvPr>
@@ -3975,7 +5196,7 @@
           </p:cNvPicPr>
           <p:nvPr/>
         </p:nvPicPr>
-        <p:blipFill rotWithShape="1">
+        <p:blipFill>
           <a:blip r:embed="rId3">
             <a:extLst>
               <a:ext uri="{28A0092B-C50C-407E-A947-70E740481C1C}">
@@ -3983,658 +5204,26 @@
               </a:ext>
             </a:extLst>
           </a:blip>
-          <a:srcRect l="8364" t="6046" r="5055" b="3594"/>
-          <a:stretch/>
+          <a:stretch>
+            <a:fillRect/>
+          </a:stretch>
         </p:blipFill>
         <p:spPr>
           <a:xfrm>
-            <a:off x="6156960" y="1551796"/>
-            <a:ext cx="5391588" cy="3165125"/>
+            <a:off x="12971316" y="3048315"/>
+            <a:ext cx="11429055" cy="3809685"/>
           </a:xfrm>
           <a:prstGeom prst="rect">
             <a:avLst/>
           </a:prstGeom>
         </p:spPr>
       </p:pic>
-      <p:sp>
-        <p:nvSpPr>
-          <p:cNvPr id="11" name="矩形 10">
-            <a:extLst>
-              <a:ext uri="{FF2B5EF4-FFF2-40B4-BE49-F238E27FC236}">
-                <a16:creationId xmlns:a16="http://schemas.microsoft.com/office/drawing/2014/main" id="{7AB29C82-7B9F-4289-ADD7-8689DA68F323}"/>
-              </a:ext>
-            </a:extLst>
-          </p:cNvPr>
-          <p:cNvSpPr/>
-          <p:nvPr/>
-        </p:nvSpPr>
-        <p:spPr>
-          <a:xfrm>
-            <a:off x="7307580" y="1610360"/>
-            <a:ext cx="296334" cy="2844800"/>
-          </a:xfrm>
-          <a:prstGeom prst="rect">
-            <a:avLst/>
-          </a:prstGeom>
-          <a:noFill/>
-          <a:ln w="6350">
-            <a:solidFill>
-              <a:schemeClr val="tx1"/>
-            </a:solidFill>
-            <a:prstDash val="dash"/>
-          </a:ln>
-        </p:spPr>
-        <p:style>
-          <a:lnRef idx="2">
-            <a:schemeClr val="accent1">
-              <a:shade val="50000"/>
-            </a:schemeClr>
-          </a:lnRef>
-          <a:fillRef idx="1">
-            <a:schemeClr val="accent1"/>
-          </a:fillRef>
-          <a:effectRef idx="0">
-            <a:schemeClr val="accent1"/>
-          </a:effectRef>
-          <a:fontRef idx="minor">
-            <a:schemeClr val="lt1"/>
-          </a:fontRef>
-        </p:style>
-        <p:txBody>
-          <a:bodyPr rtlCol="0" anchor="ctr"/>
-          <a:lstStyle/>
-          <a:p>
-            <a:pPr algn="ctr"/>
-            <a:endParaRPr lang="zh-CN" altLang="en-US"/>
-          </a:p>
-        </p:txBody>
-      </p:sp>
-      <p:cxnSp>
-        <p:nvCxnSpPr>
-          <p:cNvPr id="14" name="直接连接符 13">
-            <a:extLst>
-              <a:ext uri="{FF2B5EF4-FFF2-40B4-BE49-F238E27FC236}">
-                <a16:creationId xmlns:a16="http://schemas.microsoft.com/office/drawing/2014/main" id="{CA54E162-91DB-47FE-A3AD-07A6A089AE8F}"/>
-              </a:ext>
-            </a:extLst>
-          </p:cNvPr>
-          <p:cNvCxnSpPr/>
-          <p:nvPr/>
-        </p:nvCxnSpPr>
-        <p:spPr>
-          <a:xfrm>
-            <a:off x="1232747" y="2351193"/>
-            <a:ext cx="0" cy="2103967"/>
-          </a:xfrm>
-          <a:prstGeom prst="line">
-            <a:avLst/>
-          </a:prstGeom>
-        </p:spPr>
-        <p:style>
-          <a:lnRef idx="1">
-            <a:schemeClr val="dk1"/>
-          </a:lnRef>
-          <a:fillRef idx="0">
-            <a:schemeClr val="dk1"/>
-          </a:fillRef>
-          <a:effectRef idx="0">
-            <a:schemeClr val="dk1"/>
-          </a:effectRef>
-          <a:fontRef idx="minor">
-            <a:schemeClr val="tx1"/>
-          </a:fontRef>
-        </p:style>
-      </p:cxnSp>
-      <p:cxnSp>
-        <p:nvCxnSpPr>
-          <p:cNvPr id="15" name="直接连接符 14">
-            <a:extLst>
-              <a:ext uri="{FF2B5EF4-FFF2-40B4-BE49-F238E27FC236}">
-                <a16:creationId xmlns:a16="http://schemas.microsoft.com/office/drawing/2014/main" id="{A8D708D7-F04C-41D5-B1F3-0EBF7AD5C924}"/>
-              </a:ext>
-            </a:extLst>
-          </p:cNvPr>
-          <p:cNvCxnSpPr>
-            <a:cxnSpLocks/>
-          </p:cNvCxnSpPr>
-          <p:nvPr/>
-        </p:nvCxnSpPr>
-        <p:spPr>
-          <a:xfrm>
-            <a:off x="1884680" y="2241126"/>
-            <a:ext cx="0" cy="2214034"/>
-          </a:xfrm>
-          <a:prstGeom prst="line">
-            <a:avLst/>
-          </a:prstGeom>
-        </p:spPr>
-        <p:style>
-          <a:lnRef idx="1">
-            <a:schemeClr val="dk1"/>
-          </a:lnRef>
-          <a:fillRef idx="0">
-            <a:schemeClr val="dk1"/>
-          </a:fillRef>
-          <a:effectRef idx="0">
-            <a:schemeClr val="dk1"/>
-          </a:effectRef>
-          <a:fontRef idx="minor">
-            <a:schemeClr val="tx1"/>
-          </a:fontRef>
-        </p:style>
-      </p:cxnSp>
-      <p:cxnSp>
-        <p:nvCxnSpPr>
-          <p:cNvPr id="17" name="直接连接符 16">
-            <a:extLst>
-              <a:ext uri="{FF2B5EF4-FFF2-40B4-BE49-F238E27FC236}">
-                <a16:creationId xmlns:a16="http://schemas.microsoft.com/office/drawing/2014/main" id="{44A3740E-3CC7-43CB-974A-3BEF8267F49E}"/>
-              </a:ext>
-            </a:extLst>
-          </p:cNvPr>
-          <p:cNvCxnSpPr>
-            <a:cxnSpLocks/>
-          </p:cNvCxnSpPr>
-          <p:nvPr/>
-        </p:nvCxnSpPr>
-        <p:spPr>
-          <a:xfrm>
-            <a:off x="2405380" y="2351193"/>
-            <a:ext cx="0" cy="2103967"/>
-          </a:xfrm>
-          <a:prstGeom prst="line">
-            <a:avLst/>
-          </a:prstGeom>
-        </p:spPr>
-        <p:style>
-          <a:lnRef idx="1">
-            <a:schemeClr val="dk1"/>
-          </a:lnRef>
-          <a:fillRef idx="0">
-            <a:schemeClr val="dk1"/>
-          </a:fillRef>
-          <a:effectRef idx="0">
-            <a:schemeClr val="dk1"/>
-          </a:effectRef>
-          <a:fontRef idx="minor">
-            <a:schemeClr val="tx1"/>
-          </a:fontRef>
-        </p:style>
-      </p:cxnSp>
-      <p:cxnSp>
-        <p:nvCxnSpPr>
-          <p:cNvPr id="19" name="直接连接符 18">
-            <a:extLst>
-              <a:ext uri="{FF2B5EF4-FFF2-40B4-BE49-F238E27FC236}">
-                <a16:creationId xmlns:a16="http://schemas.microsoft.com/office/drawing/2014/main" id="{361C1DD1-CB2C-4C3C-8ED2-4413CAD758E7}"/>
-              </a:ext>
-            </a:extLst>
-          </p:cNvPr>
-          <p:cNvCxnSpPr>
-            <a:cxnSpLocks/>
-          </p:cNvCxnSpPr>
-          <p:nvPr/>
-        </p:nvCxnSpPr>
-        <p:spPr>
-          <a:xfrm>
-            <a:off x="3154680" y="2198793"/>
-            <a:ext cx="0" cy="2256367"/>
-          </a:xfrm>
-          <a:prstGeom prst="line">
-            <a:avLst/>
-          </a:prstGeom>
-        </p:spPr>
-        <p:style>
-          <a:lnRef idx="1">
-            <a:schemeClr val="dk1"/>
-          </a:lnRef>
-          <a:fillRef idx="0">
-            <a:schemeClr val="dk1"/>
-          </a:fillRef>
-          <a:effectRef idx="0">
-            <a:schemeClr val="dk1"/>
-          </a:effectRef>
-          <a:fontRef idx="minor">
-            <a:schemeClr val="tx1"/>
-          </a:fontRef>
-        </p:style>
-      </p:cxnSp>
-      <p:cxnSp>
-        <p:nvCxnSpPr>
-          <p:cNvPr id="21" name="直接连接符 20">
-            <a:extLst>
-              <a:ext uri="{FF2B5EF4-FFF2-40B4-BE49-F238E27FC236}">
-                <a16:creationId xmlns:a16="http://schemas.microsoft.com/office/drawing/2014/main" id="{3093A8DD-A870-4EF5-B961-89F27C8B1103}"/>
-              </a:ext>
-            </a:extLst>
-          </p:cNvPr>
-          <p:cNvCxnSpPr>
-            <a:cxnSpLocks/>
-          </p:cNvCxnSpPr>
-          <p:nvPr/>
-        </p:nvCxnSpPr>
-        <p:spPr>
-          <a:xfrm>
-            <a:off x="3810847" y="2198793"/>
-            <a:ext cx="0" cy="2256367"/>
-          </a:xfrm>
-          <a:prstGeom prst="line">
-            <a:avLst/>
-          </a:prstGeom>
-        </p:spPr>
-        <p:style>
-          <a:lnRef idx="1">
-            <a:schemeClr val="dk1"/>
-          </a:lnRef>
-          <a:fillRef idx="0">
-            <a:schemeClr val="dk1"/>
-          </a:fillRef>
-          <a:effectRef idx="0">
-            <a:schemeClr val="dk1"/>
-          </a:effectRef>
-          <a:fontRef idx="minor">
-            <a:schemeClr val="tx1"/>
-          </a:fontRef>
-        </p:style>
-      </p:cxnSp>
-      <p:cxnSp>
-        <p:nvCxnSpPr>
-          <p:cNvPr id="22" name="直接连接符 21">
-            <a:extLst>
-              <a:ext uri="{FF2B5EF4-FFF2-40B4-BE49-F238E27FC236}">
-                <a16:creationId xmlns:a16="http://schemas.microsoft.com/office/drawing/2014/main" id="{DC3F8381-5151-4F19-9ACB-8C67C29EFC06}"/>
-              </a:ext>
-            </a:extLst>
-          </p:cNvPr>
-          <p:cNvCxnSpPr>
-            <a:cxnSpLocks/>
-          </p:cNvCxnSpPr>
-          <p:nvPr/>
-        </p:nvCxnSpPr>
-        <p:spPr>
-          <a:xfrm>
-            <a:off x="4395047" y="2198793"/>
-            <a:ext cx="0" cy="2256367"/>
-          </a:xfrm>
-          <a:prstGeom prst="line">
-            <a:avLst/>
-          </a:prstGeom>
-        </p:spPr>
-        <p:style>
-          <a:lnRef idx="1">
-            <a:schemeClr val="dk1"/>
-          </a:lnRef>
-          <a:fillRef idx="0">
-            <a:schemeClr val="dk1"/>
-          </a:fillRef>
-          <a:effectRef idx="0">
-            <a:schemeClr val="dk1"/>
-          </a:effectRef>
-          <a:fontRef idx="minor">
-            <a:schemeClr val="tx1"/>
-          </a:fontRef>
-        </p:style>
-      </p:cxnSp>
-      <p:cxnSp>
-        <p:nvCxnSpPr>
-          <p:cNvPr id="26" name="直接箭头连接符 25">
-            <a:extLst>
-              <a:ext uri="{FF2B5EF4-FFF2-40B4-BE49-F238E27FC236}">
-                <a16:creationId xmlns:a16="http://schemas.microsoft.com/office/drawing/2014/main" id="{EA736223-D2D0-4D1C-83F5-0E4933F926FD}"/>
-              </a:ext>
-            </a:extLst>
-          </p:cNvPr>
-          <p:cNvCxnSpPr/>
-          <p:nvPr/>
-        </p:nvCxnSpPr>
-        <p:spPr>
-          <a:xfrm>
-            <a:off x="1232747" y="3456093"/>
-            <a:ext cx="651933" cy="0"/>
-          </a:xfrm>
-          <a:prstGeom prst="straightConnector1">
-            <a:avLst/>
-          </a:prstGeom>
-          <a:ln>
-            <a:headEnd type="triangle"/>
-            <a:tailEnd type="triangle"/>
-          </a:ln>
-        </p:spPr>
-        <p:style>
-          <a:lnRef idx="1">
-            <a:schemeClr val="dk1"/>
-          </a:lnRef>
-          <a:fillRef idx="0">
-            <a:schemeClr val="dk1"/>
-          </a:fillRef>
-          <a:effectRef idx="0">
-            <a:schemeClr val="dk1"/>
-          </a:effectRef>
-          <a:fontRef idx="minor">
-            <a:schemeClr val="tx1"/>
-          </a:fontRef>
-        </p:style>
-      </p:cxnSp>
-      <p:cxnSp>
-        <p:nvCxnSpPr>
-          <p:cNvPr id="27" name="直接箭头连接符 26">
-            <a:extLst>
-              <a:ext uri="{FF2B5EF4-FFF2-40B4-BE49-F238E27FC236}">
-                <a16:creationId xmlns:a16="http://schemas.microsoft.com/office/drawing/2014/main" id="{D2165EF5-FA37-42E2-91CB-E4CF47F623EE}"/>
-              </a:ext>
-            </a:extLst>
-          </p:cNvPr>
-          <p:cNvCxnSpPr>
-            <a:cxnSpLocks/>
-          </p:cNvCxnSpPr>
-          <p:nvPr/>
-        </p:nvCxnSpPr>
-        <p:spPr>
-          <a:xfrm>
-            <a:off x="2405380" y="3456093"/>
-            <a:ext cx="749300" cy="0"/>
-          </a:xfrm>
-          <a:prstGeom prst="straightConnector1">
-            <a:avLst/>
-          </a:prstGeom>
-          <a:ln>
-            <a:headEnd type="triangle"/>
-            <a:tailEnd type="triangle"/>
-          </a:ln>
-        </p:spPr>
-        <p:style>
-          <a:lnRef idx="1">
-            <a:schemeClr val="dk1"/>
-          </a:lnRef>
-          <a:fillRef idx="0">
-            <a:schemeClr val="dk1"/>
-          </a:fillRef>
-          <a:effectRef idx="0">
-            <a:schemeClr val="dk1"/>
-          </a:effectRef>
-          <a:fontRef idx="minor">
-            <a:schemeClr val="tx1"/>
-          </a:fontRef>
-        </p:style>
-      </p:cxnSp>
-      <p:cxnSp>
-        <p:nvCxnSpPr>
-          <p:cNvPr id="29" name="直接箭头连接符 28">
-            <a:extLst>
-              <a:ext uri="{FF2B5EF4-FFF2-40B4-BE49-F238E27FC236}">
-                <a16:creationId xmlns:a16="http://schemas.microsoft.com/office/drawing/2014/main" id="{72517E79-9F4A-46AB-A757-86A758932898}"/>
-              </a:ext>
-            </a:extLst>
-          </p:cNvPr>
-          <p:cNvCxnSpPr>
-            <a:cxnSpLocks/>
-          </p:cNvCxnSpPr>
-          <p:nvPr/>
-        </p:nvCxnSpPr>
-        <p:spPr>
-          <a:xfrm>
-            <a:off x="3810847" y="3456093"/>
-            <a:ext cx="584200" cy="0"/>
-          </a:xfrm>
-          <a:prstGeom prst="straightConnector1">
-            <a:avLst/>
-          </a:prstGeom>
-          <a:ln>
-            <a:headEnd type="triangle"/>
-            <a:tailEnd type="triangle"/>
-          </a:ln>
-        </p:spPr>
-        <p:style>
-          <a:lnRef idx="1">
-            <a:schemeClr val="dk1"/>
-          </a:lnRef>
-          <a:fillRef idx="0">
-            <a:schemeClr val="dk1"/>
-          </a:fillRef>
-          <a:effectRef idx="0">
-            <a:schemeClr val="dk1"/>
-          </a:effectRef>
-          <a:fontRef idx="minor">
-            <a:schemeClr val="tx1"/>
-          </a:fontRef>
-        </p:style>
-      </p:cxnSp>
-      <p:sp>
-        <p:nvSpPr>
-          <p:cNvPr id="31" name="文本框 30">
-            <a:extLst>
-              <a:ext uri="{FF2B5EF4-FFF2-40B4-BE49-F238E27FC236}">
-                <a16:creationId xmlns:a16="http://schemas.microsoft.com/office/drawing/2014/main" id="{7BAC7587-5DAB-43E7-BDF0-EBB10F0B71EA}"/>
-              </a:ext>
-            </a:extLst>
-          </p:cNvPr>
-          <p:cNvSpPr txBox="1"/>
-          <p:nvPr/>
-        </p:nvSpPr>
-        <p:spPr>
-          <a:xfrm>
-            <a:off x="1995200" y="4847123"/>
-            <a:ext cx="1569660" cy="369332"/>
-          </a:xfrm>
-          <a:prstGeom prst="rect">
-            <a:avLst/>
-          </a:prstGeom>
-          <a:noFill/>
-        </p:spPr>
-        <p:txBody>
-          <a:bodyPr wrap="none" rtlCol="0">
-            <a:spAutoFit/>
-          </a:bodyPr>
-          <a:lstStyle/>
-          <a:p>
-            <a:r>
-              <a:rPr lang="zh-CN" altLang="en-US" dirty="0"/>
-              <a:t>电厂工作时间</a:t>
-            </a:r>
-          </a:p>
-        </p:txBody>
-      </p:sp>
-      <p:cxnSp>
-        <p:nvCxnSpPr>
-          <p:cNvPr id="33" name="直接箭头连接符 32">
-            <a:extLst>
-              <a:ext uri="{FF2B5EF4-FFF2-40B4-BE49-F238E27FC236}">
-                <a16:creationId xmlns:a16="http://schemas.microsoft.com/office/drawing/2014/main" id="{F68F4AAE-A877-4273-8E00-540F1C94753F}"/>
-              </a:ext>
-            </a:extLst>
-          </p:cNvPr>
-          <p:cNvCxnSpPr>
-            <a:stCxn id="31" idx="0"/>
-          </p:cNvCxnSpPr>
-          <p:nvPr/>
-        </p:nvCxnSpPr>
-        <p:spPr>
-          <a:xfrm flipH="1" flipV="1">
-            <a:off x="1588347" y="4535593"/>
-            <a:ext cx="1191683" cy="311530"/>
-          </a:xfrm>
-          <a:prstGeom prst="straightConnector1">
-            <a:avLst/>
-          </a:prstGeom>
-          <a:ln>
-            <a:tailEnd type="triangle"/>
-          </a:ln>
-        </p:spPr>
-        <p:style>
-          <a:lnRef idx="1">
-            <a:schemeClr val="dk1"/>
-          </a:lnRef>
-          <a:fillRef idx="0">
-            <a:schemeClr val="dk1"/>
-          </a:fillRef>
-          <a:effectRef idx="0">
-            <a:schemeClr val="dk1"/>
-          </a:effectRef>
-          <a:fontRef idx="minor">
-            <a:schemeClr val="tx1"/>
-          </a:fontRef>
-        </p:style>
-      </p:cxnSp>
-      <p:cxnSp>
-        <p:nvCxnSpPr>
-          <p:cNvPr id="34" name="直接箭头连接符 33">
-            <a:extLst>
-              <a:ext uri="{FF2B5EF4-FFF2-40B4-BE49-F238E27FC236}">
-                <a16:creationId xmlns:a16="http://schemas.microsoft.com/office/drawing/2014/main" id="{98119D1F-4A1A-4303-A199-94E2E759CE3C}"/>
-              </a:ext>
-            </a:extLst>
-          </p:cNvPr>
-          <p:cNvCxnSpPr>
-            <a:cxnSpLocks/>
-            <a:stCxn id="31" idx="0"/>
-          </p:cNvCxnSpPr>
-          <p:nvPr/>
-        </p:nvCxnSpPr>
-        <p:spPr>
-          <a:xfrm flipV="1">
-            <a:off x="2780030" y="4535593"/>
-            <a:ext cx="0" cy="311530"/>
-          </a:xfrm>
-          <a:prstGeom prst="straightConnector1">
-            <a:avLst/>
-          </a:prstGeom>
-          <a:ln>
-            <a:tailEnd type="triangle"/>
-          </a:ln>
-        </p:spPr>
-        <p:style>
-          <a:lnRef idx="1">
-            <a:schemeClr val="dk1"/>
-          </a:lnRef>
-          <a:fillRef idx="0">
-            <a:schemeClr val="dk1"/>
-          </a:fillRef>
-          <a:effectRef idx="0">
-            <a:schemeClr val="dk1"/>
-          </a:effectRef>
-          <a:fontRef idx="minor">
-            <a:schemeClr val="tx1"/>
-          </a:fontRef>
-        </p:style>
-      </p:cxnSp>
-      <p:cxnSp>
-        <p:nvCxnSpPr>
-          <p:cNvPr id="38" name="直接箭头连接符 37">
-            <a:extLst>
-              <a:ext uri="{FF2B5EF4-FFF2-40B4-BE49-F238E27FC236}">
-                <a16:creationId xmlns:a16="http://schemas.microsoft.com/office/drawing/2014/main" id="{7C1E7AA3-0784-4CCF-B4CE-4D9708854FA0}"/>
-              </a:ext>
-            </a:extLst>
-          </p:cNvPr>
-          <p:cNvCxnSpPr>
-            <a:cxnSpLocks/>
-            <a:stCxn id="31" idx="0"/>
-          </p:cNvCxnSpPr>
-          <p:nvPr/>
-        </p:nvCxnSpPr>
-        <p:spPr>
-          <a:xfrm flipV="1">
-            <a:off x="2780030" y="4535593"/>
-            <a:ext cx="1276350" cy="311530"/>
-          </a:xfrm>
-          <a:prstGeom prst="straightConnector1">
-            <a:avLst/>
-          </a:prstGeom>
-          <a:ln>
-            <a:tailEnd type="triangle"/>
-          </a:ln>
-        </p:spPr>
-        <p:style>
-          <a:lnRef idx="1">
-            <a:schemeClr val="dk1"/>
-          </a:lnRef>
-          <a:fillRef idx="0">
-            <a:schemeClr val="dk1"/>
-          </a:fillRef>
-          <a:effectRef idx="0">
-            <a:schemeClr val="dk1"/>
-          </a:effectRef>
-          <a:fontRef idx="minor">
-            <a:schemeClr val="tx1"/>
-          </a:fontRef>
-        </p:style>
-      </p:cxnSp>
-      <p:sp>
-        <p:nvSpPr>
-          <p:cNvPr id="42" name="文本框 41">
-            <a:extLst>
-              <a:ext uri="{FF2B5EF4-FFF2-40B4-BE49-F238E27FC236}">
-                <a16:creationId xmlns:a16="http://schemas.microsoft.com/office/drawing/2014/main" id="{CE7BE666-4F9E-46AB-81D7-11876CEECA97}"/>
-              </a:ext>
-            </a:extLst>
-          </p:cNvPr>
-          <p:cNvSpPr txBox="1"/>
-          <p:nvPr/>
-        </p:nvSpPr>
-        <p:spPr>
-          <a:xfrm>
-            <a:off x="6980286" y="5534659"/>
-            <a:ext cx="3744936" cy="369332"/>
-          </a:xfrm>
-          <a:prstGeom prst="rect">
-            <a:avLst/>
-          </a:prstGeom>
-          <a:noFill/>
-        </p:spPr>
-        <p:txBody>
-          <a:bodyPr wrap="none" rtlCol="0">
-            <a:spAutoFit/>
-          </a:bodyPr>
-          <a:lstStyle/>
-          <a:p>
-            <a:r>
-              <a:rPr lang="zh-CN" altLang="en-US" b="1" dirty="0"/>
-              <a:t>异常的计数率上升与振动关系不大</a:t>
-            </a:r>
-          </a:p>
-        </p:txBody>
-      </p:sp>
-      <p:sp>
-        <p:nvSpPr>
-          <p:cNvPr id="43" name="文本框 42">
-            <a:extLst>
-              <a:ext uri="{FF2B5EF4-FFF2-40B4-BE49-F238E27FC236}">
-                <a16:creationId xmlns:a16="http://schemas.microsoft.com/office/drawing/2014/main" id="{85D23AA8-B0D6-41AF-AB8A-CC9167C27FA6}"/>
-              </a:ext>
-            </a:extLst>
-          </p:cNvPr>
-          <p:cNvSpPr txBox="1"/>
-          <p:nvPr/>
-        </p:nvSpPr>
-        <p:spPr>
-          <a:xfrm>
-            <a:off x="869439" y="5534659"/>
-            <a:ext cx="4570482" cy="369332"/>
-          </a:xfrm>
-          <a:prstGeom prst="rect">
-            <a:avLst/>
-          </a:prstGeom>
-          <a:noFill/>
-        </p:spPr>
-        <p:txBody>
-          <a:bodyPr wrap="none" rtlCol="0">
-            <a:spAutoFit/>
-          </a:bodyPr>
-          <a:lstStyle/>
-          <a:p>
-            <a:r>
-              <a:rPr lang="zh-CN" altLang="en-US" b="1" dirty="0"/>
-              <a:t>振动幅度呈周期性变化，且与工作时间相关</a:t>
-            </a:r>
-          </a:p>
-        </p:txBody>
-      </p:sp>
       <p:pic>
         <p:nvPicPr>
-          <p:cNvPr id="45" name="图片 44">
-            <a:extLst>
-              <a:ext uri="{FF2B5EF4-FFF2-40B4-BE49-F238E27FC236}">
-                <a16:creationId xmlns:a16="http://schemas.microsoft.com/office/drawing/2014/main" id="{CC441C01-D872-459E-8630-7D614B611172}"/>
+          <p:cNvPr id="12" name="图片 11">
+            <a:extLst>
+              <a:ext uri="{FF2B5EF4-FFF2-40B4-BE49-F238E27FC236}">
+                <a16:creationId xmlns:a16="http://schemas.microsoft.com/office/drawing/2014/main" id="{9D1B6E83-A054-4B8B-9D9A-77035164E8D0}"/>
               </a:ext>
             </a:extLst>
           </p:cNvPr>
@@ -4643,7 +5232,7 @@
           </p:cNvPicPr>
           <p:nvPr/>
         </p:nvPicPr>
-        <p:blipFill rotWithShape="1">
+        <p:blipFill>
           <a:blip r:embed="rId4">
             <a:extLst>
               <a:ext uri="{28A0092B-C50C-407E-A947-70E740481C1C}">
@@ -4651,25 +5240,119 @@
               </a:ext>
             </a:extLst>
           </a:blip>
-          <a:srcRect l="8127" t="4889" r="5062" b="3334"/>
-          <a:stretch/>
+          <a:stretch>
+            <a:fillRect/>
+          </a:stretch>
         </p:blipFill>
         <p:spPr>
           <a:xfrm>
-            <a:off x="7840669" y="2436179"/>
-            <a:ext cx="3339008" cy="1985641"/>
+            <a:off x="12971316" y="-957242"/>
+            <a:ext cx="11429055" cy="3809685"/>
           </a:xfrm>
           <a:prstGeom prst="rect">
             <a:avLst/>
           </a:prstGeom>
         </p:spPr>
       </p:pic>
-      <p:sp>
-        <p:nvSpPr>
-          <p:cNvPr id="46" name="文本框 45">
-            <a:extLst>
-              <a:ext uri="{FF2B5EF4-FFF2-40B4-BE49-F238E27FC236}">
-                <a16:creationId xmlns:a16="http://schemas.microsoft.com/office/drawing/2014/main" id="{F84A1DD9-D93F-4A1D-B73C-6D6F9D56BB51}"/>
+      <p:grpSp>
+        <p:nvGrpSpPr>
+          <p:cNvPr id="18" name="组合 17">
+            <a:extLst>
+              <a:ext uri="{FF2B5EF4-FFF2-40B4-BE49-F238E27FC236}">
+                <a16:creationId xmlns:a16="http://schemas.microsoft.com/office/drawing/2014/main" id="{F9B7CA2B-0EB5-4F5D-B4EF-6ABCBF7B6638}"/>
+              </a:ext>
+            </a:extLst>
+          </p:cNvPr>
+          <p:cNvGrpSpPr/>
+          <p:nvPr/>
+        </p:nvGrpSpPr>
+        <p:grpSpPr>
+          <a:xfrm>
+            <a:off x="1697802" y="400587"/>
+            <a:ext cx="8796396" cy="6056825"/>
+            <a:chOff x="1697800" y="362397"/>
+            <a:chExt cx="8796396" cy="6056825"/>
+          </a:xfrm>
+        </p:grpSpPr>
+        <p:pic>
+          <p:nvPicPr>
+            <p:cNvPr id="8" name="图片 7">
+              <a:extLst>
+                <a:ext uri="{FF2B5EF4-FFF2-40B4-BE49-F238E27FC236}">
+                  <a16:creationId xmlns:a16="http://schemas.microsoft.com/office/drawing/2014/main" id="{3D1866DE-7829-4885-A392-C64E193910B3}"/>
+                </a:ext>
+              </a:extLst>
+            </p:cNvPr>
+            <p:cNvPicPr>
+              <a:picLocks noChangeAspect="1"/>
+            </p:cNvPicPr>
+            <p:nvPr/>
+          </p:nvPicPr>
+          <p:blipFill>
+            <a:blip r:embed="rId5">
+              <a:extLst>
+                <a:ext uri="{28A0092B-C50C-407E-A947-70E740481C1C}">
+                  <a14:useLocalDpi xmlns:a14="http://schemas.microsoft.com/office/drawing/2010/main" val="0"/>
+                </a:ext>
+              </a:extLst>
+            </a:blip>
+            <a:stretch>
+              <a:fillRect/>
+            </a:stretch>
+          </p:blipFill>
+          <p:spPr>
+            <a:xfrm>
+              <a:off x="1697800" y="3487091"/>
+              <a:ext cx="8796395" cy="2932131"/>
+            </a:xfrm>
+            <a:prstGeom prst="rect">
+              <a:avLst/>
+            </a:prstGeom>
+          </p:spPr>
+        </p:pic>
+        <p:pic>
+          <p:nvPicPr>
+            <p:cNvPr id="14" name="图片 13">
+              <a:extLst>
+                <a:ext uri="{FF2B5EF4-FFF2-40B4-BE49-F238E27FC236}">
+                  <a16:creationId xmlns:a16="http://schemas.microsoft.com/office/drawing/2014/main" id="{33F4ADB2-DD50-44E5-85A9-0A8039C30B47}"/>
+                </a:ext>
+              </a:extLst>
+            </p:cNvPr>
+            <p:cNvPicPr>
+              <a:picLocks noChangeAspect="1"/>
+            </p:cNvPicPr>
+            <p:nvPr/>
+          </p:nvPicPr>
+          <p:blipFill>
+            <a:blip r:embed="rId6">
+              <a:extLst>
+                <a:ext uri="{28A0092B-C50C-407E-A947-70E740481C1C}">
+                  <a14:useLocalDpi xmlns:a14="http://schemas.microsoft.com/office/drawing/2010/main" val="0"/>
+                </a:ext>
+              </a:extLst>
+            </a:blip>
+            <a:stretch>
+              <a:fillRect/>
+            </a:stretch>
+          </p:blipFill>
+          <p:spPr>
+            <a:xfrm>
+              <a:off x="1697801" y="362397"/>
+              <a:ext cx="8796395" cy="2932132"/>
+            </a:xfrm>
+            <a:prstGeom prst="rect">
+              <a:avLst/>
+            </a:prstGeom>
+          </p:spPr>
+        </p:pic>
+      </p:grpSp>
+      <p:sp>
+        <p:nvSpPr>
+          <p:cNvPr id="19" name="文本框 18">
+            <a:extLst>
+              <a:ext uri="{FF2B5EF4-FFF2-40B4-BE49-F238E27FC236}">
+                <a16:creationId xmlns:a16="http://schemas.microsoft.com/office/drawing/2014/main" id="{896E8A01-8C9D-45DE-8BEE-A750C05A608F}"/>
               </a:ext>
             </a:extLst>
           </p:cNvPr>
@@ -4678,8 +5361,8 @@
         </p:nvSpPr>
         <p:spPr>
           <a:xfrm>
-            <a:off x="124751" y="143934"/>
-            <a:ext cx="1107996" cy="369332"/>
+            <a:off x="4964920" y="6457412"/>
+            <a:ext cx="2262158" cy="369332"/>
           </a:xfrm>
           <a:prstGeom prst="rect">
             <a:avLst/>
@@ -4693,8 +5376,8 @@
           <a:lstStyle/>
           <a:p>
             <a:r>
-              <a:rPr lang="zh-CN" altLang="en-US" dirty="0"/>
-              <a:t>时域分析</a:t>
+              <a:rPr lang="zh-CN" altLang="en-US" b="1" dirty="0"/>
+              <a:t>振动幅度与温度相关</a:t>
             </a:r>
           </a:p>
         </p:txBody>
@@ -4702,7 +5385,7 @@
     </p:spTree>
     <p:extLst>
       <p:ext uri="{BB962C8B-B14F-4D97-AF65-F5344CB8AC3E}">
-        <p14:creationId xmlns:p14="http://schemas.microsoft.com/office/powerpoint/2010/main" val="216059406"/>
+        <p14:creationId xmlns:p14="http://schemas.microsoft.com/office/powerpoint/2010/main" val="4053908265"/>
       </p:ext>
     </p:extLst>
   </p:cSld>
@@ -4729,10 +5412,1704 @@
           <a:chExt cx="0" cy="0"/>
         </a:xfrm>
       </p:grpSpPr>
+      <p:pic>
+        <p:nvPicPr>
+          <p:cNvPr id="6" name="图片 5">
+            <a:extLst>
+              <a:ext uri="{FF2B5EF4-FFF2-40B4-BE49-F238E27FC236}">
+                <a16:creationId xmlns:a16="http://schemas.microsoft.com/office/drawing/2014/main" id="{96BD7F34-2416-4D05-A1C3-10FB257F36A5}"/>
+              </a:ext>
+            </a:extLst>
+          </p:cNvPr>
+          <p:cNvPicPr>
+            <a:picLocks noChangeAspect="1"/>
+          </p:cNvPicPr>
+          <p:nvPr/>
+        </p:nvPicPr>
+        <p:blipFill>
+          <a:blip r:embed="rId2">
+            <a:extLst>
+              <a:ext uri="{28A0092B-C50C-407E-A947-70E740481C1C}">
+                <a14:useLocalDpi xmlns:a14="http://schemas.microsoft.com/office/drawing/2010/main" val="0"/>
+              </a:ext>
+            </a:extLst>
+          </a:blip>
+          <a:stretch>
+            <a:fillRect/>
+          </a:stretch>
+        </p:blipFill>
+        <p:spPr>
+          <a:xfrm>
+            <a:off x="0" y="814437"/>
+            <a:ext cx="12192000" cy="5229125"/>
+          </a:xfrm>
+          <a:prstGeom prst="rect">
+            <a:avLst/>
+          </a:prstGeom>
+        </p:spPr>
+      </p:pic>
+    </p:spTree>
+    <p:extLst>
+      <p:ext uri="{BB962C8B-B14F-4D97-AF65-F5344CB8AC3E}">
+        <p14:creationId xmlns:p14="http://schemas.microsoft.com/office/powerpoint/2010/main" val="661365315"/>
+      </p:ext>
+    </p:extLst>
+  </p:cSld>
+  <p:clrMapOvr>
+    <a:masterClrMapping/>
+  </p:clrMapOvr>
+</p:sld>
+</file>
+
+<file path=ppt/slides/slide5.xml><?xml version="1.0" encoding="utf-8"?>
+<p:sld xmlns:a="http://schemas.openxmlformats.org/drawingml/2006/main" xmlns:r="http://schemas.openxmlformats.org/officeDocument/2006/relationships" xmlns:p="http://schemas.openxmlformats.org/presentationml/2006/main">
+  <p:cSld>
+    <p:spTree>
+      <p:nvGrpSpPr>
+        <p:cNvPr id="1" name=""/>
+        <p:cNvGrpSpPr/>
+        <p:nvPr/>
+      </p:nvGrpSpPr>
+      <p:grpSpPr>
+        <a:xfrm>
+          <a:off x="0" y="0"/>
+          <a:ext cx="0" cy="0"/>
+          <a:chOff x="0" y="0"/>
+          <a:chExt cx="0" cy="0"/>
+        </a:xfrm>
+      </p:grpSpPr>
+      <p:pic>
+        <p:nvPicPr>
+          <p:cNvPr id="7" name="图片 6">
+            <a:extLst>
+              <a:ext uri="{FF2B5EF4-FFF2-40B4-BE49-F238E27FC236}">
+                <a16:creationId xmlns:a16="http://schemas.microsoft.com/office/drawing/2014/main" id="{4DC21075-8C4E-41B0-BEBA-8E860ED254DD}"/>
+              </a:ext>
+            </a:extLst>
+          </p:cNvPr>
+          <p:cNvPicPr>
+            <a:picLocks noChangeAspect="1"/>
+          </p:cNvPicPr>
+          <p:nvPr/>
+        </p:nvPicPr>
+        <p:blipFill>
+          <a:blip r:embed="rId2">
+            <a:extLst>
+              <a:ext uri="{28A0092B-C50C-407E-A947-70E740481C1C}">
+                <a14:useLocalDpi xmlns:a14="http://schemas.microsoft.com/office/drawing/2010/main" val="0"/>
+              </a:ext>
+            </a:extLst>
+          </a:blip>
+          <a:stretch>
+            <a:fillRect/>
+          </a:stretch>
+        </p:blipFill>
+        <p:spPr>
+          <a:xfrm>
+            <a:off x="0" y="0"/>
+            <a:ext cx="12192000" cy="6858000"/>
+          </a:xfrm>
+          <a:prstGeom prst="rect">
+            <a:avLst/>
+          </a:prstGeom>
+        </p:spPr>
+      </p:pic>
+    </p:spTree>
+    <p:extLst>
+      <p:ext uri="{BB962C8B-B14F-4D97-AF65-F5344CB8AC3E}">
+        <p14:creationId xmlns:p14="http://schemas.microsoft.com/office/powerpoint/2010/main" val="1700690656"/>
+      </p:ext>
+    </p:extLst>
+  </p:cSld>
+  <p:clrMapOvr>
+    <a:masterClrMapping/>
+  </p:clrMapOvr>
+</p:sld>
+</file>
+
+<file path=ppt/slides/slide6.xml><?xml version="1.0" encoding="utf-8"?>
+<p:sld xmlns:a="http://schemas.openxmlformats.org/drawingml/2006/main" xmlns:r="http://schemas.openxmlformats.org/officeDocument/2006/relationships" xmlns:p="http://schemas.openxmlformats.org/presentationml/2006/main">
+  <p:cSld>
+    <p:spTree>
+      <p:nvGrpSpPr>
+        <p:cNvPr id="1" name=""/>
+        <p:cNvGrpSpPr/>
+        <p:nvPr/>
+      </p:nvGrpSpPr>
+      <p:grpSpPr>
+        <a:xfrm>
+          <a:off x="0" y="0"/>
+          <a:ext cx="0" cy="0"/>
+          <a:chOff x="0" y="0"/>
+          <a:chExt cx="0" cy="0"/>
+        </a:xfrm>
+      </p:grpSpPr>
+      <p:pic>
+        <p:nvPicPr>
+          <p:cNvPr id="17" name="图片 16">
+            <a:extLst>
+              <a:ext uri="{FF2B5EF4-FFF2-40B4-BE49-F238E27FC236}">
+                <a16:creationId xmlns:a16="http://schemas.microsoft.com/office/drawing/2014/main" id="{85309CBE-7F88-45E9-AE86-7B4FA141F758}"/>
+              </a:ext>
+            </a:extLst>
+          </p:cNvPr>
+          <p:cNvPicPr>
+            <a:picLocks noChangeAspect="1"/>
+          </p:cNvPicPr>
+          <p:nvPr/>
+        </p:nvPicPr>
+        <p:blipFill rotWithShape="1">
+          <a:blip r:embed="rId3">
+            <a:extLst>
+              <a:ext uri="{28A0092B-C50C-407E-A947-70E740481C1C}">
+                <a14:useLocalDpi xmlns:a14="http://schemas.microsoft.com/office/drawing/2010/main" val="0"/>
+              </a:ext>
+            </a:extLst>
+          </a:blip>
+          <a:srcRect l="9129"/>
+          <a:stretch/>
+        </p:blipFill>
+        <p:spPr>
+          <a:xfrm>
+            <a:off x="441960" y="3429000"/>
+            <a:ext cx="6230879" cy="2940871"/>
+          </a:xfrm>
+          <a:prstGeom prst="rect">
+            <a:avLst/>
+          </a:prstGeom>
+        </p:spPr>
+      </p:pic>
+      <p:pic>
+        <p:nvPicPr>
+          <p:cNvPr id="12" name="图片 11">
+            <a:extLst>
+              <a:ext uri="{FF2B5EF4-FFF2-40B4-BE49-F238E27FC236}">
+                <a16:creationId xmlns:a16="http://schemas.microsoft.com/office/drawing/2014/main" id="{D48BC774-79BB-47ED-AE31-56FDB2868BEF}"/>
+              </a:ext>
+            </a:extLst>
+          </p:cNvPr>
+          <p:cNvPicPr>
+            <a:picLocks noChangeAspect="1"/>
+          </p:cNvPicPr>
+          <p:nvPr/>
+        </p:nvPicPr>
+        <p:blipFill rotWithShape="1">
+          <a:blip r:embed="rId4">
+            <a:extLst>
+              <a:ext uri="{28A0092B-C50C-407E-A947-70E740481C1C}">
+                <a14:useLocalDpi xmlns:a14="http://schemas.microsoft.com/office/drawing/2010/main" val="0"/>
+              </a:ext>
+            </a:extLst>
+          </a:blip>
+          <a:srcRect l="9249"/>
+          <a:stretch/>
+        </p:blipFill>
+        <p:spPr>
+          <a:xfrm>
+            <a:off x="441960" y="602716"/>
+            <a:ext cx="6230879" cy="2944762"/>
+          </a:xfrm>
+          <a:prstGeom prst="rect">
+            <a:avLst/>
+          </a:prstGeom>
+        </p:spPr>
+      </p:pic>
+      <p:pic>
+        <p:nvPicPr>
+          <p:cNvPr id="6" name="图片 5">
+            <a:extLst>
+              <a:ext uri="{FF2B5EF4-FFF2-40B4-BE49-F238E27FC236}">
+                <a16:creationId xmlns:a16="http://schemas.microsoft.com/office/drawing/2014/main" id="{FB4EA923-3CC3-44E9-82ED-4CA9CC9D9479}"/>
+              </a:ext>
+            </a:extLst>
+          </p:cNvPr>
+          <p:cNvPicPr>
+            <a:picLocks noChangeAspect="1"/>
+          </p:cNvPicPr>
+          <p:nvPr/>
+        </p:nvPicPr>
+        <p:blipFill rotWithShape="1">
+          <a:blip r:embed="rId5">
+            <a:extLst>
+              <a:ext uri="{28A0092B-C50C-407E-A947-70E740481C1C}">
+                <a14:useLocalDpi xmlns:a14="http://schemas.microsoft.com/office/drawing/2010/main" val="0"/>
+              </a:ext>
+            </a:extLst>
+          </a:blip>
+          <a:srcRect l="8414"/>
+          <a:stretch/>
+        </p:blipFill>
+        <p:spPr>
+          <a:xfrm>
+            <a:off x="6360160" y="726351"/>
+            <a:ext cx="5750560" cy="2692999"/>
+          </a:xfrm>
+          <a:prstGeom prst="rect">
+            <a:avLst/>
+          </a:prstGeom>
+        </p:spPr>
+      </p:pic>
+      <p:pic>
+        <p:nvPicPr>
+          <p:cNvPr id="8" name="图片 7">
+            <a:extLst>
+              <a:ext uri="{FF2B5EF4-FFF2-40B4-BE49-F238E27FC236}">
+                <a16:creationId xmlns:a16="http://schemas.microsoft.com/office/drawing/2014/main" id="{5FF8007E-0853-45EE-ADF6-E41E610FED63}"/>
+              </a:ext>
+            </a:extLst>
+          </p:cNvPr>
+          <p:cNvPicPr>
+            <a:picLocks noChangeAspect="1"/>
+          </p:cNvPicPr>
+          <p:nvPr/>
+        </p:nvPicPr>
+        <p:blipFill rotWithShape="1">
+          <a:blip r:embed="rId6">
+            <a:extLst>
+              <a:ext uri="{28A0092B-C50C-407E-A947-70E740481C1C}">
+                <a14:useLocalDpi xmlns:a14="http://schemas.microsoft.com/office/drawing/2010/main" val="0"/>
+              </a:ext>
+            </a:extLst>
+          </a:blip>
+          <a:srcRect l="8262"/>
+          <a:stretch/>
+        </p:blipFill>
+        <p:spPr>
+          <a:xfrm>
+            <a:off x="6360160" y="3566777"/>
+            <a:ext cx="5750560" cy="2688507"/>
+          </a:xfrm>
+          <a:prstGeom prst="rect">
+            <a:avLst/>
+          </a:prstGeom>
+        </p:spPr>
+      </p:pic>
+      <p:sp>
+        <p:nvSpPr>
+          <p:cNvPr id="18" name="文本框 17">
+            <a:extLst>
+              <a:ext uri="{FF2B5EF4-FFF2-40B4-BE49-F238E27FC236}">
+                <a16:creationId xmlns:a16="http://schemas.microsoft.com/office/drawing/2014/main" id="{8D3BA6E8-58B6-4877-8190-2094C5DD5AFC}"/>
+              </a:ext>
+            </a:extLst>
+          </p:cNvPr>
+          <p:cNvSpPr txBox="1"/>
+          <p:nvPr/>
+        </p:nvSpPr>
+        <p:spPr>
+          <a:xfrm>
+            <a:off x="124751" y="143934"/>
+            <a:ext cx="2608406" cy="369332"/>
+          </a:xfrm>
+          <a:prstGeom prst="rect">
+            <a:avLst/>
+          </a:prstGeom>
+          <a:noFill/>
+        </p:spPr>
+        <p:txBody>
+          <a:bodyPr wrap="none" rtlCol="0">
+            <a:spAutoFit/>
+          </a:bodyPr>
+          <a:lstStyle/>
+          <a:p>
+            <a:r>
+              <a:rPr lang="zh-CN" altLang="en-US" dirty="0"/>
+              <a:t>联合分析温度</a:t>
+            </a:r>
+            <a:r>
+              <a:rPr lang="en-US" altLang="zh-CN" dirty="0"/>
+              <a:t>-</a:t>
+            </a:r>
+            <a:r>
+              <a:rPr lang="zh-CN" altLang="en-US" dirty="0"/>
+              <a:t>振动关系</a:t>
+            </a:r>
+          </a:p>
+        </p:txBody>
+      </p:sp>
+    </p:spTree>
+    <p:extLst>
+      <p:ext uri="{BB962C8B-B14F-4D97-AF65-F5344CB8AC3E}">
+        <p14:creationId xmlns:p14="http://schemas.microsoft.com/office/powerpoint/2010/main" val="1482791768"/>
+      </p:ext>
+    </p:extLst>
+  </p:cSld>
+  <p:clrMapOvr>
+    <a:masterClrMapping/>
+  </p:clrMapOvr>
+</p:sld>
+</file>
+
+<file path=ppt/slides/slide7.xml><?xml version="1.0" encoding="utf-8"?>
+<p:sld xmlns:a="http://schemas.openxmlformats.org/drawingml/2006/main" xmlns:r="http://schemas.openxmlformats.org/officeDocument/2006/relationships" xmlns:p="http://schemas.openxmlformats.org/presentationml/2006/main">
+  <p:cSld>
+    <p:spTree>
+      <p:nvGrpSpPr>
+        <p:cNvPr id="1" name=""/>
+        <p:cNvGrpSpPr/>
+        <p:nvPr/>
+      </p:nvGrpSpPr>
+      <p:grpSpPr>
+        <a:xfrm>
+          <a:off x="0" y="0"/>
+          <a:ext cx="0" cy="0"/>
+          <a:chOff x="0" y="0"/>
+          <a:chExt cx="0" cy="0"/>
+        </a:xfrm>
+      </p:grpSpPr>
+      <p:pic>
+        <p:nvPicPr>
+          <p:cNvPr id="6" name="图片 5">
+            <a:extLst>
+              <a:ext uri="{FF2B5EF4-FFF2-40B4-BE49-F238E27FC236}">
+                <a16:creationId xmlns:a16="http://schemas.microsoft.com/office/drawing/2014/main" id="{22CD6714-9750-4E7E-B43C-8AAA6D0B31C5}"/>
+              </a:ext>
+            </a:extLst>
+          </p:cNvPr>
+          <p:cNvPicPr>
+            <a:picLocks noChangeAspect="1"/>
+          </p:cNvPicPr>
+          <p:nvPr/>
+        </p:nvPicPr>
+        <p:blipFill rotWithShape="1">
+          <a:blip r:embed="rId2">
+            <a:extLst>
+              <a:ext uri="{28A0092B-C50C-407E-A947-70E740481C1C}">
+                <a14:useLocalDpi xmlns:a14="http://schemas.microsoft.com/office/drawing/2010/main" val="0"/>
+              </a:ext>
+            </a:extLst>
+          </a:blip>
+          <a:srcRect l="7877" t="5290" r="4785" b="3228"/>
+          <a:stretch/>
+        </p:blipFill>
+        <p:spPr>
+          <a:xfrm>
+            <a:off x="587587" y="1551797"/>
+            <a:ext cx="5372100" cy="3165125"/>
+          </a:xfrm>
+          <a:prstGeom prst="rect">
+            <a:avLst/>
+          </a:prstGeom>
+        </p:spPr>
+      </p:pic>
+      <p:pic>
+        <p:nvPicPr>
+          <p:cNvPr id="10" name="图片 9">
+            <a:extLst>
+              <a:ext uri="{FF2B5EF4-FFF2-40B4-BE49-F238E27FC236}">
+                <a16:creationId xmlns:a16="http://schemas.microsoft.com/office/drawing/2014/main" id="{2D6FA634-9DDA-43A3-B055-38B6352E60BA}"/>
+              </a:ext>
+            </a:extLst>
+          </p:cNvPr>
+          <p:cNvPicPr>
+            <a:picLocks noChangeAspect="1"/>
+          </p:cNvPicPr>
+          <p:nvPr/>
+        </p:nvPicPr>
+        <p:blipFill rotWithShape="1">
+          <a:blip r:embed="rId3">
+            <a:extLst>
+              <a:ext uri="{28A0092B-C50C-407E-A947-70E740481C1C}">
+                <a14:useLocalDpi xmlns:a14="http://schemas.microsoft.com/office/drawing/2010/main" val="0"/>
+              </a:ext>
+            </a:extLst>
+          </a:blip>
+          <a:srcRect l="8364" t="6046" r="5055" b="3594"/>
+          <a:stretch/>
+        </p:blipFill>
+        <p:spPr>
+          <a:xfrm>
+            <a:off x="6156960" y="1551796"/>
+            <a:ext cx="5391588" cy="3165125"/>
+          </a:xfrm>
+          <a:prstGeom prst="rect">
+            <a:avLst/>
+          </a:prstGeom>
+        </p:spPr>
+      </p:pic>
+      <p:sp>
+        <p:nvSpPr>
+          <p:cNvPr id="11" name="矩形 10">
+            <a:extLst>
+              <a:ext uri="{FF2B5EF4-FFF2-40B4-BE49-F238E27FC236}">
+                <a16:creationId xmlns:a16="http://schemas.microsoft.com/office/drawing/2014/main" id="{7AB29C82-7B9F-4289-ADD7-8689DA68F323}"/>
+              </a:ext>
+            </a:extLst>
+          </p:cNvPr>
+          <p:cNvSpPr/>
+          <p:nvPr/>
+        </p:nvSpPr>
+        <p:spPr>
+          <a:xfrm>
+            <a:off x="7307580" y="1610360"/>
+            <a:ext cx="296334" cy="2844800"/>
+          </a:xfrm>
+          <a:prstGeom prst="rect">
+            <a:avLst/>
+          </a:prstGeom>
+          <a:noFill/>
+          <a:ln w="6350">
+            <a:solidFill>
+              <a:schemeClr val="tx1"/>
+            </a:solidFill>
+            <a:prstDash val="dash"/>
+          </a:ln>
+        </p:spPr>
+        <p:style>
+          <a:lnRef idx="2">
+            <a:schemeClr val="accent1">
+              <a:shade val="50000"/>
+            </a:schemeClr>
+          </a:lnRef>
+          <a:fillRef idx="1">
+            <a:schemeClr val="accent1"/>
+          </a:fillRef>
+          <a:effectRef idx="0">
+            <a:schemeClr val="accent1"/>
+          </a:effectRef>
+          <a:fontRef idx="minor">
+            <a:schemeClr val="lt1"/>
+          </a:fontRef>
+        </p:style>
+        <p:txBody>
+          <a:bodyPr rtlCol="0" anchor="ctr"/>
+          <a:lstStyle/>
+          <a:p>
+            <a:pPr algn="ctr"/>
+            <a:endParaRPr lang="zh-CN" altLang="en-US"/>
+          </a:p>
+        </p:txBody>
+      </p:sp>
+      <p:cxnSp>
+        <p:nvCxnSpPr>
+          <p:cNvPr id="14" name="直接连接符 13">
+            <a:extLst>
+              <a:ext uri="{FF2B5EF4-FFF2-40B4-BE49-F238E27FC236}">
+                <a16:creationId xmlns:a16="http://schemas.microsoft.com/office/drawing/2014/main" id="{CA54E162-91DB-47FE-A3AD-07A6A089AE8F}"/>
+              </a:ext>
+            </a:extLst>
+          </p:cNvPr>
+          <p:cNvCxnSpPr/>
+          <p:nvPr/>
+        </p:nvCxnSpPr>
+        <p:spPr>
+          <a:xfrm>
+            <a:off x="1232747" y="2351193"/>
+            <a:ext cx="0" cy="2103967"/>
+          </a:xfrm>
+          <a:prstGeom prst="line">
+            <a:avLst/>
+          </a:prstGeom>
+        </p:spPr>
+        <p:style>
+          <a:lnRef idx="1">
+            <a:schemeClr val="dk1"/>
+          </a:lnRef>
+          <a:fillRef idx="0">
+            <a:schemeClr val="dk1"/>
+          </a:fillRef>
+          <a:effectRef idx="0">
+            <a:schemeClr val="dk1"/>
+          </a:effectRef>
+          <a:fontRef idx="minor">
+            <a:schemeClr val="tx1"/>
+          </a:fontRef>
+        </p:style>
+      </p:cxnSp>
+      <p:cxnSp>
+        <p:nvCxnSpPr>
+          <p:cNvPr id="15" name="直接连接符 14">
+            <a:extLst>
+              <a:ext uri="{FF2B5EF4-FFF2-40B4-BE49-F238E27FC236}">
+                <a16:creationId xmlns:a16="http://schemas.microsoft.com/office/drawing/2014/main" id="{A8D708D7-F04C-41D5-B1F3-0EBF7AD5C924}"/>
+              </a:ext>
+            </a:extLst>
+          </p:cNvPr>
+          <p:cNvCxnSpPr>
+            <a:cxnSpLocks/>
+          </p:cNvCxnSpPr>
+          <p:nvPr/>
+        </p:nvCxnSpPr>
+        <p:spPr>
+          <a:xfrm>
+            <a:off x="1884680" y="2241126"/>
+            <a:ext cx="0" cy="2214034"/>
+          </a:xfrm>
+          <a:prstGeom prst="line">
+            <a:avLst/>
+          </a:prstGeom>
+        </p:spPr>
+        <p:style>
+          <a:lnRef idx="1">
+            <a:schemeClr val="dk1"/>
+          </a:lnRef>
+          <a:fillRef idx="0">
+            <a:schemeClr val="dk1"/>
+          </a:fillRef>
+          <a:effectRef idx="0">
+            <a:schemeClr val="dk1"/>
+          </a:effectRef>
+          <a:fontRef idx="minor">
+            <a:schemeClr val="tx1"/>
+          </a:fontRef>
+        </p:style>
+      </p:cxnSp>
+      <p:cxnSp>
+        <p:nvCxnSpPr>
+          <p:cNvPr id="17" name="直接连接符 16">
+            <a:extLst>
+              <a:ext uri="{FF2B5EF4-FFF2-40B4-BE49-F238E27FC236}">
+                <a16:creationId xmlns:a16="http://schemas.microsoft.com/office/drawing/2014/main" id="{44A3740E-3CC7-43CB-974A-3BEF8267F49E}"/>
+              </a:ext>
+            </a:extLst>
+          </p:cNvPr>
+          <p:cNvCxnSpPr>
+            <a:cxnSpLocks/>
+          </p:cNvCxnSpPr>
+          <p:nvPr/>
+        </p:nvCxnSpPr>
+        <p:spPr>
+          <a:xfrm>
+            <a:off x="2405380" y="2351193"/>
+            <a:ext cx="0" cy="2103967"/>
+          </a:xfrm>
+          <a:prstGeom prst="line">
+            <a:avLst/>
+          </a:prstGeom>
+        </p:spPr>
+        <p:style>
+          <a:lnRef idx="1">
+            <a:schemeClr val="dk1"/>
+          </a:lnRef>
+          <a:fillRef idx="0">
+            <a:schemeClr val="dk1"/>
+          </a:fillRef>
+          <a:effectRef idx="0">
+            <a:schemeClr val="dk1"/>
+          </a:effectRef>
+          <a:fontRef idx="minor">
+            <a:schemeClr val="tx1"/>
+          </a:fontRef>
+        </p:style>
+      </p:cxnSp>
+      <p:cxnSp>
+        <p:nvCxnSpPr>
+          <p:cNvPr id="19" name="直接连接符 18">
+            <a:extLst>
+              <a:ext uri="{FF2B5EF4-FFF2-40B4-BE49-F238E27FC236}">
+                <a16:creationId xmlns:a16="http://schemas.microsoft.com/office/drawing/2014/main" id="{361C1DD1-CB2C-4C3C-8ED2-4413CAD758E7}"/>
+              </a:ext>
+            </a:extLst>
+          </p:cNvPr>
+          <p:cNvCxnSpPr>
+            <a:cxnSpLocks/>
+          </p:cNvCxnSpPr>
+          <p:nvPr/>
+        </p:nvCxnSpPr>
+        <p:spPr>
+          <a:xfrm>
+            <a:off x="3154680" y="2198793"/>
+            <a:ext cx="0" cy="2256367"/>
+          </a:xfrm>
+          <a:prstGeom prst="line">
+            <a:avLst/>
+          </a:prstGeom>
+        </p:spPr>
+        <p:style>
+          <a:lnRef idx="1">
+            <a:schemeClr val="dk1"/>
+          </a:lnRef>
+          <a:fillRef idx="0">
+            <a:schemeClr val="dk1"/>
+          </a:fillRef>
+          <a:effectRef idx="0">
+            <a:schemeClr val="dk1"/>
+          </a:effectRef>
+          <a:fontRef idx="minor">
+            <a:schemeClr val="tx1"/>
+          </a:fontRef>
+        </p:style>
+      </p:cxnSp>
+      <p:cxnSp>
+        <p:nvCxnSpPr>
+          <p:cNvPr id="21" name="直接连接符 20">
+            <a:extLst>
+              <a:ext uri="{FF2B5EF4-FFF2-40B4-BE49-F238E27FC236}">
+                <a16:creationId xmlns:a16="http://schemas.microsoft.com/office/drawing/2014/main" id="{3093A8DD-A870-4EF5-B961-89F27C8B1103}"/>
+              </a:ext>
+            </a:extLst>
+          </p:cNvPr>
+          <p:cNvCxnSpPr>
+            <a:cxnSpLocks/>
+          </p:cNvCxnSpPr>
+          <p:nvPr/>
+        </p:nvCxnSpPr>
+        <p:spPr>
+          <a:xfrm>
+            <a:off x="3810847" y="2198793"/>
+            <a:ext cx="0" cy="2256367"/>
+          </a:xfrm>
+          <a:prstGeom prst="line">
+            <a:avLst/>
+          </a:prstGeom>
+        </p:spPr>
+        <p:style>
+          <a:lnRef idx="1">
+            <a:schemeClr val="dk1"/>
+          </a:lnRef>
+          <a:fillRef idx="0">
+            <a:schemeClr val="dk1"/>
+          </a:fillRef>
+          <a:effectRef idx="0">
+            <a:schemeClr val="dk1"/>
+          </a:effectRef>
+          <a:fontRef idx="minor">
+            <a:schemeClr val="tx1"/>
+          </a:fontRef>
+        </p:style>
+      </p:cxnSp>
+      <p:cxnSp>
+        <p:nvCxnSpPr>
+          <p:cNvPr id="22" name="直接连接符 21">
+            <a:extLst>
+              <a:ext uri="{FF2B5EF4-FFF2-40B4-BE49-F238E27FC236}">
+                <a16:creationId xmlns:a16="http://schemas.microsoft.com/office/drawing/2014/main" id="{DC3F8381-5151-4F19-9ACB-8C67C29EFC06}"/>
+              </a:ext>
+            </a:extLst>
+          </p:cNvPr>
+          <p:cNvCxnSpPr>
+            <a:cxnSpLocks/>
+          </p:cNvCxnSpPr>
+          <p:nvPr/>
+        </p:nvCxnSpPr>
+        <p:spPr>
+          <a:xfrm>
+            <a:off x="4395047" y="2198793"/>
+            <a:ext cx="0" cy="2256367"/>
+          </a:xfrm>
+          <a:prstGeom prst="line">
+            <a:avLst/>
+          </a:prstGeom>
+        </p:spPr>
+        <p:style>
+          <a:lnRef idx="1">
+            <a:schemeClr val="dk1"/>
+          </a:lnRef>
+          <a:fillRef idx="0">
+            <a:schemeClr val="dk1"/>
+          </a:fillRef>
+          <a:effectRef idx="0">
+            <a:schemeClr val="dk1"/>
+          </a:effectRef>
+          <a:fontRef idx="minor">
+            <a:schemeClr val="tx1"/>
+          </a:fontRef>
+        </p:style>
+      </p:cxnSp>
+      <p:cxnSp>
+        <p:nvCxnSpPr>
+          <p:cNvPr id="26" name="直接箭头连接符 25">
+            <a:extLst>
+              <a:ext uri="{FF2B5EF4-FFF2-40B4-BE49-F238E27FC236}">
+                <a16:creationId xmlns:a16="http://schemas.microsoft.com/office/drawing/2014/main" id="{EA736223-D2D0-4D1C-83F5-0E4933F926FD}"/>
+              </a:ext>
+            </a:extLst>
+          </p:cNvPr>
+          <p:cNvCxnSpPr/>
+          <p:nvPr/>
+        </p:nvCxnSpPr>
+        <p:spPr>
+          <a:xfrm>
+            <a:off x="1232747" y="3456093"/>
+            <a:ext cx="651933" cy="0"/>
+          </a:xfrm>
+          <a:prstGeom prst="straightConnector1">
+            <a:avLst/>
+          </a:prstGeom>
+          <a:ln>
+            <a:headEnd type="triangle"/>
+            <a:tailEnd type="triangle"/>
+          </a:ln>
+        </p:spPr>
+        <p:style>
+          <a:lnRef idx="1">
+            <a:schemeClr val="dk1"/>
+          </a:lnRef>
+          <a:fillRef idx="0">
+            <a:schemeClr val="dk1"/>
+          </a:fillRef>
+          <a:effectRef idx="0">
+            <a:schemeClr val="dk1"/>
+          </a:effectRef>
+          <a:fontRef idx="minor">
+            <a:schemeClr val="tx1"/>
+          </a:fontRef>
+        </p:style>
+      </p:cxnSp>
+      <p:cxnSp>
+        <p:nvCxnSpPr>
+          <p:cNvPr id="27" name="直接箭头连接符 26">
+            <a:extLst>
+              <a:ext uri="{FF2B5EF4-FFF2-40B4-BE49-F238E27FC236}">
+                <a16:creationId xmlns:a16="http://schemas.microsoft.com/office/drawing/2014/main" id="{D2165EF5-FA37-42E2-91CB-E4CF47F623EE}"/>
+              </a:ext>
+            </a:extLst>
+          </p:cNvPr>
+          <p:cNvCxnSpPr>
+            <a:cxnSpLocks/>
+          </p:cNvCxnSpPr>
+          <p:nvPr/>
+        </p:nvCxnSpPr>
+        <p:spPr>
+          <a:xfrm>
+            <a:off x="2405380" y="3456093"/>
+            <a:ext cx="749300" cy="0"/>
+          </a:xfrm>
+          <a:prstGeom prst="straightConnector1">
+            <a:avLst/>
+          </a:prstGeom>
+          <a:ln>
+            <a:headEnd type="triangle"/>
+            <a:tailEnd type="triangle"/>
+          </a:ln>
+        </p:spPr>
+        <p:style>
+          <a:lnRef idx="1">
+            <a:schemeClr val="dk1"/>
+          </a:lnRef>
+          <a:fillRef idx="0">
+            <a:schemeClr val="dk1"/>
+          </a:fillRef>
+          <a:effectRef idx="0">
+            <a:schemeClr val="dk1"/>
+          </a:effectRef>
+          <a:fontRef idx="minor">
+            <a:schemeClr val="tx1"/>
+          </a:fontRef>
+        </p:style>
+      </p:cxnSp>
+      <p:cxnSp>
+        <p:nvCxnSpPr>
+          <p:cNvPr id="29" name="直接箭头连接符 28">
+            <a:extLst>
+              <a:ext uri="{FF2B5EF4-FFF2-40B4-BE49-F238E27FC236}">
+                <a16:creationId xmlns:a16="http://schemas.microsoft.com/office/drawing/2014/main" id="{72517E79-9F4A-46AB-A757-86A758932898}"/>
+              </a:ext>
+            </a:extLst>
+          </p:cNvPr>
+          <p:cNvCxnSpPr>
+            <a:cxnSpLocks/>
+          </p:cNvCxnSpPr>
+          <p:nvPr/>
+        </p:nvCxnSpPr>
+        <p:spPr>
+          <a:xfrm>
+            <a:off x="3810847" y="3456093"/>
+            <a:ext cx="584200" cy="0"/>
+          </a:xfrm>
+          <a:prstGeom prst="straightConnector1">
+            <a:avLst/>
+          </a:prstGeom>
+          <a:ln>
+            <a:headEnd type="triangle"/>
+            <a:tailEnd type="triangle"/>
+          </a:ln>
+        </p:spPr>
+        <p:style>
+          <a:lnRef idx="1">
+            <a:schemeClr val="dk1"/>
+          </a:lnRef>
+          <a:fillRef idx="0">
+            <a:schemeClr val="dk1"/>
+          </a:fillRef>
+          <a:effectRef idx="0">
+            <a:schemeClr val="dk1"/>
+          </a:effectRef>
+          <a:fontRef idx="minor">
+            <a:schemeClr val="tx1"/>
+          </a:fontRef>
+        </p:style>
+      </p:cxnSp>
+      <p:sp>
+        <p:nvSpPr>
+          <p:cNvPr id="31" name="文本框 30">
+            <a:extLst>
+              <a:ext uri="{FF2B5EF4-FFF2-40B4-BE49-F238E27FC236}">
+                <a16:creationId xmlns:a16="http://schemas.microsoft.com/office/drawing/2014/main" id="{7BAC7587-5DAB-43E7-BDF0-EBB10F0B71EA}"/>
+              </a:ext>
+            </a:extLst>
+          </p:cNvPr>
+          <p:cNvSpPr txBox="1"/>
+          <p:nvPr/>
+        </p:nvSpPr>
+        <p:spPr>
+          <a:xfrm>
+            <a:off x="1995200" y="4847123"/>
+            <a:ext cx="1569660" cy="369332"/>
+          </a:xfrm>
+          <a:prstGeom prst="rect">
+            <a:avLst/>
+          </a:prstGeom>
+          <a:noFill/>
+        </p:spPr>
+        <p:txBody>
+          <a:bodyPr wrap="none" rtlCol="0">
+            <a:spAutoFit/>
+          </a:bodyPr>
+          <a:lstStyle/>
+          <a:p>
+            <a:r>
+              <a:rPr lang="zh-CN" altLang="en-US" dirty="0"/>
+              <a:t>电厂工作时间</a:t>
+            </a:r>
+          </a:p>
+        </p:txBody>
+      </p:sp>
+      <p:cxnSp>
+        <p:nvCxnSpPr>
+          <p:cNvPr id="33" name="直接箭头连接符 32">
+            <a:extLst>
+              <a:ext uri="{FF2B5EF4-FFF2-40B4-BE49-F238E27FC236}">
+                <a16:creationId xmlns:a16="http://schemas.microsoft.com/office/drawing/2014/main" id="{F68F4AAE-A877-4273-8E00-540F1C94753F}"/>
+              </a:ext>
+            </a:extLst>
+          </p:cNvPr>
+          <p:cNvCxnSpPr>
+            <a:stCxn id="31" idx="0"/>
+          </p:cNvCxnSpPr>
+          <p:nvPr/>
+        </p:nvCxnSpPr>
+        <p:spPr>
+          <a:xfrm flipH="1" flipV="1">
+            <a:off x="1588347" y="4535593"/>
+            <a:ext cx="1191683" cy="311530"/>
+          </a:xfrm>
+          <a:prstGeom prst="straightConnector1">
+            <a:avLst/>
+          </a:prstGeom>
+          <a:ln>
+            <a:tailEnd type="triangle"/>
+          </a:ln>
+        </p:spPr>
+        <p:style>
+          <a:lnRef idx="1">
+            <a:schemeClr val="dk1"/>
+          </a:lnRef>
+          <a:fillRef idx="0">
+            <a:schemeClr val="dk1"/>
+          </a:fillRef>
+          <a:effectRef idx="0">
+            <a:schemeClr val="dk1"/>
+          </a:effectRef>
+          <a:fontRef idx="minor">
+            <a:schemeClr val="tx1"/>
+          </a:fontRef>
+        </p:style>
+      </p:cxnSp>
+      <p:cxnSp>
+        <p:nvCxnSpPr>
+          <p:cNvPr id="34" name="直接箭头连接符 33">
+            <a:extLst>
+              <a:ext uri="{FF2B5EF4-FFF2-40B4-BE49-F238E27FC236}">
+                <a16:creationId xmlns:a16="http://schemas.microsoft.com/office/drawing/2014/main" id="{98119D1F-4A1A-4303-A199-94E2E759CE3C}"/>
+              </a:ext>
+            </a:extLst>
+          </p:cNvPr>
+          <p:cNvCxnSpPr>
+            <a:cxnSpLocks/>
+            <a:stCxn id="31" idx="0"/>
+          </p:cNvCxnSpPr>
+          <p:nvPr/>
+        </p:nvCxnSpPr>
+        <p:spPr>
+          <a:xfrm flipV="1">
+            <a:off x="2780030" y="4535593"/>
+            <a:ext cx="0" cy="311530"/>
+          </a:xfrm>
+          <a:prstGeom prst="straightConnector1">
+            <a:avLst/>
+          </a:prstGeom>
+          <a:ln>
+            <a:tailEnd type="triangle"/>
+          </a:ln>
+        </p:spPr>
+        <p:style>
+          <a:lnRef idx="1">
+            <a:schemeClr val="dk1"/>
+          </a:lnRef>
+          <a:fillRef idx="0">
+            <a:schemeClr val="dk1"/>
+          </a:fillRef>
+          <a:effectRef idx="0">
+            <a:schemeClr val="dk1"/>
+          </a:effectRef>
+          <a:fontRef idx="minor">
+            <a:schemeClr val="tx1"/>
+          </a:fontRef>
+        </p:style>
+      </p:cxnSp>
+      <p:cxnSp>
+        <p:nvCxnSpPr>
+          <p:cNvPr id="38" name="直接箭头连接符 37">
+            <a:extLst>
+              <a:ext uri="{FF2B5EF4-FFF2-40B4-BE49-F238E27FC236}">
+                <a16:creationId xmlns:a16="http://schemas.microsoft.com/office/drawing/2014/main" id="{7C1E7AA3-0784-4CCF-B4CE-4D9708854FA0}"/>
+              </a:ext>
+            </a:extLst>
+          </p:cNvPr>
+          <p:cNvCxnSpPr>
+            <a:cxnSpLocks/>
+            <a:stCxn id="31" idx="0"/>
+          </p:cNvCxnSpPr>
+          <p:nvPr/>
+        </p:nvCxnSpPr>
+        <p:spPr>
+          <a:xfrm flipV="1">
+            <a:off x="2780030" y="4535593"/>
+            <a:ext cx="1276350" cy="311530"/>
+          </a:xfrm>
+          <a:prstGeom prst="straightConnector1">
+            <a:avLst/>
+          </a:prstGeom>
+          <a:ln>
+            <a:tailEnd type="triangle"/>
+          </a:ln>
+        </p:spPr>
+        <p:style>
+          <a:lnRef idx="1">
+            <a:schemeClr val="dk1"/>
+          </a:lnRef>
+          <a:fillRef idx="0">
+            <a:schemeClr val="dk1"/>
+          </a:fillRef>
+          <a:effectRef idx="0">
+            <a:schemeClr val="dk1"/>
+          </a:effectRef>
+          <a:fontRef idx="minor">
+            <a:schemeClr val="tx1"/>
+          </a:fontRef>
+        </p:style>
+      </p:cxnSp>
+      <p:sp>
+        <p:nvSpPr>
+          <p:cNvPr id="42" name="文本框 41">
+            <a:extLst>
+              <a:ext uri="{FF2B5EF4-FFF2-40B4-BE49-F238E27FC236}">
+                <a16:creationId xmlns:a16="http://schemas.microsoft.com/office/drawing/2014/main" id="{CE7BE666-4F9E-46AB-81D7-11876CEECA97}"/>
+              </a:ext>
+            </a:extLst>
+          </p:cNvPr>
+          <p:cNvSpPr txBox="1"/>
+          <p:nvPr/>
+        </p:nvSpPr>
+        <p:spPr>
+          <a:xfrm>
+            <a:off x="6980286" y="5534659"/>
+            <a:ext cx="3744936" cy="369332"/>
+          </a:xfrm>
+          <a:prstGeom prst="rect">
+            <a:avLst/>
+          </a:prstGeom>
+          <a:noFill/>
+        </p:spPr>
+        <p:txBody>
+          <a:bodyPr wrap="none" rtlCol="0">
+            <a:spAutoFit/>
+          </a:bodyPr>
+          <a:lstStyle/>
+          <a:p>
+            <a:r>
+              <a:rPr lang="zh-CN" altLang="en-US" b="1" dirty="0"/>
+              <a:t>异常的计数率上升与振动关系不大</a:t>
+            </a:r>
+          </a:p>
+        </p:txBody>
+      </p:sp>
+      <p:sp>
+        <p:nvSpPr>
+          <p:cNvPr id="43" name="文本框 42">
+            <a:extLst>
+              <a:ext uri="{FF2B5EF4-FFF2-40B4-BE49-F238E27FC236}">
+                <a16:creationId xmlns:a16="http://schemas.microsoft.com/office/drawing/2014/main" id="{85D23AA8-B0D6-41AF-AB8A-CC9167C27FA6}"/>
+              </a:ext>
+            </a:extLst>
+          </p:cNvPr>
+          <p:cNvSpPr txBox="1"/>
+          <p:nvPr/>
+        </p:nvSpPr>
+        <p:spPr>
+          <a:xfrm>
+            <a:off x="869439" y="5534659"/>
+            <a:ext cx="4570482" cy="369332"/>
+          </a:xfrm>
+          <a:prstGeom prst="rect">
+            <a:avLst/>
+          </a:prstGeom>
+          <a:noFill/>
+        </p:spPr>
+        <p:txBody>
+          <a:bodyPr wrap="none" rtlCol="0">
+            <a:spAutoFit/>
+          </a:bodyPr>
+          <a:lstStyle/>
+          <a:p>
+            <a:r>
+              <a:rPr lang="zh-CN" altLang="en-US" b="1" dirty="0"/>
+              <a:t>振动幅度呈周期性变化，且与工作时间相关</a:t>
+            </a:r>
+          </a:p>
+        </p:txBody>
+      </p:sp>
+      <p:pic>
+        <p:nvPicPr>
+          <p:cNvPr id="45" name="图片 44">
+            <a:extLst>
+              <a:ext uri="{FF2B5EF4-FFF2-40B4-BE49-F238E27FC236}">
+                <a16:creationId xmlns:a16="http://schemas.microsoft.com/office/drawing/2014/main" id="{CC441C01-D872-459E-8630-7D614B611172}"/>
+              </a:ext>
+            </a:extLst>
+          </p:cNvPr>
+          <p:cNvPicPr>
+            <a:picLocks noChangeAspect="1"/>
+          </p:cNvPicPr>
+          <p:nvPr/>
+        </p:nvPicPr>
+        <p:blipFill rotWithShape="1">
+          <a:blip r:embed="rId4">
+            <a:extLst>
+              <a:ext uri="{28A0092B-C50C-407E-A947-70E740481C1C}">
+                <a14:useLocalDpi xmlns:a14="http://schemas.microsoft.com/office/drawing/2010/main" val="0"/>
+              </a:ext>
+            </a:extLst>
+          </a:blip>
+          <a:srcRect l="8127" t="4889" r="5062" b="3334"/>
+          <a:stretch/>
+        </p:blipFill>
+        <p:spPr>
+          <a:xfrm>
+            <a:off x="7840669" y="2436179"/>
+            <a:ext cx="3339008" cy="1985641"/>
+          </a:xfrm>
+          <a:prstGeom prst="rect">
+            <a:avLst/>
+          </a:prstGeom>
+        </p:spPr>
+      </p:pic>
+      <p:sp>
+        <p:nvSpPr>
+          <p:cNvPr id="46" name="文本框 45">
+            <a:extLst>
+              <a:ext uri="{FF2B5EF4-FFF2-40B4-BE49-F238E27FC236}">
+                <a16:creationId xmlns:a16="http://schemas.microsoft.com/office/drawing/2014/main" id="{F84A1DD9-D93F-4A1D-B73C-6D6F9D56BB51}"/>
+              </a:ext>
+            </a:extLst>
+          </p:cNvPr>
+          <p:cNvSpPr txBox="1"/>
+          <p:nvPr/>
+        </p:nvSpPr>
+        <p:spPr>
+          <a:xfrm>
+            <a:off x="124751" y="143934"/>
+            <a:ext cx="1107996" cy="369332"/>
+          </a:xfrm>
+          <a:prstGeom prst="rect">
+            <a:avLst/>
+          </a:prstGeom>
+          <a:noFill/>
+        </p:spPr>
+        <p:txBody>
+          <a:bodyPr wrap="none" rtlCol="0">
+            <a:spAutoFit/>
+          </a:bodyPr>
+          <a:lstStyle/>
+          <a:p>
+            <a:r>
+              <a:rPr lang="zh-CN" altLang="en-US" dirty="0"/>
+              <a:t>时域分析</a:t>
+            </a:r>
+          </a:p>
+        </p:txBody>
+      </p:sp>
+    </p:spTree>
+    <p:extLst>
+      <p:ext uri="{BB962C8B-B14F-4D97-AF65-F5344CB8AC3E}">
+        <p14:creationId xmlns:p14="http://schemas.microsoft.com/office/powerpoint/2010/main" val="216059406"/>
+      </p:ext>
+    </p:extLst>
+  </p:cSld>
+  <p:clrMapOvr>
+    <a:masterClrMapping/>
+  </p:clrMapOvr>
+</p:sld>
+</file>
+
+<file path=ppt/slides/slide8.xml><?xml version="1.0" encoding="utf-8"?>
+<p:sld xmlns:a="http://schemas.openxmlformats.org/drawingml/2006/main" xmlns:r="http://schemas.openxmlformats.org/officeDocument/2006/relationships" xmlns:p="http://schemas.openxmlformats.org/presentationml/2006/main">
+  <p:cSld>
+    <p:spTree>
+      <p:nvGrpSpPr>
+        <p:cNvPr id="1" name=""/>
+        <p:cNvGrpSpPr/>
+        <p:nvPr/>
+      </p:nvGrpSpPr>
+      <p:grpSpPr>
+        <a:xfrm>
+          <a:off x="0" y="0"/>
+          <a:ext cx="0" cy="0"/>
+          <a:chOff x="0" y="0"/>
+          <a:chExt cx="0" cy="0"/>
+        </a:xfrm>
+      </p:grpSpPr>
+      <p:sp>
+        <p:nvSpPr>
+          <p:cNvPr id="2" name="文本框 1">
+            <a:extLst>
+              <a:ext uri="{FF2B5EF4-FFF2-40B4-BE49-F238E27FC236}">
+                <a16:creationId xmlns:a16="http://schemas.microsoft.com/office/drawing/2014/main" id="{DCDE5446-E535-4EA3-9C90-3003403CE239}"/>
+              </a:ext>
+            </a:extLst>
+          </p:cNvPr>
+          <p:cNvSpPr txBox="1"/>
+          <p:nvPr/>
+        </p:nvSpPr>
+        <p:spPr>
+          <a:xfrm>
+            <a:off x="124751" y="143934"/>
+            <a:ext cx="1107996" cy="369332"/>
+          </a:xfrm>
+          <a:prstGeom prst="rect">
+            <a:avLst/>
+          </a:prstGeom>
+          <a:noFill/>
+        </p:spPr>
+        <p:txBody>
+          <a:bodyPr wrap="none" rtlCol="0">
+            <a:spAutoFit/>
+          </a:bodyPr>
+          <a:lstStyle/>
+          <a:p>
+            <a:r>
+              <a:rPr lang="zh-CN" altLang="en-US" dirty="0"/>
+              <a:t>频域分析</a:t>
+            </a:r>
+          </a:p>
+        </p:txBody>
+      </p:sp>
+      <p:pic>
+        <p:nvPicPr>
+          <p:cNvPr id="3" name="图片 2">
+            <a:extLst>
+              <a:ext uri="{FF2B5EF4-FFF2-40B4-BE49-F238E27FC236}">
+                <a16:creationId xmlns:a16="http://schemas.microsoft.com/office/drawing/2014/main" id="{133C7580-CA04-4B68-BFD6-24F4B4E4C9A2}"/>
+              </a:ext>
+            </a:extLst>
+          </p:cNvPr>
+          <p:cNvPicPr>
+            <a:picLocks noChangeAspect="1"/>
+          </p:cNvPicPr>
+          <p:nvPr/>
+        </p:nvPicPr>
+        <p:blipFill>
+          <a:blip r:embed="rId2"/>
+          <a:stretch>
+            <a:fillRect/>
+          </a:stretch>
+        </p:blipFill>
+        <p:spPr>
+          <a:xfrm>
+            <a:off x="1335383" y="1734802"/>
+            <a:ext cx="4905375" cy="3388395"/>
+          </a:xfrm>
+          <a:prstGeom prst="rect">
+            <a:avLst/>
+          </a:prstGeom>
+        </p:spPr>
+      </p:pic>
+      <p:pic>
+        <p:nvPicPr>
+          <p:cNvPr id="4" name="图片 3">
+            <a:extLst>
+              <a:ext uri="{FF2B5EF4-FFF2-40B4-BE49-F238E27FC236}">
+                <a16:creationId xmlns:a16="http://schemas.microsoft.com/office/drawing/2014/main" id="{CD860815-C5E8-456E-8119-1F0D23C2C9B9}"/>
+              </a:ext>
+            </a:extLst>
+          </p:cNvPr>
+          <p:cNvPicPr>
+            <a:picLocks noChangeAspect="1"/>
+          </p:cNvPicPr>
+          <p:nvPr/>
+        </p:nvPicPr>
+        <p:blipFill>
+          <a:blip r:embed="rId3"/>
+          <a:stretch>
+            <a:fillRect/>
+          </a:stretch>
+        </p:blipFill>
+        <p:spPr>
+          <a:xfrm>
+            <a:off x="6240758" y="1734802"/>
+            <a:ext cx="4515452" cy="3388395"/>
+          </a:xfrm>
+          <a:prstGeom prst="rect">
+            <a:avLst/>
+          </a:prstGeom>
+        </p:spPr>
+      </p:pic>
+      <p:sp>
+        <p:nvSpPr>
+          <p:cNvPr id="5" name="文本框 4">
+            <a:extLst>
+              <a:ext uri="{FF2B5EF4-FFF2-40B4-BE49-F238E27FC236}">
+                <a16:creationId xmlns:a16="http://schemas.microsoft.com/office/drawing/2014/main" id="{22450652-29CC-4D37-BA33-1DB4134260D4}"/>
+              </a:ext>
+            </a:extLst>
+          </p:cNvPr>
+          <p:cNvSpPr txBox="1"/>
+          <p:nvPr/>
+        </p:nvSpPr>
+        <p:spPr>
+          <a:xfrm>
+            <a:off x="5059680" y="1046480"/>
+            <a:ext cx="2683748" cy="369332"/>
+          </a:xfrm>
+          <a:prstGeom prst="rect">
+            <a:avLst/>
+          </a:prstGeom>
+          <a:noFill/>
+        </p:spPr>
+        <p:txBody>
+          <a:bodyPr wrap="none" rtlCol="0">
+            <a:spAutoFit/>
+          </a:bodyPr>
+          <a:lstStyle/>
+          <a:p>
+            <a:r>
+              <a:rPr lang="zh-CN" altLang="en-US" dirty="0"/>
+              <a:t>单独看某个</a:t>
+            </a:r>
+            <a:r>
+              <a:rPr lang="en-US" altLang="zh-CN" dirty="0"/>
+              <a:t>bin</a:t>
+            </a:r>
+            <a:r>
+              <a:rPr lang="zh-CN" altLang="en-US" dirty="0"/>
+              <a:t>文件的</a:t>
+            </a:r>
+            <a:r>
+              <a:rPr lang="en-US" altLang="zh-CN" dirty="0"/>
+              <a:t>FFT</a:t>
+            </a:r>
+            <a:endParaRPr lang="zh-CN" altLang="en-US" dirty="0"/>
+          </a:p>
+        </p:txBody>
+      </p:sp>
     </p:spTree>
     <p:extLst>
       <p:ext uri="{BB962C8B-B14F-4D97-AF65-F5344CB8AC3E}">
         <p14:creationId xmlns:p14="http://schemas.microsoft.com/office/powerpoint/2010/main" val="2940062248"/>
+      </p:ext>
+    </p:extLst>
+  </p:cSld>
+  <p:clrMapOvr>
+    <a:masterClrMapping/>
+  </p:clrMapOvr>
+</p:sld>
+</file>
+
+<file path=ppt/slides/slide9.xml><?xml version="1.0" encoding="utf-8"?>
+<p:sld xmlns:a="http://schemas.openxmlformats.org/drawingml/2006/main" xmlns:r="http://schemas.openxmlformats.org/officeDocument/2006/relationships" xmlns:p="http://schemas.openxmlformats.org/presentationml/2006/main">
+  <p:cSld>
+    <p:spTree>
+      <p:nvGrpSpPr>
+        <p:cNvPr id="1" name=""/>
+        <p:cNvGrpSpPr/>
+        <p:nvPr/>
+      </p:nvGrpSpPr>
+      <p:grpSpPr>
+        <a:xfrm>
+          <a:off x="0" y="0"/>
+          <a:ext cx="0" cy="0"/>
+          <a:chOff x="0" y="0"/>
+          <a:chExt cx="0" cy="0"/>
+        </a:xfrm>
+      </p:grpSpPr>
+      <p:sp>
+        <p:nvSpPr>
+          <p:cNvPr id="4" name="文本框 3">
+            <a:extLst>
+              <a:ext uri="{FF2B5EF4-FFF2-40B4-BE49-F238E27FC236}">
+                <a16:creationId xmlns:a16="http://schemas.microsoft.com/office/drawing/2014/main" id="{A3ED418C-271B-4EC7-AB01-ED873738282B}"/>
+              </a:ext>
+            </a:extLst>
+          </p:cNvPr>
+          <p:cNvSpPr txBox="1"/>
+          <p:nvPr/>
+        </p:nvSpPr>
+        <p:spPr>
+          <a:xfrm>
+            <a:off x="757767" y="601134"/>
+            <a:ext cx="10714566" cy="369332"/>
+          </a:xfrm>
+          <a:prstGeom prst="rect">
+            <a:avLst/>
+          </a:prstGeom>
+          <a:noFill/>
+        </p:spPr>
+        <p:txBody>
+          <a:bodyPr wrap="square" rtlCol="0">
+            <a:spAutoFit/>
+          </a:bodyPr>
+          <a:lstStyle/>
+          <a:p>
+            <a:r>
+              <a:rPr lang="zh-CN" altLang="en-US" dirty="0"/>
+              <a:t>只取了每个信号前</a:t>
+            </a:r>
+            <a:r>
+              <a:rPr lang="en-US" altLang="zh-CN" dirty="0"/>
+              <a:t>1000</a:t>
+            </a:r>
+            <a:r>
+              <a:rPr lang="zh-CN" altLang="en-US" dirty="0"/>
+              <a:t>个点。太短了，频率分辨率顶多到</a:t>
+            </a:r>
+            <a:r>
+              <a:rPr lang="en-US" altLang="zh-CN" dirty="0"/>
+              <a:t>1/</a:t>
+            </a:r>
+            <a:r>
+              <a:rPr lang="zh-CN" altLang="en-US" dirty="0"/>
+              <a:t>（</a:t>
+            </a:r>
+            <a:r>
+              <a:rPr lang="en-US" altLang="zh-CN" dirty="0"/>
+              <a:t>4*1000ns</a:t>
+            </a:r>
+            <a:r>
+              <a:rPr lang="zh-CN" altLang="en-US" dirty="0"/>
+              <a:t>）</a:t>
+            </a:r>
+            <a:r>
+              <a:rPr lang="en-US" altLang="zh-CN" dirty="0"/>
+              <a:t>= 250kHz</a:t>
+            </a:r>
+            <a:r>
+              <a:rPr lang="zh-CN" altLang="en-US" dirty="0"/>
+              <a:t>，看不到更小的</a:t>
+            </a:r>
+          </a:p>
+        </p:txBody>
+      </p:sp>
+      <p:sp>
+        <p:nvSpPr>
+          <p:cNvPr id="5" name="文本框 4">
+            <a:extLst>
+              <a:ext uri="{FF2B5EF4-FFF2-40B4-BE49-F238E27FC236}">
+                <a16:creationId xmlns:a16="http://schemas.microsoft.com/office/drawing/2014/main" id="{19B39393-FCD6-488A-BC80-2CA62DC84179}"/>
+              </a:ext>
+            </a:extLst>
+          </p:cNvPr>
+          <p:cNvSpPr txBox="1"/>
+          <p:nvPr/>
+        </p:nvSpPr>
+        <p:spPr>
+          <a:xfrm>
+            <a:off x="757767" y="1329268"/>
+            <a:ext cx="10714566" cy="369332"/>
+          </a:xfrm>
+          <a:prstGeom prst="rect">
+            <a:avLst/>
+          </a:prstGeom>
+          <a:noFill/>
+        </p:spPr>
+        <p:txBody>
+          <a:bodyPr wrap="square" rtlCol="0">
+            <a:spAutoFit/>
+          </a:bodyPr>
+          <a:lstStyle/>
+          <a:p>
+            <a:r>
+              <a:rPr lang="zh-CN" altLang="en-US" dirty="0"/>
+              <a:t>需要做一个工作：拼接</a:t>
+            </a:r>
+          </a:p>
+        </p:txBody>
+      </p:sp>
+      <p:sp>
+        <p:nvSpPr>
+          <p:cNvPr id="6" name="文本框 5">
+            <a:extLst>
+              <a:ext uri="{FF2B5EF4-FFF2-40B4-BE49-F238E27FC236}">
+                <a16:creationId xmlns:a16="http://schemas.microsoft.com/office/drawing/2014/main" id="{BDEC75D5-F517-48F1-83DC-21EBF404BB18}"/>
+              </a:ext>
+            </a:extLst>
+          </p:cNvPr>
+          <p:cNvSpPr txBox="1"/>
+          <p:nvPr/>
+        </p:nvSpPr>
+        <p:spPr>
+          <a:xfrm>
+            <a:off x="757767" y="2057402"/>
+            <a:ext cx="10714566" cy="369332"/>
+          </a:xfrm>
+          <a:prstGeom prst="rect">
+            <a:avLst/>
+          </a:prstGeom>
+          <a:noFill/>
+        </p:spPr>
+        <p:txBody>
+          <a:bodyPr wrap="square" rtlCol="0">
+            <a:spAutoFit/>
+          </a:bodyPr>
+          <a:lstStyle/>
+          <a:p>
+            <a:r>
+              <a:rPr lang="zh-CN" altLang="en-US" dirty="0"/>
+              <a:t>每</a:t>
+            </a:r>
+            <a:r>
+              <a:rPr lang="en-US" altLang="zh-CN" dirty="0"/>
+              <a:t>73</a:t>
+            </a:r>
+            <a:r>
+              <a:rPr lang="zh-CN" altLang="en-US" dirty="0"/>
+              <a:t>个</a:t>
+            </a:r>
+            <a:r>
+              <a:rPr lang="en-US" altLang="zh-CN" dirty="0"/>
+              <a:t>bin</a:t>
+            </a:r>
+            <a:r>
+              <a:rPr lang="zh-CN" altLang="en-US" dirty="0"/>
+              <a:t>文件拼接一次。于是时序长度可以达到</a:t>
+            </a:r>
+            <a:r>
+              <a:rPr lang="en-US" altLang="zh-CN" dirty="0"/>
+              <a:t>73*10000*1000*4ns=2.92s</a:t>
+            </a:r>
+            <a:r>
+              <a:rPr lang="zh-CN" altLang="en-US" dirty="0"/>
+              <a:t>，频率分辨率可以达到</a:t>
+            </a:r>
+            <a:r>
+              <a:rPr lang="en-US" altLang="zh-CN" dirty="0"/>
+              <a:t>0.34Hz</a:t>
+            </a:r>
+          </a:p>
+        </p:txBody>
+      </p:sp>
+      <p:sp>
+        <p:nvSpPr>
+          <p:cNvPr id="7" name="箭头: 右 6">
+            <a:extLst>
+              <a:ext uri="{FF2B5EF4-FFF2-40B4-BE49-F238E27FC236}">
+                <a16:creationId xmlns:a16="http://schemas.microsoft.com/office/drawing/2014/main" id="{7191DE4E-81A3-48B2-BED6-CC6179CC2626}"/>
+              </a:ext>
+            </a:extLst>
+          </p:cNvPr>
+          <p:cNvSpPr/>
+          <p:nvPr/>
+        </p:nvSpPr>
+        <p:spPr>
+          <a:xfrm rot="5400000">
+            <a:off x="539327" y="2727960"/>
+            <a:ext cx="919480" cy="482600"/>
+          </a:xfrm>
+          <a:prstGeom prst="rightArrow">
+            <a:avLst>
+              <a:gd name="adj1" fmla="val 50000"/>
+              <a:gd name="adj2" fmla="val 92105"/>
+            </a:avLst>
+          </a:prstGeom>
+        </p:spPr>
+        <p:style>
+          <a:lnRef idx="2">
+            <a:schemeClr val="accent1">
+              <a:shade val="50000"/>
+            </a:schemeClr>
+          </a:lnRef>
+          <a:fillRef idx="1">
+            <a:schemeClr val="accent1"/>
+          </a:fillRef>
+          <a:effectRef idx="0">
+            <a:schemeClr val="accent1"/>
+          </a:effectRef>
+          <a:fontRef idx="minor">
+            <a:schemeClr val="lt1"/>
+          </a:fontRef>
+        </p:style>
+        <p:txBody>
+          <a:bodyPr rtlCol="0" anchor="ctr"/>
+          <a:lstStyle/>
+          <a:p>
+            <a:pPr algn="ctr"/>
+            <a:endParaRPr lang="zh-CN" altLang="en-US"/>
+          </a:p>
+        </p:txBody>
+      </p:sp>
+      <p:sp>
+        <p:nvSpPr>
+          <p:cNvPr id="8" name="文本框 7">
+            <a:extLst>
+              <a:ext uri="{FF2B5EF4-FFF2-40B4-BE49-F238E27FC236}">
+                <a16:creationId xmlns:a16="http://schemas.microsoft.com/office/drawing/2014/main" id="{98F2A9D2-4532-4189-81C2-89A531344A08}"/>
+              </a:ext>
+            </a:extLst>
+          </p:cNvPr>
+          <p:cNvSpPr txBox="1"/>
+          <p:nvPr/>
+        </p:nvSpPr>
+        <p:spPr>
+          <a:xfrm>
+            <a:off x="757767" y="3511786"/>
+            <a:ext cx="10714566" cy="369332"/>
+          </a:xfrm>
+          <a:prstGeom prst="rect">
+            <a:avLst/>
+          </a:prstGeom>
+          <a:noFill/>
+        </p:spPr>
+        <p:txBody>
+          <a:bodyPr wrap="square" rtlCol="0">
+            <a:spAutoFit/>
+          </a:bodyPr>
+          <a:lstStyle/>
+          <a:p>
+            <a:r>
+              <a:rPr lang="zh-CN" altLang="en-US" dirty="0"/>
+              <a:t>保存的</a:t>
+            </a:r>
+            <a:r>
+              <a:rPr lang="en-US" altLang="zh-CN" dirty="0"/>
+              <a:t>FFT</a:t>
+            </a:r>
+            <a:r>
+              <a:rPr lang="zh-CN" altLang="en-US" dirty="0"/>
+              <a:t>数据量太大。内存爆炸</a:t>
+            </a:r>
+            <a:endParaRPr lang="en-US" altLang="zh-CN" dirty="0"/>
+          </a:p>
+        </p:txBody>
+      </p:sp>
+      <p:pic>
+        <p:nvPicPr>
+          <p:cNvPr id="9" name="图片 8">
+            <a:extLst>
+              <a:ext uri="{FF2B5EF4-FFF2-40B4-BE49-F238E27FC236}">
+                <a16:creationId xmlns:a16="http://schemas.microsoft.com/office/drawing/2014/main" id="{E5CC32A5-33D9-42D4-BA62-739003CAA409}"/>
+              </a:ext>
+            </a:extLst>
+          </p:cNvPr>
+          <p:cNvPicPr>
+            <a:picLocks noChangeAspect="1"/>
+          </p:cNvPicPr>
+          <p:nvPr/>
+        </p:nvPicPr>
+        <p:blipFill>
+          <a:blip r:embed="rId2"/>
+          <a:stretch>
+            <a:fillRect/>
+          </a:stretch>
+        </p:blipFill>
+        <p:spPr>
+          <a:xfrm>
+            <a:off x="5381070" y="3107529"/>
+            <a:ext cx="5309830" cy="2076829"/>
+          </a:xfrm>
+          <a:prstGeom prst="rect">
+            <a:avLst/>
+          </a:prstGeom>
+        </p:spPr>
+      </p:pic>
+      <p:sp>
+        <p:nvSpPr>
+          <p:cNvPr id="11" name="箭头: 右 10">
+            <a:extLst>
+              <a:ext uri="{FF2B5EF4-FFF2-40B4-BE49-F238E27FC236}">
+                <a16:creationId xmlns:a16="http://schemas.microsoft.com/office/drawing/2014/main" id="{0E6ED1C8-D4B9-451D-A560-CD83306BC1EA}"/>
+              </a:ext>
+            </a:extLst>
+          </p:cNvPr>
+          <p:cNvSpPr/>
+          <p:nvPr/>
+        </p:nvSpPr>
+        <p:spPr>
+          <a:xfrm rot="5400000">
+            <a:off x="539327" y="4537992"/>
+            <a:ext cx="919480" cy="482600"/>
+          </a:xfrm>
+          <a:prstGeom prst="rightArrow">
+            <a:avLst>
+              <a:gd name="adj1" fmla="val 50000"/>
+              <a:gd name="adj2" fmla="val 92105"/>
+            </a:avLst>
+          </a:prstGeom>
+        </p:spPr>
+        <p:style>
+          <a:lnRef idx="2">
+            <a:schemeClr val="accent1">
+              <a:shade val="50000"/>
+            </a:schemeClr>
+          </a:lnRef>
+          <a:fillRef idx="1">
+            <a:schemeClr val="accent1"/>
+          </a:fillRef>
+          <a:effectRef idx="0">
+            <a:schemeClr val="accent1"/>
+          </a:effectRef>
+          <a:fontRef idx="minor">
+            <a:schemeClr val="lt1"/>
+          </a:fontRef>
+        </p:style>
+        <p:txBody>
+          <a:bodyPr rtlCol="0" anchor="ctr"/>
+          <a:lstStyle/>
+          <a:p>
+            <a:pPr algn="ctr"/>
+            <a:endParaRPr lang="zh-CN" altLang="en-US"/>
+          </a:p>
+        </p:txBody>
+      </p:sp>
+      <p:sp>
+        <p:nvSpPr>
+          <p:cNvPr id="12" name="文本框 11">
+            <a:extLst>
+              <a:ext uri="{FF2B5EF4-FFF2-40B4-BE49-F238E27FC236}">
+                <a16:creationId xmlns:a16="http://schemas.microsoft.com/office/drawing/2014/main" id="{02934181-26EA-48A9-98D0-7D0C30CA58B3}"/>
+              </a:ext>
+            </a:extLst>
+          </p:cNvPr>
+          <p:cNvSpPr txBox="1"/>
+          <p:nvPr/>
+        </p:nvSpPr>
+        <p:spPr>
+          <a:xfrm>
+            <a:off x="757767" y="5542759"/>
+            <a:ext cx="10714566" cy="369332"/>
+          </a:xfrm>
+          <a:prstGeom prst="rect">
+            <a:avLst/>
+          </a:prstGeom>
+          <a:noFill/>
+        </p:spPr>
+        <p:txBody>
+          <a:bodyPr wrap="square" rtlCol="0">
+            <a:spAutoFit/>
+          </a:bodyPr>
+          <a:lstStyle/>
+          <a:p>
+            <a:r>
+              <a:rPr lang="zh-CN" altLang="en-US" dirty="0"/>
+              <a:t>分批处理保存</a:t>
+            </a:r>
+            <a:endParaRPr lang="en-US" altLang="zh-CN" dirty="0"/>
+          </a:p>
+        </p:txBody>
+      </p:sp>
+    </p:spTree>
+    <p:extLst>
+      <p:ext uri="{BB962C8B-B14F-4D97-AF65-F5344CB8AC3E}">
+        <p14:creationId xmlns:p14="http://schemas.microsoft.com/office/powerpoint/2010/main" val="700645304"/>
       </p:ext>
     </p:extLst>
   </p:cSld>

--- a/design/arch.pptx
+++ b/design/arch.pptx
@@ -5,7 +5,7 @@
     <p:sldMasterId id="2147483648" r:id="rId1"/>
   </p:sldMasterIdLst>
   <p:notesMasterIdLst>
-    <p:notesMasterId r:id="rId14"/>
+    <p:notesMasterId r:id="rId16"/>
   </p:notesMasterIdLst>
   <p:sldIdLst>
     <p:sldId id="285" r:id="rId2"/>
@@ -20,6 +20,8 @@
     <p:sldId id="294" r:id="rId11"/>
     <p:sldId id="295" r:id="rId12"/>
     <p:sldId id="296" r:id="rId13"/>
+    <p:sldId id="297" r:id="rId14"/>
+    <p:sldId id="298" r:id="rId15"/>
   </p:sldIdLst>
   <p:sldSz cx="12192000" cy="6858000"/>
   <p:notesSz cx="6858000" cy="9144000"/>
@@ -208,7 +210,7 @@
           <a:p>
             <a:fld id="{1620D850-ECA6-4B73-A120-2CDB0DC198AF}" type="datetimeFigureOut">
               <a:rPr lang="zh-CN" altLang="en-US" smtClean="0"/>
-              <a:t>2025/12/26</a:t>
+              <a:t>2026/1/1</a:t>
             </a:fld>
             <a:endParaRPr lang="zh-CN" altLang="en-US"/>
           </a:p>
@@ -643,6 +645,174 @@
 </p:notes>
 </file>
 
+<file path=ppt/notesSlides/notesSlide3.xml><?xml version="1.0" encoding="utf-8"?>
+<p:notes xmlns:a="http://schemas.openxmlformats.org/drawingml/2006/main" xmlns:r="http://schemas.openxmlformats.org/officeDocument/2006/relationships" xmlns:p="http://schemas.openxmlformats.org/presentationml/2006/main">
+  <p:cSld>
+    <p:spTree>
+      <p:nvGrpSpPr>
+        <p:cNvPr id="1" name=""/>
+        <p:cNvGrpSpPr/>
+        <p:nvPr/>
+      </p:nvGrpSpPr>
+      <p:grpSpPr>
+        <a:xfrm>
+          <a:off x="0" y="0"/>
+          <a:ext cx="0" cy="0"/>
+          <a:chOff x="0" y="0"/>
+          <a:chExt cx="0" cy="0"/>
+        </a:xfrm>
+      </p:grpSpPr>
+      <p:sp>
+        <p:nvSpPr>
+          <p:cNvPr id="2" name="幻灯片图像占位符 1"/>
+          <p:cNvSpPr>
+            <a:spLocks noGrp="1" noRot="1" noChangeAspect="1"/>
+          </p:cNvSpPr>
+          <p:nvPr>
+            <p:ph type="sldImg"/>
+          </p:nvPr>
+        </p:nvSpPr>
+        <p:spPr/>
+      </p:sp>
+      <p:sp>
+        <p:nvSpPr>
+          <p:cNvPr id="3" name="备注占位符 2"/>
+          <p:cNvSpPr>
+            <a:spLocks noGrp="1"/>
+          </p:cNvSpPr>
+          <p:nvPr>
+            <p:ph type="body" idx="1"/>
+          </p:nvPr>
+        </p:nvSpPr>
+        <p:spPr/>
+        <p:txBody>
+          <a:bodyPr/>
+          <a:lstStyle/>
+          <a:p>
+            <a:endParaRPr lang="zh-CN" altLang="en-US" dirty="0"/>
+          </a:p>
+        </p:txBody>
+      </p:sp>
+      <p:sp>
+        <p:nvSpPr>
+          <p:cNvPr id="4" name="灯片编号占位符 3"/>
+          <p:cNvSpPr>
+            <a:spLocks noGrp="1"/>
+          </p:cNvSpPr>
+          <p:nvPr>
+            <p:ph type="sldNum" sz="quarter" idx="5"/>
+          </p:nvPr>
+        </p:nvSpPr>
+        <p:spPr/>
+        <p:txBody>
+          <a:bodyPr/>
+          <a:lstStyle/>
+          <a:p>
+            <a:fld id="{2ABF01C4-FEF3-4F65-968A-9FD0DBC28ECE}" type="slidenum">
+              <a:rPr lang="zh-CN" altLang="en-US" smtClean="0"/>
+              <a:t>13</a:t>
+            </a:fld>
+            <a:endParaRPr lang="zh-CN" altLang="en-US"/>
+          </a:p>
+        </p:txBody>
+      </p:sp>
+    </p:spTree>
+    <p:extLst>
+      <p:ext uri="{BB962C8B-B14F-4D97-AF65-F5344CB8AC3E}">
+        <p14:creationId xmlns:p14="http://schemas.microsoft.com/office/powerpoint/2010/main" val="853283699"/>
+      </p:ext>
+    </p:extLst>
+  </p:cSld>
+  <p:clrMapOvr>
+    <a:masterClrMapping/>
+  </p:clrMapOvr>
+</p:notes>
+</file>
+
+<file path=ppt/notesSlides/notesSlide4.xml><?xml version="1.0" encoding="utf-8"?>
+<p:notes xmlns:a="http://schemas.openxmlformats.org/drawingml/2006/main" xmlns:r="http://schemas.openxmlformats.org/officeDocument/2006/relationships" xmlns:p="http://schemas.openxmlformats.org/presentationml/2006/main">
+  <p:cSld>
+    <p:spTree>
+      <p:nvGrpSpPr>
+        <p:cNvPr id="1" name=""/>
+        <p:cNvGrpSpPr/>
+        <p:nvPr/>
+      </p:nvGrpSpPr>
+      <p:grpSpPr>
+        <a:xfrm>
+          <a:off x="0" y="0"/>
+          <a:ext cx="0" cy="0"/>
+          <a:chOff x="0" y="0"/>
+          <a:chExt cx="0" cy="0"/>
+        </a:xfrm>
+      </p:grpSpPr>
+      <p:sp>
+        <p:nvSpPr>
+          <p:cNvPr id="2" name="幻灯片图像占位符 1"/>
+          <p:cNvSpPr>
+            <a:spLocks noGrp="1" noRot="1" noChangeAspect="1"/>
+          </p:cNvSpPr>
+          <p:nvPr>
+            <p:ph type="sldImg"/>
+          </p:nvPr>
+        </p:nvSpPr>
+        <p:spPr/>
+      </p:sp>
+      <p:sp>
+        <p:nvSpPr>
+          <p:cNvPr id="3" name="备注占位符 2"/>
+          <p:cNvSpPr>
+            <a:spLocks noGrp="1"/>
+          </p:cNvSpPr>
+          <p:nvPr>
+            <p:ph type="body" idx="1"/>
+          </p:nvPr>
+        </p:nvSpPr>
+        <p:spPr/>
+        <p:txBody>
+          <a:bodyPr/>
+          <a:lstStyle/>
+          <a:p>
+            <a:endParaRPr lang="zh-CN" altLang="en-US" dirty="0"/>
+          </a:p>
+        </p:txBody>
+      </p:sp>
+      <p:sp>
+        <p:nvSpPr>
+          <p:cNvPr id="4" name="灯片编号占位符 3"/>
+          <p:cNvSpPr>
+            <a:spLocks noGrp="1"/>
+          </p:cNvSpPr>
+          <p:nvPr>
+            <p:ph type="sldNum" sz="quarter" idx="5"/>
+          </p:nvPr>
+        </p:nvSpPr>
+        <p:spPr/>
+        <p:txBody>
+          <a:bodyPr/>
+          <a:lstStyle/>
+          <a:p>
+            <a:fld id="{2ABF01C4-FEF3-4F65-968A-9FD0DBC28ECE}" type="slidenum">
+              <a:rPr lang="zh-CN" altLang="en-US" smtClean="0"/>
+              <a:t>14</a:t>
+            </a:fld>
+            <a:endParaRPr lang="zh-CN" altLang="en-US"/>
+          </a:p>
+        </p:txBody>
+      </p:sp>
+    </p:spTree>
+    <p:extLst>
+      <p:ext uri="{BB962C8B-B14F-4D97-AF65-F5344CB8AC3E}">
+        <p14:creationId xmlns:p14="http://schemas.microsoft.com/office/powerpoint/2010/main" val="2318848639"/>
+      </p:ext>
+    </p:extLst>
+  </p:cSld>
+  <p:clrMapOvr>
+    <a:masterClrMapping/>
+  </p:clrMapOvr>
+</p:notes>
+</file>
+
 <file path=ppt/slideLayouts/slideLayout1.xml><?xml version="1.0" encoding="utf-8"?>
 <p:sldLayout xmlns:a="http://schemas.openxmlformats.org/drawingml/2006/main" xmlns:r="http://schemas.openxmlformats.org/officeDocument/2006/relationships" xmlns:p="http://schemas.openxmlformats.org/presentationml/2006/main" type="title" preserve="1">
   <p:cSld name="标题幻灯片">
@@ -790,7 +960,7 @@
           <a:p>
             <a:fld id="{A64FDB15-7326-485A-A5C8-B9774FE10C0A}" type="datetimeFigureOut">
               <a:rPr lang="zh-CN" altLang="en-US" smtClean="0"/>
-              <a:t>2025/12/26</a:t>
+              <a:t>2026/1/1</a:t>
             </a:fld>
             <a:endParaRPr lang="zh-CN" altLang="en-US"/>
           </a:p>
@@ -988,7 +1158,7 @@
           <a:p>
             <a:fld id="{A64FDB15-7326-485A-A5C8-B9774FE10C0A}" type="datetimeFigureOut">
               <a:rPr lang="zh-CN" altLang="en-US" smtClean="0"/>
-              <a:t>2025/12/26</a:t>
+              <a:t>2026/1/1</a:t>
             </a:fld>
             <a:endParaRPr lang="zh-CN" altLang="en-US"/>
           </a:p>
@@ -1196,7 +1366,7 @@
           <a:p>
             <a:fld id="{A64FDB15-7326-485A-A5C8-B9774FE10C0A}" type="datetimeFigureOut">
               <a:rPr lang="zh-CN" altLang="en-US" smtClean="0"/>
-              <a:t>2025/12/26</a:t>
+              <a:t>2026/1/1</a:t>
             </a:fld>
             <a:endParaRPr lang="zh-CN" altLang="en-US"/>
           </a:p>
@@ -1394,7 +1564,7 @@
           <a:p>
             <a:fld id="{A64FDB15-7326-485A-A5C8-B9774FE10C0A}" type="datetimeFigureOut">
               <a:rPr lang="zh-CN" altLang="en-US" smtClean="0"/>
-              <a:t>2025/12/26</a:t>
+              <a:t>2026/1/1</a:t>
             </a:fld>
             <a:endParaRPr lang="zh-CN" altLang="en-US"/>
           </a:p>
@@ -1669,7 +1839,7 @@
           <a:p>
             <a:fld id="{A64FDB15-7326-485A-A5C8-B9774FE10C0A}" type="datetimeFigureOut">
               <a:rPr lang="zh-CN" altLang="en-US" smtClean="0"/>
-              <a:t>2025/12/26</a:t>
+              <a:t>2026/1/1</a:t>
             </a:fld>
             <a:endParaRPr lang="zh-CN" altLang="en-US"/>
           </a:p>
@@ -1934,7 +2104,7 @@
           <a:p>
             <a:fld id="{A64FDB15-7326-485A-A5C8-B9774FE10C0A}" type="datetimeFigureOut">
               <a:rPr lang="zh-CN" altLang="en-US" smtClean="0"/>
-              <a:t>2025/12/26</a:t>
+              <a:t>2026/1/1</a:t>
             </a:fld>
             <a:endParaRPr lang="zh-CN" altLang="en-US"/>
           </a:p>
@@ -2346,7 +2516,7 @@
           <a:p>
             <a:fld id="{A64FDB15-7326-485A-A5C8-B9774FE10C0A}" type="datetimeFigureOut">
               <a:rPr lang="zh-CN" altLang="en-US" smtClean="0"/>
-              <a:t>2025/12/26</a:t>
+              <a:t>2026/1/1</a:t>
             </a:fld>
             <a:endParaRPr lang="zh-CN" altLang="en-US"/>
           </a:p>
@@ -2487,7 +2657,7 @@
           <a:p>
             <a:fld id="{A64FDB15-7326-485A-A5C8-B9774FE10C0A}" type="datetimeFigureOut">
               <a:rPr lang="zh-CN" altLang="en-US" smtClean="0"/>
-              <a:t>2025/12/26</a:t>
+              <a:t>2026/1/1</a:t>
             </a:fld>
             <a:endParaRPr lang="zh-CN" altLang="en-US"/>
           </a:p>
@@ -2600,7 +2770,7 @@
           <a:p>
             <a:fld id="{A64FDB15-7326-485A-A5C8-B9774FE10C0A}" type="datetimeFigureOut">
               <a:rPr lang="zh-CN" altLang="en-US" smtClean="0"/>
-              <a:t>2025/12/26</a:t>
+              <a:t>2026/1/1</a:t>
             </a:fld>
             <a:endParaRPr lang="zh-CN" altLang="en-US"/>
           </a:p>
@@ -2911,7 +3081,7 @@
           <a:p>
             <a:fld id="{A64FDB15-7326-485A-A5C8-B9774FE10C0A}" type="datetimeFigureOut">
               <a:rPr lang="zh-CN" altLang="en-US" smtClean="0"/>
-              <a:t>2025/12/26</a:t>
+              <a:t>2026/1/1</a:t>
             </a:fld>
             <a:endParaRPr lang="zh-CN" altLang="en-US"/>
           </a:p>
@@ -3199,7 +3369,7 @@
           <a:p>
             <a:fld id="{A64FDB15-7326-485A-A5C8-B9774FE10C0A}" type="datetimeFigureOut">
               <a:rPr lang="zh-CN" altLang="en-US" smtClean="0"/>
-              <a:t>2025/12/26</a:t>
+              <a:t>2026/1/1</a:t>
             </a:fld>
             <a:endParaRPr lang="zh-CN" altLang="en-US"/>
           </a:p>
@@ -3440,7 +3610,7 @@
           <a:p>
             <a:fld id="{A64FDB15-7326-485A-A5C8-B9774FE10C0A}" type="datetimeFigureOut">
               <a:rPr lang="zh-CN" altLang="en-US" smtClean="0"/>
-              <a:t>2025/12/26</a:t>
+              <a:t>2026/1/1</a:t>
             </a:fld>
             <a:endParaRPr lang="zh-CN" altLang="en-US"/>
           </a:p>
@@ -4875,6 +5045,1561 @@
     <p:extLst>
       <p:ext uri="{BB962C8B-B14F-4D97-AF65-F5344CB8AC3E}">
         <p14:creationId xmlns:p14="http://schemas.microsoft.com/office/powerpoint/2010/main" val="2247405862"/>
+      </p:ext>
+    </p:extLst>
+  </p:cSld>
+  <p:clrMapOvr>
+    <a:masterClrMapping/>
+  </p:clrMapOvr>
+</p:sld>
+</file>
+
+<file path=ppt/slides/slide13.xml><?xml version="1.0" encoding="utf-8"?>
+<p:sld xmlns:a="http://schemas.openxmlformats.org/drawingml/2006/main" xmlns:r="http://schemas.openxmlformats.org/officeDocument/2006/relationships" xmlns:p="http://schemas.openxmlformats.org/presentationml/2006/main">
+  <p:cSld>
+    <p:spTree>
+      <p:nvGrpSpPr>
+        <p:cNvPr id="1" name=""/>
+        <p:cNvGrpSpPr/>
+        <p:nvPr/>
+      </p:nvGrpSpPr>
+      <p:grpSpPr>
+        <a:xfrm>
+          <a:off x="0" y="0"/>
+          <a:ext cx="0" cy="0"/>
+          <a:chOff x="0" y="0"/>
+          <a:chExt cx="0" cy="0"/>
+        </a:xfrm>
+      </p:grpSpPr>
+      <p:pic>
+        <p:nvPicPr>
+          <p:cNvPr id="4" name="图片 3">
+            <a:extLst>
+              <a:ext uri="{FF2B5EF4-FFF2-40B4-BE49-F238E27FC236}">
+                <a16:creationId xmlns:a16="http://schemas.microsoft.com/office/drawing/2014/main" id="{0A578456-CA65-44C0-A36B-347B416EC99C}"/>
+              </a:ext>
+            </a:extLst>
+          </p:cNvPr>
+          <p:cNvPicPr>
+            <a:picLocks noChangeAspect="1"/>
+          </p:cNvPicPr>
+          <p:nvPr/>
+        </p:nvPicPr>
+        <p:blipFill rotWithShape="1">
+          <a:blip r:embed="rId3"/>
+          <a:srcRect l="695" t="2580" r="-1" b="1"/>
+          <a:stretch/>
+        </p:blipFill>
+        <p:spPr>
+          <a:xfrm>
+            <a:off x="42333" y="33866"/>
+            <a:ext cx="12107333" cy="2497379"/>
+          </a:xfrm>
+          <a:prstGeom prst="rect">
+            <a:avLst/>
+          </a:prstGeom>
+        </p:spPr>
+      </p:pic>
+      <p:sp>
+        <p:nvSpPr>
+          <p:cNvPr id="5" name="文本框 4">
+            <a:extLst>
+              <a:ext uri="{FF2B5EF4-FFF2-40B4-BE49-F238E27FC236}">
+                <a16:creationId xmlns:a16="http://schemas.microsoft.com/office/drawing/2014/main" id="{A949ACBD-8998-40F7-9C24-942C2D5BE2F4}"/>
+              </a:ext>
+            </a:extLst>
+          </p:cNvPr>
+          <p:cNvSpPr txBox="1"/>
+          <p:nvPr/>
+        </p:nvSpPr>
+        <p:spPr>
+          <a:xfrm>
+            <a:off x="4477607" y="2531245"/>
+            <a:ext cx="3236784" cy="369332"/>
+          </a:xfrm>
+          <a:prstGeom prst="rect">
+            <a:avLst/>
+          </a:prstGeom>
+          <a:noFill/>
+        </p:spPr>
+        <p:txBody>
+          <a:bodyPr wrap="none" rtlCol="0">
+            <a:spAutoFit/>
+          </a:bodyPr>
+          <a:lstStyle/>
+          <a:p>
+            <a:r>
+              <a:rPr lang="en-US" altLang="zh-CN" dirty="0"/>
+              <a:t>20s</a:t>
+            </a:r>
+            <a:r>
+              <a:rPr lang="zh-CN" altLang="en-US" dirty="0"/>
+              <a:t>一个</a:t>
+            </a:r>
+            <a:r>
+              <a:rPr lang="en-US" altLang="zh-CN" dirty="0"/>
+              <a:t>RT</a:t>
+            </a:r>
+            <a:r>
+              <a:rPr lang="zh-CN" altLang="en-US" dirty="0"/>
+              <a:t>信号（不含</a:t>
+            </a:r>
+            <a:r>
+              <a:rPr lang="en-US" altLang="zh-CN" dirty="0"/>
+              <a:t>inhibit</a:t>
+            </a:r>
+            <a:r>
+              <a:rPr lang="zh-CN" altLang="en-US" dirty="0"/>
+              <a:t>）</a:t>
+            </a:r>
+          </a:p>
+        </p:txBody>
+      </p:sp>
+      <p:pic>
+        <p:nvPicPr>
+          <p:cNvPr id="6" name="图片 5">
+            <a:extLst>
+              <a:ext uri="{FF2B5EF4-FFF2-40B4-BE49-F238E27FC236}">
+                <a16:creationId xmlns:a16="http://schemas.microsoft.com/office/drawing/2014/main" id="{08F07390-5ACB-450F-B8B4-2355CF318FA5}"/>
+              </a:ext>
+            </a:extLst>
+          </p:cNvPr>
+          <p:cNvPicPr>
+            <a:picLocks noChangeAspect="1"/>
+          </p:cNvPicPr>
+          <p:nvPr/>
+        </p:nvPicPr>
+        <p:blipFill>
+          <a:blip r:embed="rId4"/>
+          <a:stretch>
+            <a:fillRect/>
+          </a:stretch>
+        </p:blipFill>
+        <p:spPr>
+          <a:xfrm>
+            <a:off x="42332" y="2750958"/>
+            <a:ext cx="4435275" cy="2428536"/>
+          </a:xfrm>
+          <a:prstGeom prst="rect">
+            <a:avLst/>
+          </a:prstGeom>
+        </p:spPr>
+      </p:pic>
+      <p:cxnSp>
+        <p:nvCxnSpPr>
+          <p:cNvPr id="8" name="直接连接符 7">
+            <a:extLst>
+              <a:ext uri="{FF2B5EF4-FFF2-40B4-BE49-F238E27FC236}">
+                <a16:creationId xmlns:a16="http://schemas.microsoft.com/office/drawing/2014/main" id="{B06AA63B-9A16-4963-80CF-FB0554068F68}"/>
+              </a:ext>
+            </a:extLst>
+          </p:cNvPr>
+          <p:cNvCxnSpPr/>
+          <p:nvPr/>
+        </p:nvCxnSpPr>
+        <p:spPr>
+          <a:xfrm flipH="1">
+            <a:off x="194733" y="1790700"/>
+            <a:ext cx="914400" cy="1413933"/>
+          </a:xfrm>
+          <a:prstGeom prst="line">
+            <a:avLst/>
+          </a:prstGeom>
+        </p:spPr>
+        <p:style>
+          <a:lnRef idx="1">
+            <a:schemeClr val="accent1"/>
+          </a:lnRef>
+          <a:fillRef idx="0">
+            <a:schemeClr val="accent1"/>
+          </a:fillRef>
+          <a:effectRef idx="0">
+            <a:schemeClr val="accent1"/>
+          </a:effectRef>
+          <a:fontRef idx="minor">
+            <a:schemeClr val="tx1"/>
+          </a:fontRef>
+        </p:style>
+      </p:cxnSp>
+      <p:cxnSp>
+        <p:nvCxnSpPr>
+          <p:cNvPr id="9" name="直接连接符 8">
+            <a:extLst>
+              <a:ext uri="{FF2B5EF4-FFF2-40B4-BE49-F238E27FC236}">
+                <a16:creationId xmlns:a16="http://schemas.microsoft.com/office/drawing/2014/main" id="{4A30BF89-939A-41C8-A78E-A1D47C745ED1}"/>
+              </a:ext>
+            </a:extLst>
+          </p:cNvPr>
+          <p:cNvCxnSpPr>
+            <a:cxnSpLocks/>
+          </p:cNvCxnSpPr>
+          <p:nvPr/>
+        </p:nvCxnSpPr>
+        <p:spPr>
+          <a:xfrm flipH="1" flipV="1">
+            <a:off x="1109133" y="1790700"/>
+            <a:ext cx="3327400" cy="1413933"/>
+          </a:xfrm>
+          <a:prstGeom prst="line">
+            <a:avLst/>
+          </a:prstGeom>
+        </p:spPr>
+        <p:style>
+          <a:lnRef idx="1">
+            <a:schemeClr val="accent1"/>
+          </a:lnRef>
+          <a:fillRef idx="0">
+            <a:schemeClr val="accent1"/>
+          </a:fillRef>
+          <a:effectRef idx="0">
+            <a:schemeClr val="accent1"/>
+          </a:effectRef>
+          <a:fontRef idx="minor">
+            <a:schemeClr val="tx1"/>
+          </a:fontRef>
+        </p:style>
+      </p:cxnSp>
+      <p:sp>
+        <p:nvSpPr>
+          <p:cNvPr id="12" name="文本框 11">
+            <a:extLst>
+              <a:ext uri="{FF2B5EF4-FFF2-40B4-BE49-F238E27FC236}">
+                <a16:creationId xmlns:a16="http://schemas.microsoft.com/office/drawing/2014/main" id="{FA49A521-0B9B-44C0-AE16-0324829EE1DB}"/>
+              </a:ext>
+            </a:extLst>
+          </p:cNvPr>
+          <p:cNvSpPr txBox="1"/>
+          <p:nvPr/>
+        </p:nvSpPr>
+        <p:spPr>
+          <a:xfrm>
+            <a:off x="4477607" y="4142090"/>
+            <a:ext cx="2977097" cy="369332"/>
+          </a:xfrm>
+          <a:prstGeom prst="rect">
+            <a:avLst/>
+          </a:prstGeom>
+          <a:noFill/>
+        </p:spPr>
+        <p:txBody>
+          <a:bodyPr wrap="none" rtlCol="0">
+            <a:spAutoFit/>
+          </a:bodyPr>
+          <a:lstStyle/>
+          <a:p>
+            <a:r>
+              <a:rPr lang="zh-CN" altLang="en-US" dirty="0"/>
+              <a:t>单独一个</a:t>
+            </a:r>
+            <a:r>
+              <a:rPr lang="en-US" altLang="zh-CN" dirty="0"/>
+              <a:t>RT</a:t>
+            </a:r>
+            <a:r>
+              <a:rPr lang="zh-CN" altLang="en-US" dirty="0"/>
+              <a:t>对应的主放波形</a:t>
+            </a:r>
+          </a:p>
+        </p:txBody>
+      </p:sp>
+      <p:sp>
+        <p:nvSpPr>
+          <p:cNvPr id="13" name="文本框 12">
+            <a:extLst>
+              <a:ext uri="{FF2B5EF4-FFF2-40B4-BE49-F238E27FC236}">
+                <a16:creationId xmlns:a16="http://schemas.microsoft.com/office/drawing/2014/main" id="{40DE1046-29F2-4F63-BED4-9F4671AF0A93}"/>
+              </a:ext>
+            </a:extLst>
+          </p:cNvPr>
+          <p:cNvSpPr txBox="1"/>
+          <p:nvPr/>
+        </p:nvSpPr>
+        <p:spPr>
+          <a:xfrm>
+            <a:off x="1172633" y="1097889"/>
+            <a:ext cx="2369559" cy="369332"/>
+          </a:xfrm>
+          <a:prstGeom prst="rect">
+            <a:avLst/>
+          </a:prstGeom>
+          <a:noFill/>
+        </p:spPr>
+        <p:txBody>
+          <a:bodyPr wrap="none" rtlCol="0">
+            <a:spAutoFit/>
+          </a:bodyPr>
+          <a:lstStyle/>
+          <a:p>
+            <a:r>
+              <a:rPr lang="zh-CN" altLang="en-US" dirty="0"/>
+              <a:t>信号发生器周期为</a:t>
+            </a:r>
+            <a:r>
+              <a:rPr lang="en-US" altLang="zh-CN" dirty="0"/>
+              <a:t>20s</a:t>
+            </a:r>
+            <a:endParaRPr lang="zh-CN" altLang="en-US" dirty="0"/>
+          </a:p>
+        </p:txBody>
+      </p:sp>
+      <p:sp>
+        <p:nvSpPr>
+          <p:cNvPr id="16" name="文本框 15">
+            <a:extLst>
+              <a:ext uri="{FF2B5EF4-FFF2-40B4-BE49-F238E27FC236}">
+                <a16:creationId xmlns:a16="http://schemas.microsoft.com/office/drawing/2014/main" id="{98851A8E-44B3-4CB2-A9F3-BEF3B4D1EE59}"/>
+              </a:ext>
+            </a:extLst>
+          </p:cNvPr>
+          <p:cNvSpPr txBox="1"/>
+          <p:nvPr/>
+        </p:nvSpPr>
+        <p:spPr>
+          <a:xfrm>
+            <a:off x="8112760" y="2497666"/>
+            <a:ext cx="4077980" cy="1200329"/>
+          </a:xfrm>
+          <a:prstGeom prst="rect">
+            <a:avLst/>
+          </a:prstGeom>
+          <a:noFill/>
+        </p:spPr>
+        <p:txBody>
+          <a:bodyPr wrap="square">
+            <a:spAutoFit/>
+          </a:bodyPr>
+          <a:lstStyle/>
+          <a:p>
+            <a:pPr marL="0" marR="0" lvl="0" indent="0" algn="l" defTabSz="914400" rtl="0" eaLnBrk="0" fontAlgn="base" latinLnBrk="0" hangingPunct="0">
+              <a:lnSpc>
+                <a:spcPct val="100000"/>
+              </a:lnSpc>
+              <a:spcBef>
+                <a:spcPct val="0"/>
+              </a:spcBef>
+              <a:spcAft>
+                <a:spcPct val="0"/>
+              </a:spcAft>
+              <a:buClrTx/>
+              <a:buSzTx/>
+              <a:buFontTx/>
+              <a:buChar char="•"/>
+              <a:tabLst/>
+            </a:pPr>
+            <a:r>
+              <a:rPr kumimoji="0" lang="zh-CN" altLang="zh-CN" sz="1800" b="0" i="0" u="none" strike="noStrike" cap="none" normalizeH="0" baseline="0" dirty="0">
+                <a:ln>
+                  <a:noFill/>
+                </a:ln>
+                <a:solidFill>
+                  <a:schemeClr val="tx1"/>
+                </a:solidFill>
+                <a:effectLst/>
+                <a:latin typeface="Arial" panose="020B0604020202020204" pitchFamily="34" charset="0"/>
+              </a:rPr>
+              <a:t>每 </a:t>
+            </a:r>
+            <a:r>
+              <a:rPr kumimoji="0" lang="zh-CN" altLang="zh-CN" sz="1800" b="1" i="0" u="none" strike="noStrike" cap="none" normalizeH="0" baseline="0" dirty="0">
+                <a:ln>
+                  <a:noFill/>
+                </a:ln>
+                <a:solidFill>
+                  <a:schemeClr val="tx1"/>
+                </a:solidFill>
+                <a:effectLst/>
+                <a:latin typeface="Arial" panose="020B0604020202020204" pitchFamily="34" charset="0"/>
+              </a:rPr>
+              <a:t>20 s</a:t>
+            </a:r>
+            <a:r>
+              <a:rPr kumimoji="0" lang="zh-CN" altLang="zh-CN" sz="1800" b="0" i="0" u="none" strike="noStrike" cap="none" normalizeH="0" baseline="0" dirty="0">
+                <a:ln>
+                  <a:noFill/>
+                </a:ln>
+                <a:solidFill>
+                  <a:schemeClr val="tx1"/>
+                </a:solidFill>
+                <a:effectLst/>
+                <a:latin typeface="Arial" panose="020B0604020202020204" pitchFamily="34" charset="0"/>
+              </a:rPr>
+              <a:t> 才有一次有效信号</a:t>
+            </a:r>
+          </a:p>
+          <a:p>
+            <a:pPr marL="0" marR="0" lvl="0" indent="0" algn="l" defTabSz="914400" rtl="0" eaLnBrk="0" fontAlgn="base" latinLnBrk="0" hangingPunct="0">
+              <a:lnSpc>
+                <a:spcPct val="100000"/>
+              </a:lnSpc>
+              <a:spcBef>
+                <a:spcPct val="0"/>
+              </a:spcBef>
+              <a:spcAft>
+                <a:spcPct val="0"/>
+              </a:spcAft>
+              <a:buClrTx/>
+              <a:buSzTx/>
+              <a:buFontTx/>
+              <a:buChar char="•"/>
+              <a:tabLst/>
+            </a:pPr>
+            <a:r>
+              <a:rPr kumimoji="0" lang="zh-CN" altLang="zh-CN" sz="1800" b="0" i="0" u="none" strike="noStrike" cap="none" normalizeH="0" baseline="0" dirty="0">
+                <a:ln>
+                  <a:noFill/>
+                </a:ln>
+                <a:solidFill>
+                  <a:schemeClr val="tx1"/>
+                </a:solidFill>
+                <a:effectLst/>
+                <a:latin typeface="Arial" panose="020B0604020202020204" pitchFamily="34" charset="0"/>
+              </a:rPr>
+              <a:t>每次有效信号长度 </a:t>
+            </a:r>
+            <a:r>
+              <a:rPr kumimoji="0" lang="zh-CN" altLang="zh-CN" sz="1800" b="1" i="0" u="none" strike="noStrike" cap="none" normalizeH="0" baseline="0" dirty="0">
+                <a:ln>
+                  <a:noFill/>
+                </a:ln>
+                <a:solidFill>
+                  <a:schemeClr val="tx1"/>
+                </a:solidFill>
+                <a:effectLst/>
+                <a:latin typeface="Arial" panose="020B0604020202020204" pitchFamily="34" charset="0"/>
+              </a:rPr>
+              <a:t>120 µs</a:t>
+            </a:r>
+            <a:endParaRPr kumimoji="0" lang="zh-CN" altLang="zh-CN" sz="1800" b="0" i="0" u="none" strike="noStrike" cap="none" normalizeH="0" baseline="0" dirty="0">
+              <a:ln>
+                <a:noFill/>
+              </a:ln>
+              <a:solidFill>
+                <a:schemeClr val="tx1"/>
+              </a:solidFill>
+              <a:effectLst/>
+              <a:latin typeface="Arial" panose="020B0604020202020204" pitchFamily="34" charset="0"/>
+            </a:endParaRPr>
+          </a:p>
+          <a:p>
+            <a:pPr marL="0" marR="0" lvl="0" indent="0" algn="l" defTabSz="914400" rtl="0" eaLnBrk="0" fontAlgn="base" latinLnBrk="0" hangingPunct="0">
+              <a:lnSpc>
+                <a:spcPct val="100000"/>
+              </a:lnSpc>
+              <a:spcBef>
+                <a:spcPct val="0"/>
+              </a:spcBef>
+              <a:spcAft>
+                <a:spcPct val="0"/>
+              </a:spcAft>
+              <a:buClrTx/>
+              <a:buSzTx/>
+              <a:buFontTx/>
+              <a:buChar char="•"/>
+              <a:tabLst/>
+            </a:pPr>
+            <a:r>
+              <a:rPr kumimoji="0" lang="zh-CN" altLang="zh-CN" sz="1800" b="0" i="0" u="none" strike="noStrike" cap="none" normalizeH="0" baseline="0" dirty="0">
+                <a:ln>
+                  <a:noFill/>
+                </a:ln>
+                <a:solidFill>
+                  <a:schemeClr val="tx1"/>
+                </a:solidFill>
+                <a:effectLst/>
+                <a:latin typeface="Arial" panose="020B0604020202020204" pitchFamily="34" charset="0"/>
+              </a:rPr>
+              <a:t>采样间隔 </a:t>
+            </a:r>
+            <a:r>
+              <a:rPr kumimoji="0" lang="zh-CN" altLang="zh-CN" sz="1800" b="1" i="0" u="none" strike="noStrike" cap="none" normalizeH="0" baseline="0" dirty="0">
+                <a:ln>
+                  <a:noFill/>
+                </a:ln>
+                <a:solidFill>
+                  <a:schemeClr val="tx1"/>
+                </a:solidFill>
+                <a:effectLst/>
+                <a:latin typeface="Arial" panose="020B0604020202020204" pitchFamily="34" charset="0"/>
+              </a:rPr>
+              <a:t>4 ns</a:t>
+            </a:r>
+            <a:r>
+              <a:rPr kumimoji="0" lang="zh-CN" altLang="zh-CN" sz="1800" b="0" i="0" u="none" strike="noStrike" cap="none" normalizeH="0" baseline="0" dirty="0">
+                <a:ln>
+                  <a:noFill/>
+                </a:ln>
+                <a:solidFill>
+                  <a:schemeClr val="tx1"/>
+                </a:solidFill>
+                <a:effectLst/>
+                <a:latin typeface="Arial" panose="020B0604020202020204" pitchFamily="34" charset="0"/>
+              </a:rPr>
+              <a:t>（≈250 MHz）</a:t>
+            </a:r>
+          </a:p>
+          <a:p>
+            <a:pPr marL="0" marR="0" lvl="0" indent="0" algn="l" defTabSz="914400" rtl="0" eaLnBrk="0" fontAlgn="base" latinLnBrk="0" hangingPunct="0">
+              <a:lnSpc>
+                <a:spcPct val="100000"/>
+              </a:lnSpc>
+              <a:spcBef>
+                <a:spcPct val="0"/>
+              </a:spcBef>
+              <a:spcAft>
+                <a:spcPct val="0"/>
+              </a:spcAft>
+              <a:buClrTx/>
+              <a:buSzTx/>
+              <a:buFontTx/>
+              <a:buChar char="•"/>
+              <a:tabLst/>
+            </a:pPr>
+            <a:r>
+              <a:rPr kumimoji="0" lang="en-US" altLang="zh-CN" sz="1800" b="0" i="0" u="none" strike="noStrike" cap="none" normalizeH="0" baseline="0" dirty="0">
+                <a:ln>
+                  <a:noFill/>
+                </a:ln>
+                <a:solidFill>
+                  <a:schemeClr val="tx1"/>
+                </a:solidFill>
+                <a:effectLst/>
+                <a:latin typeface="Arial" panose="020B0604020202020204" pitchFamily="34" charset="0"/>
+              </a:rPr>
+              <a:t>1</a:t>
+            </a:r>
+            <a:r>
+              <a:rPr kumimoji="0" lang="zh-CN" altLang="en-US" sz="1800" b="0" i="0" u="none" strike="noStrike" cap="none" normalizeH="0" baseline="0" dirty="0">
+                <a:ln>
+                  <a:noFill/>
+                </a:ln>
+                <a:solidFill>
+                  <a:schemeClr val="tx1"/>
+                </a:solidFill>
+                <a:effectLst/>
+                <a:latin typeface="Arial" panose="020B0604020202020204" pitchFamily="34" charset="0"/>
+              </a:rPr>
+              <a:t>个</a:t>
+            </a:r>
+            <a:r>
+              <a:rPr kumimoji="0" lang="en-US" altLang="zh-CN" sz="1800" b="0" i="0" u="none" strike="noStrike" cap="none" normalizeH="0" baseline="0" dirty="0">
+                <a:ln>
+                  <a:noFill/>
+                </a:ln>
+                <a:solidFill>
+                  <a:schemeClr val="tx1"/>
+                </a:solidFill>
+                <a:effectLst/>
+                <a:latin typeface="Arial" panose="020B0604020202020204" pitchFamily="34" charset="0"/>
+              </a:rPr>
+              <a:t>bin</a:t>
+            </a:r>
+            <a:r>
+              <a:rPr kumimoji="0" lang="zh-CN" altLang="zh-CN" sz="1800" b="0" i="0" u="none" strike="noStrike" cap="none" normalizeH="0" baseline="0" dirty="0">
+                <a:ln>
+                  <a:noFill/>
+                </a:ln>
+                <a:solidFill>
+                  <a:schemeClr val="tx1"/>
+                </a:solidFill>
+                <a:effectLst/>
+                <a:latin typeface="Arial" panose="020B0604020202020204" pitchFamily="34" charset="0"/>
+              </a:rPr>
+              <a:t>总时长 </a:t>
+            </a:r>
+            <a:r>
+              <a:rPr kumimoji="0" lang="zh-CN" altLang="zh-CN" sz="1800" b="1" i="0" u="none" strike="noStrike" cap="none" normalizeH="0" baseline="0" dirty="0">
+                <a:ln>
+                  <a:noFill/>
+                </a:ln>
+                <a:solidFill>
+                  <a:schemeClr val="tx1"/>
+                </a:solidFill>
+                <a:effectLst/>
+                <a:latin typeface="Arial" panose="020B0604020202020204" pitchFamily="34" charset="0"/>
+              </a:rPr>
+              <a:t>1600 s</a:t>
+            </a:r>
+            <a:r>
+              <a:rPr kumimoji="0" lang="zh-CN" altLang="zh-CN" sz="1800" b="0" i="0" u="none" strike="noStrike" cap="none" normalizeH="0" baseline="0" dirty="0">
+                <a:ln>
+                  <a:noFill/>
+                </a:ln>
+                <a:solidFill>
+                  <a:schemeClr val="tx1"/>
+                </a:solidFill>
+                <a:effectLst/>
+                <a:latin typeface="Arial" panose="020B0604020202020204" pitchFamily="34" charset="0"/>
+              </a:rPr>
+              <a:t> → 约 </a:t>
+            </a:r>
+            <a:r>
+              <a:rPr kumimoji="0" lang="zh-CN" altLang="zh-CN" sz="1800" b="1" i="0" u="none" strike="noStrike" cap="none" normalizeH="0" baseline="0" dirty="0">
+                <a:ln>
+                  <a:noFill/>
+                </a:ln>
+                <a:solidFill>
+                  <a:schemeClr val="tx1"/>
+                </a:solidFill>
+                <a:effectLst/>
+                <a:latin typeface="Arial" panose="020B0604020202020204" pitchFamily="34" charset="0"/>
+              </a:rPr>
+              <a:t>80 个事件</a:t>
+            </a:r>
+            <a:endParaRPr kumimoji="0" lang="zh-CN" altLang="zh-CN" sz="1800" b="0" i="0" u="none" strike="noStrike" cap="none" normalizeH="0" baseline="0" dirty="0">
+              <a:ln>
+                <a:noFill/>
+              </a:ln>
+              <a:solidFill>
+                <a:schemeClr val="tx1"/>
+              </a:solidFill>
+              <a:effectLst/>
+              <a:latin typeface="Arial" panose="020B0604020202020204" pitchFamily="34" charset="0"/>
+            </a:endParaRPr>
+          </a:p>
+        </p:txBody>
+      </p:sp>
+      <p:sp>
+        <p:nvSpPr>
+          <p:cNvPr id="19" name="文本框 18">
+            <a:extLst>
+              <a:ext uri="{FF2B5EF4-FFF2-40B4-BE49-F238E27FC236}">
+                <a16:creationId xmlns:a16="http://schemas.microsoft.com/office/drawing/2014/main" id="{3D9139DF-6808-405A-84BA-E39ECE95472B}"/>
+              </a:ext>
+            </a:extLst>
+          </p:cNvPr>
+          <p:cNvSpPr txBox="1"/>
+          <p:nvPr/>
+        </p:nvSpPr>
+        <p:spPr>
+          <a:xfrm>
+            <a:off x="4909820" y="5061826"/>
+            <a:ext cx="7173807" cy="923330"/>
+          </a:xfrm>
+          <a:prstGeom prst="rect">
+            <a:avLst/>
+          </a:prstGeom>
+          <a:noFill/>
+        </p:spPr>
+        <p:txBody>
+          <a:bodyPr wrap="square">
+            <a:spAutoFit/>
+          </a:bodyPr>
+          <a:lstStyle/>
+          <a:p>
+            <a:pPr marL="0" marR="0" lvl="0" indent="0" algn="l" defTabSz="914400" rtl="0" eaLnBrk="0" fontAlgn="base" latinLnBrk="0" hangingPunct="0">
+              <a:lnSpc>
+                <a:spcPct val="100000"/>
+              </a:lnSpc>
+              <a:spcBef>
+                <a:spcPct val="0"/>
+              </a:spcBef>
+              <a:spcAft>
+                <a:spcPct val="0"/>
+              </a:spcAft>
+              <a:buClrTx/>
+              <a:buSzTx/>
+              <a:buFontTx/>
+              <a:buChar char="•"/>
+              <a:tabLst/>
+            </a:pPr>
+            <a:r>
+              <a:rPr kumimoji="0" lang="zh-CN" altLang="zh-CN" sz="1800" b="1" i="0" u="none" strike="noStrike" cap="none" normalizeH="0" baseline="0" dirty="0">
+                <a:ln>
+                  <a:noFill/>
+                </a:ln>
+                <a:solidFill>
+                  <a:schemeClr val="tx1"/>
+                </a:solidFill>
+                <a:effectLst/>
+                <a:latin typeface="Arial" panose="020B0604020202020204" pitchFamily="34" charset="0"/>
+              </a:rPr>
+              <a:t>99.9994% 的时间是空的</a:t>
+            </a:r>
+            <a:endParaRPr kumimoji="0" lang="zh-CN" altLang="zh-CN" sz="1800" b="0" i="0" u="none" strike="noStrike" cap="none" normalizeH="0" baseline="0" dirty="0">
+              <a:ln>
+                <a:noFill/>
+              </a:ln>
+              <a:solidFill>
+                <a:schemeClr val="tx1"/>
+              </a:solidFill>
+              <a:effectLst/>
+              <a:latin typeface="Arial" panose="020B0604020202020204" pitchFamily="34" charset="0"/>
+            </a:endParaRPr>
+          </a:p>
+          <a:p>
+            <a:pPr marL="0" marR="0" lvl="0" indent="0" algn="l" defTabSz="914400" rtl="0" eaLnBrk="0" fontAlgn="base" latinLnBrk="0" hangingPunct="0">
+              <a:lnSpc>
+                <a:spcPct val="100000"/>
+              </a:lnSpc>
+              <a:spcBef>
+                <a:spcPct val="0"/>
+              </a:spcBef>
+              <a:spcAft>
+                <a:spcPct val="0"/>
+              </a:spcAft>
+              <a:buClrTx/>
+              <a:buSzTx/>
+              <a:buFontTx/>
+              <a:buChar char="•"/>
+              <a:tabLst/>
+            </a:pPr>
+            <a:r>
+              <a:rPr kumimoji="0" lang="zh-CN" altLang="zh-CN" sz="1800" b="0" i="0" u="none" strike="noStrike" cap="none" normalizeH="0" baseline="0" dirty="0">
+                <a:ln>
+                  <a:noFill/>
+                </a:ln>
+                <a:solidFill>
+                  <a:schemeClr val="tx1"/>
+                </a:solidFill>
+                <a:effectLst/>
+                <a:latin typeface="Arial" panose="020B0604020202020204" pitchFamily="34" charset="0"/>
+              </a:rPr>
+              <a:t>FFT 会被强烈的 </a:t>
+            </a:r>
+            <a:r>
+              <a:rPr kumimoji="0" lang="zh-CN" altLang="zh-CN" sz="1800" b="1" i="0" u="none" strike="noStrike" cap="none" normalizeH="0" baseline="0" dirty="0">
+                <a:ln>
+                  <a:noFill/>
+                </a:ln>
+                <a:solidFill>
+                  <a:schemeClr val="tx1"/>
+                </a:solidFill>
+                <a:effectLst/>
+                <a:latin typeface="Arial" panose="020B0604020202020204" pitchFamily="34" charset="0"/>
+              </a:rPr>
+              <a:t>窗函数 / 采样门控效应</a:t>
+            </a:r>
+            <a:r>
+              <a:rPr kumimoji="0" lang="zh-CN" altLang="zh-CN" sz="1800" b="0" i="0" u="none" strike="noStrike" cap="none" normalizeH="0" baseline="0" dirty="0">
+                <a:ln>
+                  <a:noFill/>
+                </a:ln>
+                <a:solidFill>
+                  <a:schemeClr val="tx1"/>
+                </a:solidFill>
+                <a:effectLst/>
+                <a:latin typeface="Arial" panose="020B0604020202020204" pitchFamily="34" charset="0"/>
+              </a:rPr>
+              <a:t> 主导</a:t>
+            </a:r>
+          </a:p>
+          <a:p>
+            <a:pPr marL="0" marR="0" lvl="0" indent="0" algn="l" defTabSz="914400" rtl="0" eaLnBrk="0" fontAlgn="base" latinLnBrk="0" hangingPunct="0">
+              <a:lnSpc>
+                <a:spcPct val="100000"/>
+              </a:lnSpc>
+              <a:spcBef>
+                <a:spcPct val="0"/>
+              </a:spcBef>
+              <a:spcAft>
+                <a:spcPct val="0"/>
+              </a:spcAft>
+              <a:buClrTx/>
+              <a:buSzTx/>
+              <a:buFontTx/>
+              <a:buChar char="•"/>
+              <a:tabLst/>
+            </a:pPr>
+            <a:r>
+              <a:rPr kumimoji="0" lang="zh-CN" altLang="zh-CN" sz="1800" b="0" i="0" u="none" strike="noStrike" cap="none" normalizeH="0" baseline="0" dirty="0">
+                <a:ln>
+                  <a:noFill/>
+                </a:ln>
+                <a:solidFill>
+                  <a:schemeClr val="tx1"/>
+                </a:solidFill>
+                <a:effectLst/>
+                <a:latin typeface="Arial" panose="020B0604020202020204" pitchFamily="34" charset="0"/>
+              </a:rPr>
+              <a:t>50 Hz 根本不是“在 4 ns 层面振荡的东西”，而是</a:t>
+            </a:r>
+            <a:r>
+              <a:rPr kumimoji="0" lang="zh-CN" altLang="zh-CN" sz="1800" b="1" i="0" u="none" strike="noStrike" cap="none" normalizeH="0" baseline="0" dirty="0">
+                <a:ln>
+                  <a:noFill/>
+                </a:ln>
+                <a:solidFill>
+                  <a:schemeClr val="tx1"/>
+                </a:solidFill>
+                <a:effectLst/>
+                <a:latin typeface="Arial" panose="020B0604020202020204" pitchFamily="34" charset="0"/>
+              </a:rPr>
+              <a:t>事件级别的慢变化</a:t>
+            </a:r>
+            <a:endParaRPr kumimoji="0" lang="zh-CN" altLang="zh-CN" sz="1800" b="0" i="0" u="none" strike="noStrike" cap="none" normalizeH="0" baseline="0" dirty="0">
+              <a:ln>
+                <a:noFill/>
+              </a:ln>
+              <a:solidFill>
+                <a:schemeClr val="tx1"/>
+              </a:solidFill>
+              <a:effectLst/>
+              <a:latin typeface="Arial" panose="020B0604020202020204" pitchFamily="34" charset="0"/>
+            </a:endParaRPr>
+          </a:p>
+        </p:txBody>
+      </p:sp>
+      <p:sp>
+        <p:nvSpPr>
+          <p:cNvPr id="21" name="文本框 20">
+            <a:extLst>
+              <a:ext uri="{FF2B5EF4-FFF2-40B4-BE49-F238E27FC236}">
+                <a16:creationId xmlns:a16="http://schemas.microsoft.com/office/drawing/2014/main" id="{CAAEEA63-880D-4230-9788-073C253B9855}"/>
+              </a:ext>
+            </a:extLst>
+          </p:cNvPr>
+          <p:cNvSpPr txBox="1"/>
+          <p:nvPr/>
+        </p:nvSpPr>
+        <p:spPr>
+          <a:xfrm>
+            <a:off x="194733" y="5064071"/>
+            <a:ext cx="6126480" cy="1754326"/>
+          </a:xfrm>
+          <a:prstGeom prst="rect">
+            <a:avLst/>
+          </a:prstGeom>
+          <a:noFill/>
+        </p:spPr>
+        <p:txBody>
+          <a:bodyPr wrap="square">
+            <a:spAutoFit/>
+          </a:bodyPr>
+          <a:lstStyle/>
+          <a:p>
+            <a:r>
+              <a:rPr lang="zh-CN" altLang="en-US" b="1" dirty="0"/>
+              <a:t>层 </a:t>
+            </a:r>
+            <a:r>
+              <a:rPr lang="en-US" altLang="zh-CN" b="1" dirty="0"/>
+              <a:t>1</a:t>
+            </a:r>
+            <a:r>
+              <a:rPr lang="zh-CN" altLang="en-US" b="1" dirty="0"/>
+              <a:t>：事件内（</a:t>
+            </a:r>
+            <a:r>
+              <a:rPr lang="en-US" altLang="zh-CN" b="1" dirty="0"/>
+              <a:t>120 µs</a:t>
+            </a:r>
+            <a:r>
+              <a:rPr lang="zh-CN" altLang="en-US" b="1" dirty="0"/>
+              <a:t>，</a:t>
+            </a:r>
+            <a:r>
+              <a:rPr lang="en-US" altLang="zh-CN" b="1" dirty="0"/>
+              <a:t>4 ns </a:t>
+            </a:r>
+            <a:r>
+              <a:rPr lang="zh-CN" altLang="en-US" b="1" dirty="0"/>
+              <a:t>采样）</a:t>
+            </a:r>
+          </a:p>
+          <a:p>
+            <a:r>
+              <a:rPr lang="zh-CN" altLang="en-US" dirty="0"/>
+              <a:t>这是</a:t>
+            </a:r>
+            <a:r>
+              <a:rPr lang="zh-CN" altLang="en-US" b="1" dirty="0"/>
+              <a:t>高速物理过程</a:t>
+            </a:r>
+            <a:br>
+              <a:rPr lang="zh-CN" altLang="en-US" dirty="0"/>
+            </a:br>
+            <a:r>
+              <a:rPr lang="zh-CN" altLang="en-US" dirty="0"/>
+              <a:t>你可以从这里提取“特征”</a:t>
+            </a:r>
+          </a:p>
+          <a:p>
+            <a:r>
+              <a:rPr lang="zh-CN" altLang="en-US" b="1" dirty="0"/>
+              <a:t>层 </a:t>
+            </a:r>
+            <a:r>
+              <a:rPr lang="en-US" altLang="zh-CN" b="1" dirty="0"/>
+              <a:t>2</a:t>
+            </a:r>
+            <a:r>
+              <a:rPr lang="zh-CN" altLang="en-US" b="1" dirty="0"/>
+              <a:t>：事件序列（</a:t>
+            </a:r>
+            <a:r>
+              <a:rPr lang="en-US" altLang="zh-CN" b="1" dirty="0"/>
+              <a:t>20 s </a:t>
+            </a:r>
+            <a:r>
+              <a:rPr lang="zh-CN" altLang="en-US" b="1" dirty="0"/>
+              <a:t>间隔，</a:t>
+            </a:r>
+            <a:r>
+              <a:rPr lang="en-US" altLang="zh-CN" b="1" dirty="0"/>
+              <a:t>1600 s </a:t>
+            </a:r>
+            <a:r>
+              <a:rPr lang="zh-CN" altLang="en-US" b="1" dirty="0"/>
+              <a:t>总长）</a:t>
+            </a:r>
+          </a:p>
+          <a:p>
+            <a:r>
+              <a:rPr lang="zh-CN" altLang="en-US" dirty="0"/>
+              <a:t>这是</a:t>
+            </a:r>
+            <a:r>
+              <a:rPr lang="zh-CN" altLang="en-US" b="1" dirty="0"/>
+              <a:t>低频调制</a:t>
+            </a:r>
+            <a:r>
+              <a:rPr lang="en-US" altLang="zh-CN" b="1" dirty="0"/>
+              <a:t>/</a:t>
+            </a:r>
+            <a:r>
+              <a:rPr lang="zh-CN" altLang="en-US" b="1" dirty="0"/>
+              <a:t>漂移</a:t>
+            </a:r>
+            <a:r>
+              <a:rPr lang="en-US" altLang="zh-CN" b="1" dirty="0"/>
+              <a:t>/</a:t>
+            </a:r>
+            <a:r>
+              <a:rPr lang="zh-CN" altLang="en-US" b="1" dirty="0"/>
+              <a:t>周期变化</a:t>
+            </a:r>
+            <a:br>
+              <a:rPr lang="zh-CN" altLang="en-US" dirty="0"/>
+            </a:br>
+            <a:r>
+              <a:rPr lang="en-US" altLang="zh-CN" dirty="0"/>
+              <a:t>50 Hz </a:t>
+            </a:r>
+            <a:r>
+              <a:rPr lang="zh-CN" altLang="en-US" dirty="0"/>
+              <a:t>只能存在于这一层</a:t>
+            </a:r>
+          </a:p>
+        </p:txBody>
+      </p:sp>
+      <p:sp>
+        <p:nvSpPr>
+          <p:cNvPr id="23" name="文本框 22">
+            <a:extLst>
+              <a:ext uri="{FF2B5EF4-FFF2-40B4-BE49-F238E27FC236}">
+                <a16:creationId xmlns:a16="http://schemas.microsoft.com/office/drawing/2014/main" id="{D7D03B36-2658-4ED6-9B77-C4B6237F4E87}"/>
+              </a:ext>
+            </a:extLst>
+          </p:cNvPr>
+          <p:cNvSpPr txBox="1"/>
+          <p:nvPr/>
+        </p:nvSpPr>
+        <p:spPr>
+          <a:xfrm>
+            <a:off x="8112760" y="6320909"/>
+            <a:ext cx="6096000" cy="369332"/>
+          </a:xfrm>
+          <a:prstGeom prst="rect">
+            <a:avLst/>
+          </a:prstGeom>
+          <a:noFill/>
+        </p:spPr>
+        <p:txBody>
+          <a:bodyPr wrap="square">
+            <a:spAutoFit/>
+          </a:bodyPr>
+          <a:lstStyle/>
+          <a:p>
+            <a:r>
+              <a:rPr lang="zh-CN" altLang="en-US" dirty="0"/>
+              <a:t>事件特征 → 时间序列 → 低频分析</a:t>
+            </a:r>
+          </a:p>
+        </p:txBody>
+      </p:sp>
+      <p:pic>
+        <p:nvPicPr>
+          <p:cNvPr id="24" name="图片 23">
+            <a:extLst>
+              <a:ext uri="{FF2B5EF4-FFF2-40B4-BE49-F238E27FC236}">
+                <a16:creationId xmlns:a16="http://schemas.microsoft.com/office/drawing/2014/main" id="{DFF79436-6546-47DE-BEED-8D82A7F7827F}"/>
+              </a:ext>
+            </a:extLst>
+          </p:cNvPr>
+          <p:cNvPicPr>
+            <a:picLocks noChangeAspect="1"/>
+          </p:cNvPicPr>
+          <p:nvPr/>
+        </p:nvPicPr>
+        <p:blipFill>
+          <a:blip r:embed="rId5"/>
+          <a:stretch>
+            <a:fillRect/>
+          </a:stretch>
+        </p:blipFill>
+        <p:spPr>
+          <a:xfrm>
+            <a:off x="-4123241" y="2900577"/>
+            <a:ext cx="3977616" cy="2161248"/>
+          </a:xfrm>
+          <a:prstGeom prst="rect">
+            <a:avLst/>
+          </a:prstGeom>
+        </p:spPr>
+      </p:pic>
+      <p:sp>
+        <p:nvSpPr>
+          <p:cNvPr id="25" name="文本框 24">
+            <a:extLst>
+              <a:ext uri="{FF2B5EF4-FFF2-40B4-BE49-F238E27FC236}">
+                <a16:creationId xmlns:a16="http://schemas.microsoft.com/office/drawing/2014/main" id="{0054D7DD-D652-4768-BCB1-1C29356D1F42}"/>
+              </a:ext>
+            </a:extLst>
+          </p:cNvPr>
+          <p:cNvSpPr txBox="1"/>
+          <p:nvPr/>
+        </p:nvSpPr>
+        <p:spPr>
+          <a:xfrm>
+            <a:off x="8350250" y="4000500"/>
+            <a:ext cx="3550972" cy="369332"/>
+          </a:xfrm>
+          <a:prstGeom prst="rect">
+            <a:avLst/>
+          </a:prstGeom>
+          <a:noFill/>
+        </p:spPr>
+        <p:txBody>
+          <a:bodyPr wrap="none" rtlCol="0">
+            <a:spAutoFit/>
+          </a:bodyPr>
+          <a:lstStyle/>
+          <a:p>
+            <a:r>
+              <a:rPr lang="zh-CN" altLang="en-US" dirty="0"/>
+              <a:t>每</a:t>
+            </a:r>
+            <a:r>
+              <a:rPr lang="en-US" altLang="zh-CN" dirty="0"/>
+              <a:t>20s</a:t>
+            </a:r>
+            <a:r>
+              <a:rPr lang="zh-CN" altLang="en-US" dirty="0"/>
+              <a:t>（</a:t>
+            </a:r>
+            <a:r>
+              <a:rPr lang="en-US" altLang="zh-CN" dirty="0"/>
+              <a:t>event</a:t>
+            </a:r>
+            <a:r>
+              <a:rPr lang="zh-CN" altLang="en-US" dirty="0"/>
+              <a:t>层面的频率是</a:t>
+            </a:r>
+            <a:r>
+              <a:rPr lang="en-US" altLang="zh-CN" dirty="0"/>
+              <a:t>5hz</a:t>
+            </a:r>
+            <a:r>
+              <a:rPr lang="zh-CN" altLang="en-US" dirty="0"/>
+              <a:t>）</a:t>
+            </a:r>
+          </a:p>
+        </p:txBody>
+      </p:sp>
+    </p:spTree>
+    <p:extLst>
+      <p:ext uri="{BB962C8B-B14F-4D97-AF65-F5344CB8AC3E}">
+        <p14:creationId xmlns:p14="http://schemas.microsoft.com/office/powerpoint/2010/main" val="671897986"/>
+      </p:ext>
+    </p:extLst>
+  </p:cSld>
+  <p:clrMapOvr>
+    <a:masterClrMapping/>
+  </p:clrMapOvr>
+</p:sld>
+</file>
+
+<file path=ppt/slides/slide14.xml><?xml version="1.0" encoding="utf-8"?>
+<p:sld xmlns:a="http://schemas.openxmlformats.org/drawingml/2006/main" xmlns:r="http://schemas.openxmlformats.org/officeDocument/2006/relationships" xmlns:p="http://schemas.openxmlformats.org/presentationml/2006/main">
+  <p:cSld>
+    <p:spTree>
+      <p:nvGrpSpPr>
+        <p:cNvPr id="1" name=""/>
+        <p:cNvGrpSpPr/>
+        <p:nvPr/>
+      </p:nvGrpSpPr>
+      <p:grpSpPr>
+        <a:xfrm>
+          <a:off x="0" y="0"/>
+          <a:ext cx="0" cy="0"/>
+          <a:chOff x="0" y="0"/>
+          <a:chExt cx="0" cy="0"/>
+        </a:xfrm>
+      </p:grpSpPr>
+      <p:sp>
+        <p:nvSpPr>
+          <p:cNvPr id="5" name="文本框 4">
+            <a:extLst>
+              <a:ext uri="{FF2B5EF4-FFF2-40B4-BE49-F238E27FC236}">
+                <a16:creationId xmlns:a16="http://schemas.microsoft.com/office/drawing/2014/main" id="{1E3DDFD7-AED5-49D1-A60B-55512DBF5C1A}"/>
+              </a:ext>
+            </a:extLst>
+          </p:cNvPr>
+          <p:cNvSpPr txBox="1"/>
+          <p:nvPr/>
+        </p:nvSpPr>
+        <p:spPr>
+          <a:xfrm>
+            <a:off x="361950" y="517436"/>
+            <a:ext cx="6096000" cy="1477328"/>
+          </a:xfrm>
+          <a:prstGeom prst="rect">
+            <a:avLst/>
+          </a:prstGeom>
+          <a:noFill/>
+        </p:spPr>
+        <p:txBody>
+          <a:bodyPr wrap="square">
+            <a:spAutoFit/>
+          </a:bodyPr>
+          <a:lstStyle/>
+          <a:p>
+            <a:r>
+              <a:rPr lang="zh-CN" altLang="en-US" dirty="0"/>
+              <a:t>在 </a:t>
+            </a:r>
+            <a:r>
+              <a:rPr lang="en-US" altLang="zh-CN" b="1" dirty="0"/>
+              <a:t>120 µs </a:t>
+            </a:r>
+            <a:r>
+              <a:rPr lang="zh-CN" altLang="en-US" b="1" dirty="0"/>
+              <a:t>内部</a:t>
+            </a:r>
+            <a:r>
+              <a:rPr lang="zh-CN" altLang="en-US" dirty="0"/>
+              <a:t> 做：</a:t>
+            </a:r>
+          </a:p>
+          <a:p>
+            <a:pPr>
+              <a:buFont typeface="Arial" panose="020B0604020202020204" pitchFamily="34" charset="0"/>
+              <a:buChar char="•"/>
+            </a:pPr>
+            <a:r>
+              <a:rPr lang="zh-CN" altLang="en-US" dirty="0"/>
+              <a:t>包络分析</a:t>
+            </a:r>
+          </a:p>
+          <a:p>
+            <a:pPr>
+              <a:buFont typeface="Arial" panose="020B0604020202020204" pitchFamily="34" charset="0"/>
+              <a:buChar char="•"/>
+            </a:pPr>
+            <a:r>
+              <a:rPr lang="zh-CN" altLang="en-US" dirty="0"/>
+              <a:t>高速 </a:t>
+            </a:r>
+            <a:r>
+              <a:rPr lang="en-US" altLang="zh-CN" dirty="0"/>
+              <a:t>FFT</a:t>
+            </a:r>
+          </a:p>
+          <a:p>
+            <a:pPr>
+              <a:buFont typeface="Arial" panose="020B0604020202020204" pitchFamily="34" charset="0"/>
+              <a:buChar char="•"/>
+            </a:pPr>
+            <a:r>
+              <a:rPr lang="en-US" altLang="zh-CN" dirty="0"/>
+              <a:t>Hilbert </a:t>
+            </a:r>
+            <a:r>
+              <a:rPr lang="zh-CN" altLang="en-US" dirty="0"/>
+              <a:t>变换</a:t>
+            </a:r>
+            <a:endParaRPr lang="en-US" altLang="zh-CN" dirty="0"/>
+          </a:p>
+          <a:p>
+            <a:pPr>
+              <a:buFont typeface="Arial" panose="020B0604020202020204" pitchFamily="34" charset="0"/>
+              <a:buChar char="•"/>
+            </a:pPr>
+            <a:r>
+              <a:rPr lang="zh-CN" altLang="en-US" dirty="0"/>
+              <a:t>看 </a:t>
+            </a:r>
+            <a:r>
+              <a:rPr lang="zh-CN" altLang="en-US" b="1" dirty="0"/>
+              <a:t>是否存在 </a:t>
+            </a:r>
+            <a:r>
+              <a:rPr lang="en-US" altLang="zh-CN" b="1" dirty="0"/>
+              <a:t>50 Hz </a:t>
+            </a:r>
+            <a:r>
+              <a:rPr lang="zh-CN" altLang="en-US" b="1" dirty="0"/>
+              <a:t>的 </a:t>
+            </a:r>
+            <a:r>
+              <a:rPr lang="en-US" altLang="zh-CN" b="1" dirty="0"/>
+              <a:t>sideband / AM </a:t>
+            </a:r>
+            <a:r>
+              <a:rPr lang="zh-CN" altLang="en-US" b="1" dirty="0"/>
+              <a:t>调制</a:t>
+            </a:r>
+            <a:endParaRPr lang="zh-CN" altLang="en-US" dirty="0"/>
+          </a:p>
+        </p:txBody>
+      </p:sp>
+      <p:graphicFrame>
+        <p:nvGraphicFramePr>
+          <p:cNvPr id="6" name="表格 5">
+            <a:extLst>
+              <a:ext uri="{FF2B5EF4-FFF2-40B4-BE49-F238E27FC236}">
+                <a16:creationId xmlns:a16="http://schemas.microsoft.com/office/drawing/2014/main" id="{4D0E6C57-5CAA-4BD1-BF46-B82856DB5909}"/>
+              </a:ext>
+            </a:extLst>
+          </p:cNvPr>
+          <p:cNvGraphicFramePr>
+            <a:graphicFrameLocks noGrp="1"/>
+          </p:cNvGraphicFramePr>
+          <p:nvPr>
+            <p:extLst>
+              <p:ext uri="{D42A27DB-BD31-4B8C-83A1-F6EECF244321}">
+                <p14:modId xmlns:p14="http://schemas.microsoft.com/office/powerpoint/2010/main" val="2956262841"/>
+              </p:ext>
+            </p:extLst>
+          </p:nvPr>
+        </p:nvGraphicFramePr>
+        <p:xfrm>
+          <a:off x="361950" y="1994764"/>
+          <a:ext cx="10515600" cy="731520"/>
+        </p:xfrm>
+        <a:graphic>
+          <a:graphicData uri="http://schemas.openxmlformats.org/drawingml/2006/table">
+            <a:tbl>
+              <a:tblPr/>
+              <a:tblGrid>
+                <a:gridCol w="5257800">
+                  <a:extLst>
+                    <a:ext uri="{9D8B030D-6E8A-4147-A177-3AD203B41FA5}">
+                      <a16:colId xmlns:a16="http://schemas.microsoft.com/office/drawing/2014/main" val="2686366394"/>
+                    </a:ext>
+                  </a:extLst>
+                </a:gridCol>
+                <a:gridCol w="5257800">
+                  <a:extLst>
+                    <a:ext uri="{9D8B030D-6E8A-4147-A177-3AD203B41FA5}">
+                      <a16:colId xmlns:a16="http://schemas.microsoft.com/office/drawing/2014/main" val="520293342"/>
+                    </a:ext>
+                  </a:extLst>
+                </a:gridCol>
+              </a:tblGrid>
+              <a:tr h="0">
+                <a:tc>
+                  <a:txBody>
+                    <a:bodyPr/>
+                    <a:lstStyle/>
+                    <a:p>
+                      <a:r>
+                        <a:rPr lang="zh-CN" altLang="en-US" dirty="0"/>
+                        <a:t>改动</a:t>
+                      </a:r>
+                    </a:p>
+                  </a:txBody>
+                  <a:tcPr anchor="ctr">
+                    <a:lnL>
+                      <a:noFill/>
+                    </a:lnL>
+                    <a:lnR>
+                      <a:noFill/>
+                    </a:lnR>
+                    <a:lnT>
+                      <a:noFill/>
+                    </a:lnT>
+                    <a:lnB>
+                      <a:noFill/>
+                    </a:lnB>
+                  </a:tcPr>
+                </a:tc>
+                <a:tc>
+                  <a:txBody>
+                    <a:bodyPr/>
+                    <a:lstStyle/>
+                    <a:p>
+                      <a:r>
+                        <a:rPr lang="zh-CN" altLang="en-US"/>
+                        <a:t>效果</a:t>
+                      </a:r>
+                    </a:p>
+                  </a:txBody>
+                  <a:tcPr anchor="ctr">
+                    <a:lnL>
+                      <a:noFill/>
+                    </a:lnL>
+                    <a:lnR>
+                      <a:noFill/>
+                    </a:lnR>
+                    <a:lnT>
+                      <a:noFill/>
+                    </a:lnT>
+                    <a:lnB>
+                      <a:noFill/>
+                    </a:lnB>
+                  </a:tcPr>
+                </a:tc>
+                <a:extLst>
+                  <a:ext uri="{0D108BD9-81ED-4DB2-BD59-A6C34878D82A}">
+                    <a16:rowId xmlns:a16="http://schemas.microsoft.com/office/drawing/2014/main" val="3585796065"/>
+                  </a:ext>
+                </a:extLst>
+              </a:tr>
+              <a:tr h="0">
+                <a:tc>
+                  <a:txBody>
+                    <a:bodyPr/>
+                    <a:lstStyle/>
+                    <a:p>
+                      <a:r>
+                        <a:rPr lang="zh-CN" altLang="en-US" dirty="0"/>
+                        <a:t>把 </a:t>
+                      </a:r>
+                      <a:r>
+                        <a:rPr lang="en-US" altLang="zh-CN" dirty="0"/>
+                        <a:t>20 </a:t>
+                      </a:r>
+                      <a:r>
+                        <a:rPr lang="en-US" dirty="0"/>
+                        <a:t>s </a:t>
+                      </a:r>
+                      <a:r>
+                        <a:rPr lang="zh-CN" altLang="en-US" dirty="0"/>
+                        <a:t>改成 ≤</a:t>
+                      </a:r>
+                      <a:r>
+                        <a:rPr lang="en-US" altLang="zh-CN" dirty="0"/>
+                        <a:t>10 </a:t>
+                      </a:r>
+                      <a:r>
+                        <a:rPr lang="en-US" dirty="0" err="1"/>
+                        <a:t>ms</a:t>
+                      </a:r>
+                      <a:endParaRPr lang="en-US" dirty="0"/>
+                    </a:p>
+                  </a:txBody>
+                  <a:tcPr anchor="ctr">
+                    <a:lnL>
+                      <a:noFill/>
+                    </a:lnL>
+                    <a:lnR>
+                      <a:noFill/>
+                    </a:lnR>
+                    <a:lnT>
+                      <a:noFill/>
+                    </a:lnT>
+                    <a:lnB>
+                      <a:noFill/>
+                    </a:lnB>
+                  </a:tcPr>
+                </a:tc>
+                <a:tc>
+                  <a:txBody>
+                    <a:bodyPr/>
+                    <a:lstStyle/>
+                    <a:p>
+                      <a:r>
+                        <a:rPr lang="zh-CN" altLang="en-US" dirty="0"/>
+                        <a:t>可直接观测 </a:t>
+                      </a:r>
+                      <a:r>
+                        <a:rPr lang="en-US" altLang="zh-CN" dirty="0"/>
+                        <a:t>50 </a:t>
+                      </a:r>
+                      <a:r>
+                        <a:rPr lang="en-US" dirty="0"/>
+                        <a:t>Hz</a:t>
+                      </a:r>
+                    </a:p>
+                  </a:txBody>
+                  <a:tcPr anchor="ctr">
+                    <a:lnL>
+                      <a:noFill/>
+                    </a:lnL>
+                    <a:lnR>
+                      <a:noFill/>
+                    </a:lnR>
+                    <a:lnT>
+                      <a:noFill/>
+                    </a:lnT>
+                    <a:lnB>
+                      <a:noFill/>
+                    </a:lnB>
+                  </a:tcPr>
+                </a:tc>
+                <a:extLst>
+                  <a:ext uri="{0D108BD9-81ED-4DB2-BD59-A6C34878D82A}">
+                    <a16:rowId xmlns:a16="http://schemas.microsoft.com/office/drawing/2014/main" val="2763293899"/>
+                  </a:ext>
+                </a:extLst>
+              </a:tr>
+            </a:tbl>
+          </a:graphicData>
+        </a:graphic>
+      </p:graphicFrame>
+      <p:pic>
+        <p:nvPicPr>
+          <p:cNvPr id="7" name="图片 6">
+            <a:extLst>
+              <a:ext uri="{FF2B5EF4-FFF2-40B4-BE49-F238E27FC236}">
+                <a16:creationId xmlns:a16="http://schemas.microsoft.com/office/drawing/2014/main" id="{8D6F8621-81B6-4FBC-9C41-25D395F674BA}"/>
+              </a:ext>
+            </a:extLst>
+          </p:cNvPr>
+          <p:cNvPicPr>
+            <a:picLocks noChangeAspect="1"/>
+          </p:cNvPicPr>
+          <p:nvPr/>
+        </p:nvPicPr>
+        <p:blipFill>
+          <a:blip r:embed="rId3"/>
+          <a:stretch>
+            <a:fillRect/>
+          </a:stretch>
+        </p:blipFill>
+        <p:spPr>
+          <a:xfrm>
+            <a:off x="503915" y="3429000"/>
+            <a:ext cx="4174766" cy="2136951"/>
+          </a:xfrm>
+          <a:prstGeom prst="rect">
+            <a:avLst/>
+          </a:prstGeom>
+        </p:spPr>
+      </p:pic>
+      <p:sp>
+        <p:nvSpPr>
+          <p:cNvPr id="8" name="文本框 7">
+            <a:extLst>
+              <a:ext uri="{FF2B5EF4-FFF2-40B4-BE49-F238E27FC236}">
+                <a16:creationId xmlns:a16="http://schemas.microsoft.com/office/drawing/2014/main" id="{AFB92E85-0F67-40C3-ACCB-8EC79867BAD4}"/>
+              </a:ext>
+            </a:extLst>
+          </p:cNvPr>
+          <p:cNvSpPr txBox="1"/>
+          <p:nvPr/>
+        </p:nvSpPr>
+        <p:spPr>
+          <a:xfrm>
+            <a:off x="2443480" y="5623560"/>
+            <a:ext cx="393056" cy="369332"/>
+          </a:xfrm>
+          <a:prstGeom prst="rect">
+            <a:avLst/>
+          </a:prstGeom>
+          <a:noFill/>
+        </p:spPr>
+        <p:txBody>
+          <a:bodyPr wrap="none" rtlCol="0">
+            <a:spAutoFit/>
+          </a:bodyPr>
+          <a:lstStyle/>
+          <a:p>
+            <a:r>
+              <a:rPr lang="en-US" altLang="zh-CN" dirty="0" err="1"/>
+              <a:t>fft</a:t>
+            </a:r>
+            <a:endParaRPr lang="zh-CN" altLang="en-US" dirty="0"/>
+          </a:p>
+        </p:txBody>
+      </p:sp>
+      <p:sp>
+        <p:nvSpPr>
+          <p:cNvPr id="10" name="文本框 9">
+            <a:extLst>
+              <a:ext uri="{FF2B5EF4-FFF2-40B4-BE49-F238E27FC236}">
+                <a16:creationId xmlns:a16="http://schemas.microsoft.com/office/drawing/2014/main" id="{E981C1C5-1FB9-44AC-AB6A-85D817A00FC9}"/>
+              </a:ext>
+            </a:extLst>
+          </p:cNvPr>
+          <p:cNvSpPr txBox="1"/>
+          <p:nvPr/>
+        </p:nvSpPr>
+        <p:spPr>
+          <a:xfrm>
+            <a:off x="5238750" y="3020147"/>
+            <a:ext cx="7131050" cy="1477328"/>
+          </a:xfrm>
+          <a:prstGeom prst="rect">
+            <a:avLst/>
+          </a:prstGeom>
+          <a:noFill/>
+        </p:spPr>
+        <p:txBody>
+          <a:bodyPr wrap="square">
+            <a:spAutoFit/>
+          </a:bodyPr>
+          <a:lstStyle/>
+          <a:p>
+            <a:endParaRPr lang="zh-CN" altLang="en-US" dirty="0"/>
+          </a:p>
+          <a:p>
+            <a:r>
+              <a:rPr lang="zh-CN" altLang="en-US" dirty="0"/>
+              <a:t>Hilbert变换分析完成</a:t>
+            </a:r>
+          </a:p>
+          <a:p>
+            <a:r>
+              <a:rPr lang="zh-CN" altLang="en-US" b="1" dirty="0"/>
+              <a:t>平均瞬时频率标准差: 10.611 MHz</a:t>
+            </a:r>
+            <a:endParaRPr lang="en-US" altLang="zh-CN" b="1" dirty="0"/>
+          </a:p>
+          <a:p>
+            <a:r>
+              <a:rPr lang="zh-CN" altLang="en-US" b="1" dirty="0"/>
+              <a:t>事件内部相位在 </a:t>
+            </a:r>
+            <a:r>
+              <a:rPr lang="en-US" altLang="zh-CN" b="1" dirty="0"/>
+              <a:t>MHz </a:t>
+            </a:r>
+            <a:r>
+              <a:rPr lang="zh-CN" altLang="en-US" b="1" dirty="0"/>
+              <a:t>尺度上疯狂抖动</a:t>
+            </a:r>
+            <a:endParaRPr lang="en-US" altLang="zh-CN" b="1" dirty="0"/>
+          </a:p>
+          <a:p>
+            <a:r>
+              <a:rPr lang="zh-CN" altLang="en-US" b="1" dirty="0"/>
+              <a:t>即使真的有 </a:t>
+            </a:r>
+            <a:r>
+              <a:rPr lang="en-US" altLang="zh-CN" b="1" dirty="0"/>
+              <a:t>50 Hz </a:t>
+            </a:r>
+            <a:r>
+              <a:rPr lang="zh-CN" altLang="en-US" b="1" dirty="0"/>
+              <a:t>调制，它也已经被 </a:t>
+            </a:r>
+            <a:r>
+              <a:rPr lang="en-US" altLang="zh-CN" b="1" dirty="0"/>
+              <a:t>MHz </a:t>
+            </a:r>
+            <a:r>
+              <a:rPr lang="zh-CN" altLang="en-US" b="1" dirty="0"/>
+              <a:t>级的相位噪声彻底淹没</a:t>
+            </a:r>
+          </a:p>
+        </p:txBody>
+      </p:sp>
+    </p:spTree>
+    <p:extLst>
+      <p:ext uri="{BB962C8B-B14F-4D97-AF65-F5344CB8AC3E}">
+        <p14:creationId xmlns:p14="http://schemas.microsoft.com/office/powerpoint/2010/main" val="4162288549"/>
       </p:ext>
     </p:extLst>
   </p:cSld>
